--- a/Model_Diagrams.pptx
+++ b/Model_Diagrams.pptx
@@ -22,6 +22,12 @@
     <p:sldId id="266" r:id="rId16"/>
     <p:sldId id="267" r:id="rId17"/>
     <p:sldId id="268" r:id="rId18"/>
+    <p:sldId id="277" r:id="rId19"/>
+    <p:sldId id="274" r:id="rId20"/>
+    <p:sldId id="279" r:id="rId21"/>
+    <p:sldId id="276" r:id="rId22"/>
+    <p:sldId id="275" r:id="rId23"/>
+    <p:sldId id="278" r:id="rId24"/>
   </p:sldIdLst>
   <p:sldSz cx="12192000" cy="6858000"/>
   <p:notesSz cx="6858000" cy="9144000"/>
@@ -120,6 +126,11 @@
       </a:defRPr>
     </a:lvl9pPr>
   </p:defaultTextStyle>
+  <p:extLst>
+    <p:ext uri="{EFAFB233-063F-42B5-8137-9DF3F51BA10A}">
+      <p15:sldGuideLst xmlns:p15="http://schemas.microsoft.com/office/powerpoint/2012/main"/>
+    </p:ext>
+  </p:extLst>
 </p:presentation>
 </file>
 
@@ -254,7 +265,7 @@
           <a:p>
             <a:fld id="{C910097A-F090-434D-8A5F-0F5B503D7243}" type="datetimeFigureOut">
               <a:rPr lang="en-US" smtClean="0"/>
-              <a:t>11/21/16</a:t>
+              <a:t>11/22/16</a:t>
             </a:fld>
             <a:endParaRPr lang="en-US"/>
           </a:p>
@@ -424,7 +435,7 @@
           <a:p>
             <a:fld id="{C910097A-F090-434D-8A5F-0F5B503D7243}" type="datetimeFigureOut">
               <a:rPr lang="en-US" smtClean="0"/>
-              <a:t>11/21/16</a:t>
+              <a:t>11/22/16</a:t>
             </a:fld>
             <a:endParaRPr lang="en-US"/>
           </a:p>
@@ -604,7 +615,7 @@
           <a:p>
             <a:fld id="{C910097A-F090-434D-8A5F-0F5B503D7243}" type="datetimeFigureOut">
               <a:rPr lang="en-US" smtClean="0"/>
-              <a:t>11/21/16</a:t>
+              <a:t>11/22/16</a:t>
             </a:fld>
             <a:endParaRPr lang="en-US"/>
           </a:p>
@@ -774,7 +785,7 @@
           <a:p>
             <a:fld id="{C910097A-F090-434D-8A5F-0F5B503D7243}" type="datetimeFigureOut">
               <a:rPr lang="en-US" smtClean="0"/>
-              <a:t>11/21/16</a:t>
+              <a:t>11/22/16</a:t>
             </a:fld>
             <a:endParaRPr lang="en-US"/>
           </a:p>
@@ -1020,7 +1031,7 @@
           <a:p>
             <a:fld id="{C910097A-F090-434D-8A5F-0F5B503D7243}" type="datetimeFigureOut">
               <a:rPr lang="en-US" smtClean="0"/>
-              <a:t>11/21/16</a:t>
+              <a:t>11/22/16</a:t>
             </a:fld>
             <a:endParaRPr lang="en-US"/>
           </a:p>
@@ -1252,7 +1263,7 @@
           <a:p>
             <a:fld id="{C910097A-F090-434D-8A5F-0F5B503D7243}" type="datetimeFigureOut">
               <a:rPr lang="en-US" smtClean="0"/>
-              <a:t>11/21/16</a:t>
+              <a:t>11/22/16</a:t>
             </a:fld>
             <a:endParaRPr lang="en-US"/>
           </a:p>
@@ -1619,7 +1630,7 @@
           <a:p>
             <a:fld id="{C910097A-F090-434D-8A5F-0F5B503D7243}" type="datetimeFigureOut">
               <a:rPr lang="en-US" smtClean="0"/>
-              <a:t>11/21/16</a:t>
+              <a:t>11/22/16</a:t>
             </a:fld>
             <a:endParaRPr lang="en-US"/>
           </a:p>
@@ -1737,7 +1748,7 @@
           <a:p>
             <a:fld id="{C910097A-F090-434D-8A5F-0F5B503D7243}" type="datetimeFigureOut">
               <a:rPr lang="en-US" smtClean="0"/>
-              <a:t>11/21/16</a:t>
+              <a:t>11/22/16</a:t>
             </a:fld>
             <a:endParaRPr lang="en-US"/>
           </a:p>
@@ -1832,7 +1843,7 @@
           <a:p>
             <a:fld id="{C910097A-F090-434D-8A5F-0F5B503D7243}" type="datetimeFigureOut">
               <a:rPr lang="en-US" smtClean="0"/>
-              <a:t>11/21/16</a:t>
+              <a:t>11/22/16</a:t>
             </a:fld>
             <a:endParaRPr lang="en-US"/>
           </a:p>
@@ -2109,7 +2120,7 @@
           <a:p>
             <a:fld id="{C910097A-F090-434D-8A5F-0F5B503D7243}" type="datetimeFigureOut">
               <a:rPr lang="en-US" smtClean="0"/>
-              <a:t>11/21/16</a:t>
+              <a:t>11/22/16</a:t>
             </a:fld>
             <a:endParaRPr lang="en-US"/>
           </a:p>
@@ -2362,7 +2373,7 @@
           <a:p>
             <a:fld id="{C910097A-F090-434D-8A5F-0F5B503D7243}" type="datetimeFigureOut">
               <a:rPr lang="en-US" smtClean="0"/>
-              <a:t>11/21/16</a:t>
+              <a:t>11/22/16</a:t>
             </a:fld>
             <a:endParaRPr lang="en-US"/>
           </a:p>
@@ -2575,7 +2586,7 @@
           <a:p>
             <a:fld id="{C910097A-F090-434D-8A5F-0F5B503D7243}" type="datetimeFigureOut">
               <a:rPr lang="en-US" smtClean="0"/>
-              <a:t>11/21/16</a:t>
+              <a:t>11/22/16</a:t>
             </a:fld>
             <a:endParaRPr lang="en-US"/>
           </a:p>
@@ -9786,7 +9797,7 @@
         </p:nvSpPr>
         <p:spPr>
           <a:xfrm>
-            <a:off x="7726413" y="1593431"/>
+            <a:off x="8398217" y="1761382"/>
             <a:ext cx="926926" cy="901874"/>
           </a:xfrm>
           <a:prstGeom prst="ellipse">
@@ -9844,7 +9855,7 @@
         </p:nvSpPr>
         <p:spPr>
           <a:xfrm>
-            <a:off x="8539616" y="1401290"/>
+            <a:off x="9211420" y="1569241"/>
             <a:ext cx="845103" cy="477054"/>
           </a:xfrm>
           <a:prstGeom prst="rect">
@@ -9949,7 +9960,7 @@
         </p:nvCxnSpPr>
         <p:spPr>
           <a:xfrm>
-            <a:off x="8189876" y="962410"/>
+            <a:off x="8861680" y="1130361"/>
             <a:ext cx="0" cy="631021"/>
           </a:xfrm>
           <a:prstGeom prst="straightConnector1">
@@ -9985,7 +9996,7 @@
         </p:nvSpPr>
         <p:spPr>
           <a:xfrm>
-            <a:off x="6095773" y="2430963"/>
+            <a:off x="6767577" y="2598914"/>
             <a:ext cx="926926" cy="901874"/>
           </a:xfrm>
           <a:prstGeom prst="ellipse">
@@ -10038,7 +10049,7 @@
         </p:nvSpPr>
         <p:spPr>
           <a:xfrm>
-            <a:off x="6999951" y="2495305"/>
+            <a:off x="7671755" y="2663256"/>
             <a:ext cx="845103" cy="477054"/>
           </a:xfrm>
           <a:prstGeom prst="rect">
@@ -10076,7 +10087,7 @@
         </p:nvSpPr>
         <p:spPr>
           <a:xfrm>
-            <a:off x="4401166" y="3302946"/>
+            <a:off x="5072970" y="3470897"/>
             <a:ext cx="926926" cy="901874"/>
           </a:xfrm>
           <a:prstGeom prst="ellipse">
@@ -10134,7 +10145,7 @@
         </p:nvSpPr>
         <p:spPr>
           <a:xfrm>
-            <a:off x="5357629" y="3370871"/>
+            <a:off x="6029433" y="3538822"/>
             <a:ext cx="845103" cy="477054"/>
           </a:xfrm>
           <a:prstGeom prst="rect">
@@ -10172,7 +10183,7 @@
         </p:nvSpPr>
         <p:spPr>
           <a:xfrm>
-            <a:off x="2825325" y="4110355"/>
+            <a:off x="3497129" y="4278306"/>
             <a:ext cx="926926" cy="901874"/>
           </a:xfrm>
           <a:prstGeom prst="ellipse">
@@ -10225,7 +10236,7 @@
         </p:nvSpPr>
         <p:spPr>
           <a:xfrm>
-            <a:off x="3815334" y="4242431"/>
+            <a:off x="4487138" y="4410382"/>
             <a:ext cx="898003" cy="477054"/>
           </a:xfrm>
           <a:prstGeom prst="rect">
@@ -10266,7 +10277,7 @@
         </p:nvCxnSpPr>
         <p:spPr>
           <a:xfrm flipH="1">
-            <a:off x="6886954" y="2044368"/>
+            <a:off x="7558758" y="2212319"/>
             <a:ext cx="839459" cy="518671"/>
           </a:xfrm>
           <a:prstGeom prst="straightConnector1">
@@ -10305,7 +10316,7 @@
         </p:nvCxnSpPr>
         <p:spPr>
           <a:xfrm flipH="1">
-            <a:off x="3616506" y="3753883"/>
+            <a:off x="4288310" y="3921834"/>
             <a:ext cx="784660" cy="488548"/>
           </a:xfrm>
           <a:prstGeom prst="straightConnector1">
@@ -10344,7 +10355,7 @@
         </p:nvCxnSpPr>
         <p:spPr>
           <a:xfrm flipH="1">
-            <a:off x="5192347" y="2881900"/>
+            <a:off x="5864151" y="3049851"/>
             <a:ext cx="903426" cy="553122"/>
           </a:xfrm>
           <a:prstGeom prst="straightConnector1">
@@ -10380,7 +10391,7 @@
         </p:nvSpPr>
         <p:spPr>
           <a:xfrm>
-            <a:off x="3559965" y="3553828"/>
+            <a:off x="4231769" y="3721779"/>
             <a:ext cx="654346" cy="400110"/>
           </a:xfrm>
           <a:prstGeom prst="rect">
@@ -10418,7 +10429,7 @@
         </p:nvSpPr>
         <p:spPr>
           <a:xfrm>
-            <a:off x="5191595" y="2758351"/>
+            <a:off x="5863399" y="2926302"/>
             <a:ext cx="654346" cy="400110"/>
           </a:xfrm>
           <a:prstGeom prst="rect">
@@ -10456,7 +10467,7 @@
         </p:nvSpPr>
         <p:spPr>
           <a:xfrm>
-            <a:off x="1249484" y="4860578"/>
+            <a:off x="1921288" y="5028529"/>
             <a:ext cx="926926" cy="901874"/>
           </a:xfrm>
           <a:prstGeom prst="ellipse">
@@ -10514,7 +10525,7 @@
         </p:nvSpPr>
         <p:spPr>
           <a:xfrm>
-            <a:off x="2176410" y="4992654"/>
+            <a:off x="2848214" y="5160605"/>
             <a:ext cx="1102202" cy="477054"/>
           </a:xfrm>
           <a:prstGeom prst="rect">
@@ -10555,7 +10566,7 @@
         </p:nvCxnSpPr>
         <p:spPr>
           <a:xfrm flipH="1">
-            <a:off x="2040665" y="4561292"/>
+            <a:off x="2712469" y="4729243"/>
             <a:ext cx="784660" cy="431362"/>
           </a:xfrm>
           <a:prstGeom prst="straightConnector1">
@@ -10591,7 +10602,7 @@
         </p:nvSpPr>
         <p:spPr>
           <a:xfrm>
-            <a:off x="6841861" y="1926663"/>
+            <a:off x="7513665" y="2094614"/>
             <a:ext cx="654346" cy="400110"/>
           </a:xfrm>
           <a:prstGeom prst="rect">
@@ -10629,7 +10640,83 @@
         </p:nvSpPr>
         <p:spPr>
           <a:xfrm>
-            <a:off x="1989555" y="4361237"/>
+            <a:off x="2661359" y="4529188"/>
+            <a:ext cx="654346" cy="400110"/>
+          </a:xfrm>
+          <a:prstGeom prst="rect">
+            <a:avLst/>
+          </a:prstGeom>
+          <a:noFill/>
+        </p:spPr>
+        <p:txBody>
+          <a:bodyPr wrap="none" rtlCol="0">
+            <a:spAutoFit/>
+          </a:bodyPr>
+          <a:lstStyle/>
+          <a:p>
+            <a:r>
+              <a:rPr lang="en-US" sz="2000" b="1" dirty="0" smtClean="0">
+                <a:latin typeface="CMU Serif Roman" charset="0"/>
+                <a:ea typeface="CMU Serif Roman" charset="0"/>
+                <a:cs typeface="CMU Serif Roman" charset="0"/>
+              </a:rPr>
+              <a:t>act1</a:t>
+            </a:r>
+            <a:endParaRPr lang="en-US" sz="2000" b="1" dirty="0">
+              <a:latin typeface="CMU Serif Roman" charset="0"/>
+              <a:ea typeface="CMU Serif Roman" charset="0"/>
+              <a:cs typeface="CMU Serif Roman" charset="0"/>
+            </a:endParaRPr>
+          </a:p>
+        </p:txBody>
+      </p:sp>
+      <p:cxnSp>
+        <p:nvCxnSpPr>
+          <p:cNvPr id="22" name="Elbow Connector 21"/>
+          <p:cNvCxnSpPr>
+            <a:stCxn id="12" idx="0"/>
+            <a:endCxn id="7" idx="0"/>
+          </p:cNvCxnSpPr>
+          <p:nvPr/>
+        </p:nvCxnSpPr>
+        <p:spPr>
+          <a:xfrm rot="5400000" flipH="1" flipV="1">
+            <a:off x="4756120" y="1803386"/>
+            <a:ext cx="1679392" cy="3270448"/>
+          </a:xfrm>
+          <a:prstGeom prst="bentConnector3">
+            <a:avLst>
+              <a:gd name="adj1" fmla="val 143614"/>
+            </a:avLst>
+          </a:prstGeom>
+          <a:ln w="57150">
+            <a:tailEnd type="triangle"/>
+          </a:ln>
+        </p:spPr>
+        <p:style>
+          <a:lnRef idx="3">
+            <a:schemeClr val="accent1"/>
+          </a:lnRef>
+          <a:fillRef idx="0">
+            <a:schemeClr val="accent1"/>
+          </a:fillRef>
+          <a:effectRef idx="2">
+            <a:schemeClr val="accent1"/>
+          </a:effectRef>
+          <a:fontRef idx="minor">
+            <a:schemeClr val="tx1"/>
+          </a:fontRef>
+        </p:style>
+      </p:cxnSp>
+      <p:sp>
+        <p:nvSpPr>
+          <p:cNvPr id="27" name="TextBox 26"/>
+          <p:cNvSpPr txBox="1"/>
+          <p:nvPr/>
+        </p:nvSpPr>
+        <p:spPr>
+          <a:xfrm>
+            <a:off x="5345550" y="1463549"/>
             <a:ext cx="654346" cy="400110"/>
           </a:xfrm>
           <a:prstGeom prst="rect">
@@ -10669,6 +10756,1290 @@
   <p:clrMapOvr>
     <a:masterClrMapping/>
   </p:clrMapOvr>
+</p:sld>
+</file>
+
+<file path=ppt/slides/slide18.xml><?xml version="1.0" encoding="utf-8"?>
+<p:sld xmlns:a="http://schemas.openxmlformats.org/drawingml/2006/main" xmlns:r="http://schemas.openxmlformats.org/officeDocument/2006/relationships" xmlns:p="http://schemas.openxmlformats.org/presentationml/2006/main">
+  <p:cSld>
+    <p:spTree>
+      <p:nvGrpSpPr>
+        <p:cNvPr id="1" name=""/>
+        <p:cNvGrpSpPr/>
+        <p:nvPr/>
+      </p:nvGrpSpPr>
+      <p:grpSpPr>
+        <a:xfrm>
+          <a:off x="0" y="0"/>
+          <a:ext cx="0" cy="0"/>
+          <a:chOff x="0" y="0"/>
+          <a:chExt cx="0" cy="0"/>
+        </a:xfrm>
+      </p:grpSpPr>
+      <p:sp>
+        <p:nvSpPr>
+          <p:cNvPr id="2" name="Title 1"/>
+          <p:cNvSpPr>
+            <a:spLocks noGrp="1"/>
+          </p:cNvSpPr>
+          <p:nvPr>
+            <p:ph type="title"/>
+          </p:nvPr>
+        </p:nvSpPr>
+        <p:spPr>
+          <a:xfrm>
+            <a:off x="923260" y="2640493"/>
+            <a:ext cx="10515600" cy="1325563"/>
+          </a:xfrm>
+        </p:spPr>
+        <p:txBody>
+          <a:bodyPr>
+            <a:noAutofit/>
+          </a:bodyPr>
+          <a:lstStyle/>
+          <a:p>
+            <a:pPr algn="ctr"/>
+            <a:r>
+              <a:rPr lang="en-US" sz="10000" dirty="0" smtClean="0"/>
+              <a:t>ADDITIONAL MODELS:</a:t>
+            </a:r>
+            <a:endParaRPr lang="en-US" sz="10000" dirty="0"/>
+          </a:p>
+        </p:txBody>
+      </p:sp>
+    </p:spTree>
+    <p:extLst>
+      <p:ext uri="{BB962C8B-B14F-4D97-AF65-F5344CB8AC3E}">
+        <p14:creationId xmlns:p14="http://schemas.microsoft.com/office/powerpoint/2010/main" val="1756189083"/>
+      </p:ext>
+    </p:extLst>
+  </p:cSld>
+  <p:clrMapOvr>
+    <a:masterClrMapping/>
+  </p:clrMapOvr>
+</p:sld>
+</file>
+
+<file path=ppt/slides/slide19.xml><?xml version="1.0" encoding="utf-8"?>
+<p:sld xmlns:a="http://schemas.openxmlformats.org/drawingml/2006/main" xmlns:r="http://schemas.openxmlformats.org/officeDocument/2006/relationships" xmlns:p="http://schemas.openxmlformats.org/presentationml/2006/main">
+  <p:cSld>
+    <p:spTree>
+      <p:nvGrpSpPr>
+        <p:cNvPr id="1" name=""/>
+        <p:cNvGrpSpPr/>
+        <p:nvPr/>
+      </p:nvGrpSpPr>
+      <p:grpSpPr>
+        <a:xfrm>
+          <a:off x="0" y="0"/>
+          <a:ext cx="0" cy="0"/>
+          <a:chOff x="0" y="0"/>
+          <a:chExt cx="0" cy="0"/>
+        </a:xfrm>
+      </p:grpSpPr>
+      <p:sp>
+        <p:nvSpPr>
+          <p:cNvPr id="4" name="Oval 3"/>
+          <p:cNvSpPr/>
+          <p:nvPr/>
+        </p:nvSpPr>
+        <p:spPr>
+          <a:xfrm>
+            <a:off x="8267588" y="1929333"/>
+            <a:ext cx="926926" cy="901874"/>
+          </a:xfrm>
+          <a:prstGeom prst="ellipse">
+            <a:avLst/>
+          </a:prstGeom>
+        </p:spPr>
+        <p:style>
+          <a:lnRef idx="0">
+            <a:schemeClr val="accent5"/>
+          </a:lnRef>
+          <a:fillRef idx="3">
+            <a:schemeClr val="accent5"/>
+          </a:fillRef>
+          <a:effectRef idx="3">
+            <a:schemeClr val="accent5"/>
+          </a:effectRef>
+          <a:fontRef idx="minor">
+            <a:schemeClr val="lt1"/>
+          </a:fontRef>
+        </p:style>
+        <p:txBody>
+          <a:bodyPr rtlCol="0" anchor="ctr"/>
+          <a:lstStyle/>
+          <a:p>
+            <a:pPr algn="ctr"/>
+            <a:r>
+              <a:rPr lang="en-US" sz="2500" dirty="0" smtClean="0">
+                <a:latin typeface="CMU Serif Roman" charset="0"/>
+                <a:ea typeface="CMU Serif Roman" charset="0"/>
+                <a:cs typeface="CMU Serif Roman" charset="0"/>
+              </a:rPr>
+              <a:t>S</a:t>
+            </a:r>
+            <a:r>
+              <a:rPr lang="en-US" sz="2500" baseline="-25000" dirty="0" smtClean="0">
+                <a:latin typeface="CMU Serif Roman" charset="0"/>
+                <a:ea typeface="CMU Serif Roman" charset="0"/>
+                <a:cs typeface="CMU Serif Roman" charset="0"/>
+              </a:rPr>
+              <a:t>0</a:t>
+            </a:r>
+            <a:endParaRPr lang="en-US" sz="2500" baseline="-25000" dirty="0">
+              <a:latin typeface="CMU Serif Roman" charset="0"/>
+              <a:ea typeface="CMU Serif Roman" charset="0"/>
+              <a:cs typeface="CMU Serif Roman" charset="0"/>
+            </a:endParaRPr>
+          </a:p>
+        </p:txBody>
+      </p:sp>
+      <p:sp>
+        <p:nvSpPr>
+          <p:cNvPr id="5" name="TextBox 4"/>
+          <p:cNvSpPr txBox="1"/>
+          <p:nvPr/>
+        </p:nvSpPr>
+        <p:spPr>
+          <a:xfrm>
+            <a:off x="9080791" y="1737192"/>
+            <a:ext cx="845103" cy="477054"/>
+          </a:xfrm>
+          <a:prstGeom prst="rect">
+            <a:avLst/>
+          </a:prstGeom>
+          <a:noFill/>
+        </p:spPr>
+        <p:txBody>
+          <a:bodyPr wrap="none" rtlCol="0">
+            <a:spAutoFit/>
+          </a:bodyPr>
+          <a:lstStyle/>
+          <a:p>
+            <a:r>
+              <a:rPr lang="en-US" sz="2500" dirty="0" smtClean="0">
+                <a:latin typeface="CMU Serif Roman" charset="0"/>
+                <a:ea typeface="CMU Serif Roman" charset="0"/>
+                <a:cs typeface="CMU Serif Roman" charset="0"/>
+              </a:rPr>
+              <a:t>{ r }</a:t>
+            </a:r>
+            <a:endParaRPr lang="en-US" sz="2500" dirty="0">
+              <a:latin typeface="CMU Serif Roman" charset="0"/>
+              <a:ea typeface="CMU Serif Roman" charset="0"/>
+              <a:cs typeface="CMU Serif Roman" charset="0"/>
+            </a:endParaRPr>
+          </a:p>
+        </p:txBody>
+      </p:sp>
+      <p:sp>
+        <p:nvSpPr>
+          <p:cNvPr id="9" name="Rectangle 8"/>
+          <p:cNvSpPr/>
+          <p:nvPr/>
+        </p:nvSpPr>
+        <p:spPr>
+          <a:xfrm>
+            <a:off x="1725502" y="299855"/>
+            <a:ext cx="8832867" cy="630942"/>
+          </a:xfrm>
+          <a:prstGeom prst="rect">
+            <a:avLst/>
+          </a:prstGeom>
+          <a:noFill/>
+        </p:spPr>
+        <p:txBody>
+          <a:bodyPr wrap="none" lIns="91440" tIns="45720" rIns="91440" bIns="45720">
+            <a:spAutoFit/>
+          </a:bodyPr>
+          <a:lstStyle/>
+          <a:p>
+            <a:pPr algn="ctr"/>
+            <a:r>
+              <a:rPr lang="en-GB" sz="3500" dirty="0" smtClean="0">
+                <a:ln w="0"/>
+                <a:effectLst>
+                  <a:outerShdw blurRad="38100" dist="19050" dir="2700000" algn="tl" rotWithShape="0">
+                    <a:schemeClr val="dk1">
+                      <a:alpha val="40000"/>
+                    </a:schemeClr>
+                  </a:outerShdw>
+                </a:effectLst>
+                <a:latin typeface="CMU Serif Roman" charset="0"/>
+                <a:ea typeface="CMU Serif Roman" charset="0"/>
+                <a:cs typeface="CMU Serif Roman" charset="0"/>
+              </a:rPr>
+              <a:t>*NEW MODEL – THERE EXISTS UNTIL</a:t>
+            </a:r>
+            <a:endParaRPr lang="en-GB" sz="3500" b="1" spc="50" dirty="0">
+              <a:ln w="9525" cmpd="sng">
+                <a:solidFill>
+                  <a:schemeClr val="accent1"/>
+                </a:solidFill>
+                <a:prstDash val="solid"/>
+              </a:ln>
+              <a:solidFill>
+                <a:srgbClr val="70AD47">
+                  <a:tint val="1000"/>
+                </a:srgbClr>
+              </a:solidFill>
+              <a:effectLst>
+                <a:glow rad="38100">
+                  <a:schemeClr val="accent1">
+                    <a:alpha val="40000"/>
+                  </a:schemeClr>
+                </a:glow>
+              </a:effectLst>
+              <a:latin typeface="CMU Serif Roman" charset="0"/>
+              <a:ea typeface="CMU Serif Roman" charset="0"/>
+              <a:cs typeface="CMU Serif Roman" charset="0"/>
+            </a:endParaRPr>
+          </a:p>
+        </p:txBody>
+      </p:sp>
+      <p:cxnSp>
+        <p:nvCxnSpPr>
+          <p:cNvPr id="6" name="Straight Arrow Connector 5"/>
+          <p:cNvCxnSpPr>
+            <a:endCxn id="4" idx="7"/>
+          </p:cNvCxnSpPr>
+          <p:nvPr/>
+        </p:nvCxnSpPr>
+        <p:spPr>
+          <a:xfrm flipH="1">
+            <a:off x="9058769" y="1455575"/>
+            <a:ext cx="135745" cy="605834"/>
+          </a:xfrm>
+          <a:prstGeom prst="straightConnector1">
+            <a:avLst/>
+          </a:prstGeom>
+          <a:ln w="57150">
+            <a:solidFill>
+              <a:schemeClr val="accent1"/>
+            </a:solidFill>
+            <a:tailEnd type="triangle"/>
+          </a:ln>
+        </p:spPr>
+        <p:style>
+          <a:lnRef idx="3">
+            <a:schemeClr val="accent5"/>
+          </a:lnRef>
+          <a:fillRef idx="0">
+            <a:schemeClr val="accent5"/>
+          </a:fillRef>
+          <a:effectRef idx="2">
+            <a:schemeClr val="accent5"/>
+          </a:effectRef>
+          <a:fontRef idx="minor">
+            <a:schemeClr val="tx1"/>
+          </a:fontRef>
+        </p:style>
+      </p:cxnSp>
+      <p:sp>
+        <p:nvSpPr>
+          <p:cNvPr id="7" name="Oval 6"/>
+          <p:cNvSpPr/>
+          <p:nvPr/>
+        </p:nvSpPr>
+        <p:spPr>
+          <a:xfrm>
+            <a:off x="6636948" y="2766865"/>
+            <a:ext cx="926926" cy="901874"/>
+          </a:xfrm>
+          <a:prstGeom prst="ellipse">
+            <a:avLst/>
+          </a:prstGeom>
+        </p:spPr>
+        <p:style>
+          <a:lnRef idx="0">
+            <a:schemeClr val="accent5"/>
+          </a:lnRef>
+          <a:fillRef idx="3">
+            <a:schemeClr val="accent5"/>
+          </a:fillRef>
+          <a:effectRef idx="3">
+            <a:schemeClr val="accent5"/>
+          </a:effectRef>
+          <a:fontRef idx="minor">
+            <a:schemeClr val="lt1"/>
+          </a:fontRef>
+        </p:style>
+        <p:txBody>
+          <a:bodyPr rtlCol="0" anchor="ctr"/>
+          <a:lstStyle/>
+          <a:p>
+            <a:pPr algn="ctr"/>
+            <a:r>
+              <a:rPr lang="en-US" sz="2500" dirty="0" smtClean="0">
+                <a:latin typeface="CMU Serif Roman" charset="0"/>
+                <a:ea typeface="CMU Serif Roman" charset="0"/>
+                <a:cs typeface="CMU Serif Roman" charset="0"/>
+              </a:rPr>
+              <a:t>S</a:t>
+            </a:r>
+            <a:r>
+              <a:rPr lang="en-US" sz="2500" baseline="-25000" dirty="0">
+                <a:latin typeface="CMU Serif Roman" charset="0"/>
+                <a:ea typeface="CMU Serif Roman" charset="0"/>
+                <a:cs typeface="CMU Serif Roman" charset="0"/>
+              </a:rPr>
+              <a:t>1</a:t>
+            </a:r>
+          </a:p>
+        </p:txBody>
+      </p:sp>
+      <p:sp>
+        <p:nvSpPr>
+          <p:cNvPr id="8" name="TextBox 7"/>
+          <p:cNvSpPr txBox="1"/>
+          <p:nvPr/>
+        </p:nvSpPr>
+        <p:spPr>
+          <a:xfrm>
+            <a:off x="7541126" y="2831207"/>
+            <a:ext cx="845103" cy="477054"/>
+          </a:xfrm>
+          <a:prstGeom prst="rect">
+            <a:avLst/>
+          </a:prstGeom>
+          <a:noFill/>
+        </p:spPr>
+        <p:txBody>
+          <a:bodyPr wrap="none" rtlCol="0">
+            <a:spAutoFit/>
+          </a:bodyPr>
+          <a:lstStyle/>
+          <a:p>
+            <a:r>
+              <a:rPr lang="en-US" sz="2500" dirty="0" smtClean="0">
+                <a:latin typeface="CMU Serif Roman" charset="0"/>
+                <a:ea typeface="CMU Serif Roman" charset="0"/>
+                <a:cs typeface="CMU Serif Roman" charset="0"/>
+              </a:rPr>
+              <a:t>{ r }</a:t>
+            </a:r>
+            <a:endParaRPr lang="en-US" sz="2500" dirty="0">
+              <a:latin typeface="CMU Serif Roman" charset="0"/>
+              <a:ea typeface="CMU Serif Roman" charset="0"/>
+              <a:cs typeface="CMU Serif Roman" charset="0"/>
+            </a:endParaRPr>
+          </a:p>
+        </p:txBody>
+      </p:sp>
+      <p:sp>
+        <p:nvSpPr>
+          <p:cNvPr id="10" name="Oval 9"/>
+          <p:cNvSpPr/>
+          <p:nvPr/>
+        </p:nvSpPr>
+        <p:spPr>
+          <a:xfrm>
+            <a:off x="4942341" y="3638848"/>
+            <a:ext cx="926926" cy="901874"/>
+          </a:xfrm>
+          <a:prstGeom prst="ellipse">
+            <a:avLst/>
+          </a:prstGeom>
+        </p:spPr>
+        <p:style>
+          <a:lnRef idx="0">
+            <a:schemeClr val="accent5"/>
+          </a:lnRef>
+          <a:fillRef idx="3">
+            <a:schemeClr val="accent5"/>
+          </a:fillRef>
+          <a:effectRef idx="3">
+            <a:schemeClr val="accent5"/>
+          </a:effectRef>
+          <a:fontRef idx="minor">
+            <a:schemeClr val="lt1"/>
+          </a:fontRef>
+        </p:style>
+        <p:txBody>
+          <a:bodyPr rtlCol="0" anchor="ctr"/>
+          <a:lstStyle/>
+          <a:p>
+            <a:pPr algn="ctr"/>
+            <a:r>
+              <a:rPr lang="en-US" sz="2500" dirty="0" smtClean="0">
+                <a:latin typeface="CMU Serif Roman" charset="0"/>
+                <a:ea typeface="CMU Serif Roman" charset="0"/>
+                <a:cs typeface="CMU Serif Roman" charset="0"/>
+              </a:rPr>
+              <a:t>S</a:t>
+            </a:r>
+            <a:r>
+              <a:rPr lang="en-US" sz="2500" baseline="-25000" dirty="0" smtClean="0">
+                <a:latin typeface="CMU Serif Roman" charset="0"/>
+                <a:ea typeface="CMU Serif Roman" charset="0"/>
+                <a:cs typeface="CMU Serif Roman" charset="0"/>
+              </a:rPr>
+              <a:t>2</a:t>
+            </a:r>
+            <a:endParaRPr lang="en-US" sz="2500" baseline="-25000" dirty="0">
+              <a:latin typeface="CMU Serif Roman" charset="0"/>
+              <a:ea typeface="CMU Serif Roman" charset="0"/>
+              <a:cs typeface="CMU Serif Roman" charset="0"/>
+            </a:endParaRPr>
+          </a:p>
+        </p:txBody>
+      </p:sp>
+      <p:sp>
+        <p:nvSpPr>
+          <p:cNvPr id="11" name="TextBox 10"/>
+          <p:cNvSpPr txBox="1"/>
+          <p:nvPr/>
+        </p:nvSpPr>
+        <p:spPr>
+          <a:xfrm>
+            <a:off x="5898804" y="3706773"/>
+            <a:ext cx="845103" cy="477054"/>
+          </a:xfrm>
+          <a:prstGeom prst="rect">
+            <a:avLst/>
+          </a:prstGeom>
+          <a:noFill/>
+        </p:spPr>
+        <p:txBody>
+          <a:bodyPr wrap="none" rtlCol="0">
+            <a:spAutoFit/>
+          </a:bodyPr>
+          <a:lstStyle/>
+          <a:p>
+            <a:r>
+              <a:rPr lang="en-US" sz="2500" dirty="0" smtClean="0">
+                <a:latin typeface="CMU Serif Roman" charset="0"/>
+                <a:ea typeface="CMU Serif Roman" charset="0"/>
+                <a:cs typeface="CMU Serif Roman" charset="0"/>
+              </a:rPr>
+              <a:t>{ r }</a:t>
+            </a:r>
+            <a:endParaRPr lang="en-US" sz="2500" dirty="0">
+              <a:latin typeface="CMU Serif Roman" charset="0"/>
+              <a:ea typeface="CMU Serif Roman" charset="0"/>
+              <a:cs typeface="CMU Serif Roman" charset="0"/>
+            </a:endParaRPr>
+          </a:p>
+        </p:txBody>
+      </p:sp>
+      <p:sp>
+        <p:nvSpPr>
+          <p:cNvPr id="12" name="Oval 11"/>
+          <p:cNvSpPr/>
+          <p:nvPr/>
+        </p:nvSpPr>
+        <p:spPr>
+          <a:xfrm>
+            <a:off x="3366500" y="4446257"/>
+            <a:ext cx="926926" cy="901874"/>
+          </a:xfrm>
+          <a:prstGeom prst="ellipse">
+            <a:avLst/>
+          </a:prstGeom>
+        </p:spPr>
+        <p:style>
+          <a:lnRef idx="0">
+            <a:schemeClr val="accent5"/>
+          </a:lnRef>
+          <a:fillRef idx="3">
+            <a:schemeClr val="accent5"/>
+          </a:fillRef>
+          <a:effectRef idx="3">
+            <a:schemeClr val="accent5"/>
+          </a:effectRef>
+          <a:fontRef idx="minor">
+            <a:schemeClr val="lt1"/>
+          </a:fontRef>
+        </p:style>
+        <p:txBody>
+          <a:bodyPr rtlCol="0" anchor="ctr"/>
+          <a:lstStyle/>
+          <a:p>
+            <a:pPr algn="ctr"/>
+            <a:r>
+              <a:rPr lang="en-US" sz="2500" dirty="0" smtClean="0">
+                <a:latin typeface="CMU Serif Roman" charset="0"/>
+                <a:ea typeface="CMU Serif Roman" charset="0"/>
+                <a:cs typeface="CMU Serif Roman" charset="0"/>
+              </a:rPr>
+              <a:t>S</a:t>
+            </a:r>
+            <a:r>
+              <a:rPr lang="en-US" sz="2500" baseline="-25000" dirty="0">
+                <a:latin typeface="CMU Serif Roman" charset="0"/>
+                <a:ea typeface="CMU Serif Roman" charset="0"/>
+                <a:cs typeface="CMU Serif Roman" charset="0"/>
+              </a:rPr>
+              <a:t>3</a:t>
+            </a:r>
+          </a:p>
+        </p:txBody>
+      </p:sp>
+      <p:sp>
+        <p:nvSpPr>
+          <p:cNvPr id="13" name="TextBox 12"/>
+          <p:cNvSpPr txBox="1"/>
+          <p:nvPr/>
+        </p:nvSpPr>
+        <p:spPr>
+          <a:xfrm>
+            <a:off x="4356509" y="4578333"/>
+            <a:ext cx="898003" cy="477054"/>
+          </a:xfrm>
+          <a:prstGeom prst="rect">
+            <a:avLst/>
+          </a:prstGeom>
+          <a:noFill/>
+        </p:spPr>
+        <p:txBody>
+          <a:bodyPr wrap="square" rtlCol="0">
+            <a:spAutoFit/>
+          </a:bodyPr>
+          <a:lstStyle/>
+          <a:p>
+            <a:r>
+              <a:rPr lang="en-US" sz="2500" dirty="0" smtClean="0">
+                <a:latin typeface="CMU Serif Roman" charset="0"/>
+                <a:ea typeface="CMU Serif Roman" charset="0"/>
+                <a:cs typeface="CMU Serif Roman" charset="0"/>
+              </a:rPr>
+              <a:t>{ r }</a:t>
+            </a:r>
+            <a:endParaRPr lang="en-US" sz="2500" dirty="0">
+              <a:latin typeface="CMU Serif Roman" charset="0"/>
+              <a:ea typeface="CMU Serif Roman" charset="0"/>
+              <a:cs typeface="CMU Serif Roman" charset="0"/>
+            </a:endParaRPr>
+          </a:p>
+        </p:txBody>
+      </p:sp>
+      <p:cxnSp>
+        <p:nvCxnSpPr>
+          <p:cNvPr id="31" name="Straight Arrow Connector 30"/>
+          <p:cNvCxnSpPr>
+            <a:stCxn id="4" idx="2"/>
+            <a:endCxn id="7" idx="7"/>
+          </p:cNvCxnSpPr>
+          <p:nvPr/>
+        </p:nvCxnSpPr>
+        <p:spPr>
+          <a:xfrm flipH="1">
+            <a:off x="7428129" y="2380270"/>
+            <a:ext cx="839459" cy="518671"/>
+          </a:xfrm>
+          <a:prstGeom prst="straightConnector1">
+            <a:avLst/>
+          </a:prstGeom>
+          <a:ln w="57150">
+            <a:solidFill>
+              <a:schemeClr val="accent1"/>
+            </a:solidFill>
+            <a:tailEnd type="triangle"/>
+          </a:ln>
+        </p:spPr>
+        <p:style>
+          <a:lnRef idx="3">
+            <a:schemeClr val="accent5"/>
+          </a:lnRef>
+          <a:fillRef idx="0">
+            <a:schemeClr val="accent5"/>
+          </a:fillRef>
+          <a:effectRef idx="2">
+            <a:schemeClr val="accent5"/>
+          </a:effectRef>
+          <a:fontRef idx="minor">
+            <a:schemeClr val="tx1"/>
+          </a:fontRef>
+        </p:style>
+      </p:cxnSp>
+      <p:cxnSp>
+        <p:nvCxnSpPr>
+          <p:cNvPr id="34" name="Straight Arrow Connector 33"/>
+          <p:cNvCxnSpPr>
+            <a:stCxn id="10" idx="2"/>
+            <a:endCxn id="12" idx="7"/>
+          </p:cNvCxnSpPr>
+          <p:nvPr/>
+        </p:nvCxnSpPr>
+        <p:spPr>
+          <a:xfrm flipH="1">
+            <a:off x="4157681" y="4089785"/>
+            <a:ext cx="784660" cy="488548"/>
+          </a:xfrm>
+          <a:prstGeom prst="straightConnector1">
+            <a:avLst/>
+          </a:prstGeom>
+          <a:ln w="57150">
+            <a:solidFill>
+              <a:schemeClr val="accent1"/>
+            </a:solidFill>
+            <a:tailEnd type="triangle"/>
+          </a:ln>
+        </p:spPr>
+        <p:style>
+          <a:lnRef idx="3">
+            <a:schemeClr val="accent5"/>
+          </a:lnRef>
+          <a:fillRef idx="0">
+            <a:schemeClr val="accent5"/>
+          </a:fillRef>
+          <a:effectRef idx="2">
+            <a:schemeClr val="accent5"/>
+          </a:effectRef>
+          <a:fontRef idx="minor">
+            <a:schemeClr val="tx1"/>
+          </a:fontRef>
+        </p:style>
+      </p:cxnSp>
+      <p:cxnSp>
+        <p:nvCxnSpPr>
+          <p:cNvPr id="37" name="Straight Arrow Connector 36"/>
+          <p:cNvCxnSpPr>
+            <a:stCxn id="7" idx="2"/>
+            <a:endCxn id="10" idx="7"/>
+          </p:cNvCxnSpPr>
+          <p:nvPr/>
+        </p:nvCxnSpPr>
+        <p:spPr>
+          <a:xfrm flipH="1">
+            <a:off x="5733522" y="3217802"/>
+            <a:ext cx="903426" cy="553122"/>
+          </a:xfrm>
+          <a:prstGeom prst="straightConnector1">
+            <a:avLst/>
+          </a:prstGeom>
+          <a:ln w="57150">
+            <a:solidFill>
+              <a:schemeClr val="accent1"/>
+            </a:solidFill>
+            <a:tailEnd type="triangle"/>
+          </a:ln>
+        </p:spPr>
+        <p:style>
+          <a:lnRef idx="3">
+            <a:schemeClr val="accent5"/>
+          </a:lnRef>
+          <a:fillRef idx="0">
+            <a:schemeClr val="accent5"/>
+          </a:fillRef>
+          <a:effectRef idx="2">
+            <a:schemeClr val="accent5"/>
+          </a:effectRef>
+          <a:fontRef idx="minor">
+            <a:schemeClr val="tx1"/>
+          </a:fontRef>
+        </p:style>
+      </p:cxnSp>
+      <p:sp>
+        <p:nvSpPr>
+          <p:cNvPr id="48" name="TextBox 47"/>
+          <p:cNvSpPr txBox="1"/>
+          <p:nvPr/>
+        </p:nvSpPr>
+        <p:spPr>
+          <a:xfrm>
+            <a:off x="4101140" y="3889730"/>
+            <a:ext cx="654346" cy="400110"/>
+          </a:xfrm>
+          <a:prstGeom prst="rect">
+            <a:avLst/>
+          </a:prstGeom>
+          <a:noFill/>
+        </p:spPr>
+        <p:txBody>
+          <a:bodyPr wrap="none" rtlCol="0">
+            <a:spAutoFit/>
+          </a:bodyPr>
+          <a:lstStyle/>
+          <a:p>
+            <a:r>
+              <a:rPr lang="en-US" sz="2000" b="1" dirty="0" smtClean="0">
+                <a:latin typeface="CMU Serif Roman" charset="0"/>
+                <a:ea typeface="CMU Serif Roman" charset="0"/>
+                <a:cs typeface="CMU Serif Roman" charset="0"/>
+              </a:rPr>
+              <a:t>act1</a:t>
+            </a:r>
+            <a:endParaRPr lang="en-US" sz="2000" b="1" dirty="0">
+              <a:latin typeface="CMU Serif Roman" charset="0"/>
+              <a:ea typeface="CMU Serif Roman" charset="0"/>
+              <a:cs typeface="CMU Serif Roman" charset="0"/>
+            </a:endParaRPr>
+          </a:p>
+        </p:txBody>
+      </p:sp>
+      <p:sp>
+        <p:nvSpPr>
+          <p:cNvPr id="50" name="TextBox 49"/>
+          <p:cNvSpPr txBox="1"/>
+          <p:nvPr/>
+        </p:nvSpPr>
+        <p:spPr>
+          <a:xfrm>
+            <a:off x="5732770" y="3094253"/>
+            <a:ext cx="654346" cy="400110"/>
+          </a:xfrm>
+          <a:prstGeom prst="rect">
+            <a:avLst/>
+          </a:prstGeom>
+          <a:noFill/>
+        </p:spPr>
+        <p:txBody>
+          <a:bodyPr wrap="none" rtlCol="0">
+            <a:spAutoFit/>
+          </a:bodyPr>
+          <a:lstStyle/>
+          <a:p>
+            <a:r>
+              <a:rPr lang="en-US" sz="2000" b="1" dirty="0" smtClean="0">
+                <a:latin typeface="CMU Serif Roman" charset="0"/>
+                <a:ea typeface="CMU Serif Roman" charset="0"/>
+                <a:cs typeface="CMU Serif Roman" charset="0"/>
+              </a:rPr>
+              <a:t>act1</a:t>
+            </a:r>
+            <a:endParaRPr lang="en-US" sz="2000" b="1" dirty="0">
+              <a:latin typeface="CMU Serif Roman" charset="0"/>
+              <a:ea typeface="CMU Serif Roman" charset="0"/>
+              <a:cs typeface="CMU Serif Roman" charset="0"/>
+            </a:endParaRPr>
+          </a:p>
+        </p:txBody>
+      </p:sp>
+      <p:sp>
+        <p:nvSpPr>
+          <p:cNvPr id="18" name="Oval 17"/>
+          <p:cNvSpPr/>
+          <p:nvPr/>
+        </p:nvSpPr>
+        <p:spPr>
+          <a:xfrm>
+            <a:off x="1790659" y="5196480"/>
+            <a:ext cx="926926" cy="901874"/>
+          </a:xfrm>
+          <a:prstGeom prst="ellipse">
+            <a:avLst/>
+          </a:prstGeom>
+        </p:spPr>
+        <p:style>
+          <a:lnRef idx="0">
+            <a:schemeClr val="accent5"/>
+          </a:lnRef>
+          <a:fillRef idx="3">
+            <a:schemeClr val="accent5"/>
+          </a:fillRef>
+          <a:effectRef idx="3">
+            <a:schemeClr val="accent5"/>
+          </a:effectRef>
+          <a:fontRef idx="minor">
+            <a:schemeClr val="lt1"/>
+          </a:fontRef>
+        </p:style>
+        <p:txBody>
+          <a:bodyPr rtlCol="0" anchor="ctr"/>
+          <a:lstStyle/>
+          <a:p>
+            <a:pPr algn="ctr"/>
+            <a:r>
+              <a:rPr lang="en-US" sz="2500" dirty="0" smtClean="0">
+                <a:latin typeface="CMU Serif Roman" charset="0"/>
+                <a:ea typeface="CMU Serif Roman" charset="0"/>
+                <a:cs typeface="CMU Serif Roman" charset="0"/>
+              </a:rPr>
+              <a:t>S</a:t>
+            </a:r>
+            <a:r>
+              <a:rPr lang="en-US" sz="2500" baseline="-25000" dirty="0" smtClean="0">
+                <a:latin typeface="CMU Serif Roman" charset="0"/>
+                <a:ea typeface="CMU Serif Roman" charset="0"/>
+                <a:cs typeface="CMU Serif Roman" charset="0"/>
+              </a:rPr>
+              <a:t>4</a:t>
+            </a:r>
+            <a:endParaRPr lang="en-US" sz="2500" baseline="-25000" dirty="0">
+              <a:latin typeface="CMU Serif Roman" charset="0"/>
+              <a:ea typeface="CMU Serif Roman" charset="0"/>
+              <a:cs typeface="CMU Serif Roman" charset="0"/>
+            </a:endParaRPr>
+          </a:p>
+        </p:txBody>
+      </p:sp>
+      <p:sp>
+        <p:nvSpPr>
+          <p:cNvPr id="19" name="TextBox 18"/>
+          <p:cNvSpPr txBox="1"/>
+          <p:nvPr/>
+        </p:nvSpPr>
+        <p:spPr>
+          <a:xfrm>
+            <a:off x="2717585" y="5328556"/>
+            <a:ext cx="1102202" cy="477054"/>
+          </a:xfrm>
+          <a:prstGeom prst="rect">
+            <a:avLst/>
+          </a:prstGeom>
+          <a:noFill/>
+        </p:spPr>
+        <p:txBody>
+          <a:bodyPr wrap="square" rtlCol="0">
+            <a:spAutoFit/>
+          </a:bodyPr>
+          <a:lstStyle/>
+          <a:p>
+            <a:r>
+              <a:rPr lang="en-US" sz="2500" smtClean="0">
+                <a:latin typeface="CMU Serif Roman" charset="0"/>
+                <a:ea typeface="CMU Serif Roman" charset="0"/>
+                <a:cs typeface="CMU Serif Roman" charset="0"/>
+              </a:rPr>
+              <a:t>{ w }</a:t>
+            </a:r>
+            <a:endParaRPr lang="en-US" sz="2500" dirty="0">
+              <a:latin typeface="CMU Serif Roman" charset="0"/>
+              <a:ea typeface="CMU Serif Roman" charset="0"/>
+              <a:cs typeface="CMU Serif Roman" charset="0"/>
+            </a:endParaRPr>
+          </a:p>
+        </p:txBody>
+      </p:sp>
+      <p:cxnSp>
+        <p:nvCxnSpPr>
+          <p:cNvPr id="41" name="Straight Arrow Connector 40"/>
+          <p:cNvCxnSpPr>
+            <a:stCxn id="12" idx="2"/>
+            <a:endCxn id="18" idx="7"/>
+          </p:cNvCxnSpPr>
+          <p:nvPr/>
+        </p:nvCxnSpPr>
+        <p:spPr>
+          <a:xfrm flipH="1">
+            <a:off x="2581840" y="4897194"/>
+            <a:ext cx="784660" cy="431362"/>
+          </a:xfrm>
+          <a:prstGeom prst="straightConnector1">
+            <a:avLst/>
+          </a:prstGeom>
+          <a:ln w="57150">
+            <a:solidFill>
+              <a:schemeClr val="accent1"/>
+            </a:solidFill>
+            <a:tailEnd type="triangle"/>
+          </a:ln>
+        </p:spPr>
+        <p:style>
+          <a:lnRef idx="3">
+            <a:schemeClr val="accent5"/>
+          </a:lnRef>
+          <a:fillRef idx="0">
+            <a:schemeClr val="accent5"/>
+          </a:fillRef>
+          <a:effectRef idx="2">
+            <a:schemeClr val="accent5"/>
+          </a:effectRef>
+          <a:fontRef idx="minor">
+            <a:schemeClr val="tx1"/>
+          </a:fontRef>
+        </p:style>
+      </p:cxnSp>
+      <p:sp>
+        <p:nvSpPr>
+          <p:cNvPr id="45" name="TextBox 44"/>
+          <p:cNvSpPr txBox="1"/>
+          <p:nvPr/>
+        </p:nvSpPr>
+        <p:spPr>
+          <a:xfrm>
+            <a:off x="7383036" y="2262565"/>
+            <a:ext cx="654346" cy="400110"/>
+          </a:xfrm>
+          <a:prstGeom prst="rect">
+            <a:avLst/>
+          </a:prstGeom>
+          <a:noFill/>
+        </p:spPr>
+        <p:txBody>
+          <a:bodyPr wrap="none" rtlCol="0">
+            <a:spAutoFit/>
+          </a:bodyPr>
+          <a:lstStyle/>
+          <a:p>
+            <a:r>
+              <a:rPr lang="en-US" sz="2000" b="1" dirty="0" smtClean="0">
+                <a:latin typeface="CMU Serif Roman" charset="0"/>
+                <a:ea typeface="CMU Serif Roman" charset="0"/>
+                <a:cs typeface="CMU Serif Roman" charset="0"/>
+              </a:rPr>
+              <a:t>act1</a:t>
+            </a:r>
+            <a:endParaRPr lang="en-US" sz="2000" b="1" dirty="0">
+              <a:latin typeface="CMU Serif Roman" charset="0"/>
+              <a:ea typeface="CMU Serif Roman" charset="0"/>
+              <a:cs typeface="CMU Serif Roman" charset="0"/>
+            </a:endParaRPr>
+          </a:p>
+        </p:txBody>
+      </p:sp>
+      <p:sp>
+        <p:nvSpPr>
+          <p:cNvPr id="46" name="TextBox 45"/>
+          <p:cNvSpPr txBox="1"/>
+          <p:nvPr/>
+        </p:nvSpPr>
+        <p:spPr>
+          <a:xfrm>
+            <a:off x="2530730" y="4697139"/>
+            <a:ext cx="654346" cy="400110"/>
+          </a:xfrm>
+          <a:prstGeom prst="rect">
+            <a:avLst/>
+          </a:prstGeom>
+          <a:noFill/>
+        </p:spPr>
+        <p:txBody>
+          <a:bodyPr wrap="none" rtlCol="0">
+            <a:spAutoFit/>
+          </a:bodyPr>
+          <a:lstStyle/>
+          <a:p>
+            <a:r>
+              <a:rPr lang="en-US" sz="2000" b="1" dirty="0" smtClean="0">
+                <a:latin typeface="CMU Serif Roman" charset="0"/>
+                <a:ea typeface="CMU Serif Roman" charset="0"/>
+                <a:cs typeface="CMU Serif Roman" charset="0"/>
+              </a:rPr>
+              <a:t>act1</a:t>
+            </a:r>
+            <a:endParaRPr lang="en-US" sz="2000" b="1" dirty="0">
+              <a:latin typeface="CMU Serif Roman" charset="0"/>
+              <a:ea typeface="CMU Serif Roman" charset="0"/>
+              <a:cs typeface="CMU Serif Roman" charset="0"/>
+            </a:endParaRPr>
+          </a:p>
+        </p:txBody>
+      </p:sp>
+      <p:cxnSp>
+        <p:nvCxnSpPr>
+          <p:cNvPr id="22" name="Elbow Connector 21"/>
+          <p:cNvCxnSpPr>
+            <a:stCxn id="18" idx="0"/>
+            <a:endCxn id="12" idx="0"/>
+          </p:cNvCxnSpPr>
+          <p:nvPr/>
+        </p:nvCxnSpPr>
+        <p:spPr>
+          <a:xfrm rot="5400000" flipH="1" flipV="1">
+            <a:off x="2666931" y="4033449"/>
+            <a:ext cx="750223" cy="1575841"/>
+          </a:xfrm>
+          <a:prstGeom prst="bentConnector3">
+            <a:avLst>
+              <a:gd name="adj1" fmla="val 171911"/>
+            </a:avLst>
+          </a:prstGeom>
+          <a:ln w="57150">
+            <a:tailEnd type="triangle"/>
+          </a:ln>
+        </p:spPr>
+        <p:style>
+          <a:lnRef idx="3">
+            <a:schemeClr val="accent1"/>
+          </a:lnRef>
+          <a:fillRef idx="0">
+            <a:schemeClr val="accent1"/>
+          </a:fillRef>
+          <a:effectRef idx="2">
+            <a:schemeClr val="accent1"/>
+          </a:effectRef>
+          <a:fontRef idx="minor">
+            <a:schemeClr val="tx1"/>
+          </a:fontRef>
+        </p:style>
+      </p:cxnSp>
+      <p:cxnSp>
+        <p:nvCxnSpPr>
+          <p:cNvPr id="26" name="Elbow Connector 25"/>
+          <p:cNvCxnSpPr>
+            <a:stCxn id="12" idx="0"/>
+            <a:endCxn id="10" idx="0"/>
+          </p:cNvCxnSpPr>
+          <p:nvPr/>
+        </p:nvCxnSpPr>
+        <p:spPr>
+          <a:xfrm rot="5400000" flipH="1" flipV="1">
+            <a:off x="4214179" y="3254633"/>
+            <a:ext cx="807409" cy="1575841"/>
+          </a:xfrm>
+          <a:prstGeom prst="bentConnector3">
+            <a:avLst>
+              <a:gd name="adj1" fmla="val 160023"/>
+            </a:avLst>
+          </a:prstGeom>
+          <a:ln w="57150">
+            <a:tailEnd type="triangle"/>
+          </a:ln>
+        </p:spPr>
+        <p:style>
+          <a:lnRef idx="3">
+            <a:schemeClr val="accent1"/>
+          </a:lnRef>
+          <a:fillRef idx="0">
+            <a:schemeClr val="accent1"/>
+          </a:fillRef>
+          <a:effectRef idx="2">
+            <a:schemeClr val="accent1"/>
+          </a:effectRef>
+          <a:fontRef idx="minor">
+            <a:schemeClr val="tx1"/>
+          </a:fontRef>
+        </p:style>
+      </p:cxnSp>
+      <p:cxnSp>
+        <p:nvCxnSpPr>
+          <p:cNvPr id="30" name="Elbow Connector 29"/>
+          <p:cNvCxnSpPr>
+            <a:stCxn id="10" idx="0"/>
+            <a:endCxn id="7" idx="0"/>
+          </p:cNvCxnSpPr>
+          <p:nvPr/>
+        </p:nvCxnSpPr>
+        <p:spPr>
+          <a:xfrm rot="5400000" flipH="1" flipV="1">
+            <a:off x="5817116" y="2355554"/>
+            <a:ext cx="871983" cy="1694607"/>
+          </a:xfrm>
+          <a:prstGeom prst="bentConnector3">
+            <a:avLst>
+              <a:gd name="adj1" fmla="val 176936"/>
+            </a:avLst>
+          </a:prstGeom>
+          <a:ln w="57150">
+            <a:tailEnd type="triangle"/>
+          </a:ln>
+        </p:spPr>
+        <p:style>
+          <a:lnRef idx="3">
+            <a:schemeClr val="accent1"/>
+          </a:lnRef>
+          <a:fillRef idx="0">
+            <a:schemeClr val="accent1"/>
+          </a:fillRef>
+          <a:effectRef idx="2">
+            <a:schemeClr val="accent1"/>
+          </a:effectRef>
+          <a:fontRef idx="minor">
+            <a:schemeClr val="tx1"/>
+          </a:fontRef>
+        </p:style>
+      </p:cxnSp>
+      <p:cxnSp>
+        <p:nvCxnSpPr>
+          <p:cNvPr id="35" name="Elbow Connector 34"/>
+          <p:cNvCxnSpPr>
+            <a:stCxn id="7" idx="0"/>
+            <a:endCxn id="4" idx="0"/>
+          </p:cNvCxnSpPr>
+          <p:nvPr/>
+        </p:nvCxnSpPr>
+        <p:spPr>
+          <a:xfrm rot="5400000" flipH="1" flipV="1">
+            <a:off x="7496965" y="1532779"/>
+            <a:ext cx="837532" cy="1630640"/>
+          </a:xfrm>
+          <a:prstGeom prst="bentConnector3">
+            <a:avLst>
+              <a:gd name="adj1" fmla="val 162944"/>
+            </a:avLst>
+          </a:prstGeom>
+          <a:ln w="57150">
+            <a:tailEnd type="triangle"/>
+          </a:ln>
+        </p:spPr>
+        <p:style>
+          <a:lnRef idx="3">
+            <a:schemeClr val="accent1"/>
+          </a:lnRef>
+          <a:fillRef idx="0">
+            <a:schemeClr val="accent1"/>
+          </a:fillRef>
+          <a:effectRef idx="2">
+            <a:schemeClr val="accent1"/>
+          </a:effectRef>
+          <a:fontRef idx="minor">
+            <a:schemeClr val="tx1"/>
+          </a:fontRef>
+        </p:style>
+      </p:cxnSp>
+      <p:sp>
+        <p:nvSpPr>
+          <p:cNvPr id="42" name="TextBox 41"/>
+          <p:cNvSpPr txBox="1"/>
+          <p:nvPr/>
+        </p:nvSpPr>
+        <p:spPr>
+          <a:xfrm>
+            <a:off x="2530730" y="3506718"/>
+            <a:ext cx="654346" cy="400110"/>
+          </a:xfrm>
+          <a:prstGeom prst="rect">
+            <a:avLst/>
+          </a:prstGeom>
+          <a:noFill/>
+        </p:spPr>
+        <p:txBody>
+          <a:bodyPr wrap="none" rtlCol="0">
+            <a:spAutoFit/>
+          </a:bodyPr>
+          <a:lstStyle/>
+          <a:p>
+            <a:r>
+              <a:rPr lang="en-US" sz="2000" b="1" dirty="0" smtClean="0">
+                <a:latin typeface="CMU Serif Roman" charset="0"/>
+                <a:ea typeface="CMU Serif Roman" charset="0"/>
+                <a:cs typeface="CMU Serif Roman" charset="0"/>
+              </a:rPr>
+              <a:t>act1</a:t>
+            </a:r>
+            <a:endParaRPr lang="en-US" sz="2000" b="1" dirty="0">
+              <a:latin typeface="CMU Serif Roman" charset="0"/>
+              <a:ea typeface="CMU Serif Roman" charset="0"/>
+              <a:cs typeface="CMU Serif Roman" charset="0"/>
+            </a:endParaRPr>
+          </a:p>
+        </p:txBody>
+      </p:sp>
+      <p:sp>
+        <p:nvSpPr>
+          <p:cNvPr id="43" name="TextBox 42"/>
+          <p:cNvSpPr txBox="1"/>
+          <p:nvPr/>
+        </p:nvSpPr>
+        <p:spPr>
+          <a:xfrm>
+            <a:off x="4101140" y="2781260"/>
+            <a:ext cx="654346" cy="400110"/>
+          </a:xfrm>
+          <a:prstGeom prst="rect">
+            <a:avLst/>
+          </a:prstGeom>
+          <a:noFill/>
+        </p:spPr>
+        <p:txBody>
+          <a:bodyPr wrap="none" rtlCol="0">
+            <a:spAutoFit/>
+          </a:bodyPr>
+          <a:lstStyle/>
+          <a:p>
+            <a:r>
+              <a:rPr lang="en-US" sz="2000" b="1" dirty="0" smtClean="0">
+                <a:latin typeface="CMU Serif Roman" charset="0"/>
+                <a:ea typeface="CMU Serif Roman" charset="0"/>
+                <a:cs typeface="CMU Serif Roman" charset="0"/>
+              </a:rPr>
+              <a:t>act1</a:t>
+            </a:r>
+            <a:endParaRPr lang="en-US" sz="2000" b="1" dirty="0">
+              <a:latin typeface="CMU Serif Roman" charset="0"/>
+              <a:ea typeface="CMU Serif Roman" charset="0"/>
+              <a:cs typeface="CMU Serif Roman" charset="0"/>
+            </a:endParaRPr>
+          </a:p>
+        </p:txBody>
+      </p:sp>
+      <p:sp>
+        <p:nvSpPr>
+          <p:cNvPr id="44" name="TextBox 43"/>
+          <p:cNvSpPr txBox="1"/>
+          <p:nvPr/>
+        </p:nvSpPr>
+        <p:spPr>
+          <a:xfrm>
+            <a:off x="5693170" y="1698622"/>
+            <a:ext cx="654346" cy="400110"/>
+          </a:xfrm>
+          <a:prstGeom prst="rect">
+            <a:avLst/>
+          </a:prstGeom>
+          <a:noFill/>
+        </p:spPr>
+        <p:txBody>
+          <a:bodyPr wrap="none" rtlCol="0">
+            <a:spAutoFit/>
+          </a:bodyPr>
+          <a:lstStyle/>
+          <a:p>
+            <a:r>
+              <a:rPr lang="en-US" sz="2000" b="1" dirty="0" smtClean="0">
+                <a:latin typeface="CMU Serif Roman" charset="0"/>
+                <a:ea typeface="CMU Serif Roman" charset="0"/>
+                <a:cs typeface="CMU Serif Roman" charset="0"/>
+              </a:rPr>
+              <a:t>act1</a:t>
+            </a:r>
+            <a:endParaRPr lang="en-US" sz="2000" b="1" dirty="0">
+              <a:latin typeface="CMU Serif Roman" charset="0"/>
+              <a:ea typeface="CMU Serif Roman" charset="0"/>
+              <a:cs typeface="CMU Serif Roman" charset="0"/>
+            </a:endParaRPr>
+          </a:p>
+        </p:txBody>
+      </p:sp>
+      <p:sp>
+        <p:nvSpPr>
+          <p:cNvPr id="47" name="TextBox 46"/>
+          <p:cNvSpPr txBox="1"/>
+          <p:nvPr/>
+        </p:nvSpPr>
+        <p:spPr>
+          <a:xfrm>
+            <a:off x="7377042" y="1018856"/>
+            <a:ext cx="654346" cy="400110"/>
+          </a:xfrm>
+          <a:prstGeom prst="rect">
+            <a:avLst/>
+          </a:prstGeom>
+          <a:noFill/>
+        </p:spPr>
+        <p:txBody>
+          <a:bodyPr wrap="none" rtlCol="0">
+            <a:spAutoFit/>
+          </a:bodyPr>
+          <a:lstStyle/>
+          <a:p>
+            <a:r>
+              <a:rPr lang="en-US" sz="2000" b="1" dirty="0" smtClean="0">
+                <a:latin typeface="CMU Serif Roman" charset="0"/>
+                <a:ea typeface="CMU Serif Roman" charset="0"/>
+                <a:cs typeface="CMU Serif Roman" charset="0"/>
+              </a:rPr>
+              <a:t>act1</a:t>
+            </a:r>
+            <a:endParaRPr lang="en-US" sz="2000" b="1" dirty="0">
+              <a:latin typeface="CMU Serif Roman" charset="0"/>
+              <a:ea typeface="CMU Serif Roman" charset="0"/>
+              <a:cs typeface="CMU Serif Roman" charset="0"/>
+            </a:endParaRPr>
+          </a:p>
+        </p:txBody>
+      </p:sp>
+    </p:spTree>
+    <p:extLst>
+      <p:ext uri="{BB962C8B-B14F-4D97-AF65-F5344CB8AC3E}">
+        <p14:creationId xmlns:p14="http://schemas.microsoft.com/office/powerpoint/2010/main" val="257291350"/>
+      </p:ext>
+    </p:extLst>
+  </p:cSld>
+  <p:clrMapOvr>
+    <a:masterClrMapping/>
+  </p:clrMapOvr>
+  <mc:AlternateContent xmlns:mc="http://schemas.openxmlformats.org/markup-compatibility/2006">
+    <mc:Choice xmlns:p14="http://schemas.microsoft.com/office/powerpoint/2010/main" Requires="p14">
+      <p:transition spd="slow" p14:dur="2000"/>
+    </mc:Choice>
+    <mc:Fallback>
+      <p:transition spd="slow"/>
+    </mc:Fallback>
+  </mc:AlternateContent>
 </p:sld>
 </file>
 
@@ -10892,6 +12263,5796 @@
     <p:extLst>
       <p:ext uri="{BB962C8B-B14F-4D97-AF65-F5344CB8AC3E}">
         <p14:creationId xmlns:p14="http://schemas.microsoft.com/office/powerpoint/2010/main" val="1370313694"/>
+      </p:ext>
+    </p:extLst>
+  </p:cSld>
+  <p:clrMapOvr>
+    <a:masterClrMapping/>
+  </p:clrMapOvr>
+</p:sld>
+</file>
+
+<file path=ppt/slides/slide20.xml><?xml version="1.0" encoding="utf-8"?>
+<p:sld xmlns:a="http://schemas.openxmlformats.org/drawingml/2006/main" xmlns:r="http://schemas.openxmlformats.org/officeDocument/2006/relationships" xmlns:p="http://schemas.openxmlformats.org/presentationml/2006/main">
+  <p:cSld>
+    <p:spTree>
+      <p:nvGrpSpPr>
+        <p:cNvPr id="1" name=""/>
+        <p:cNvGrpSpPr/>
+        <p:nvPr/>
+      </p:nvGrpSpPr>
+      <p:grpSpPr>
+        <a:xfrm>
+          <a:off x="0" y="0"/>
+          <a:ext cx="0" cy="0"/>
+          <a:chOff x="0" y="0"/>
+          <a:chExt cx="0" cy="0"/>
+        </a:xfrm>
+      </p:grpSpPr>
+      <p:sp>
+        <p:nvSpPr>
+          <p:cNvPr id="9" name="Rectangle 8"/>
+          <p:cNvSpPr/>
+          <p:nvPr/>
+        </p:nvSpPr>
+        <p:spPr>
+          <a:xfrm>
+            <a:off x="2046900" y="299855"/>
+            <a:ext cx="8190064" cy="630942"/>
+          </a:xfrm>
+          <a:prstGeom prst="rect">
+            <a:avLst/>
+          </a:prstGeom>
+          <a:noFill/>
+        </p:spPr>
+        <p:txBody>
+          <a:bodyPr wrap="none" lIns="91440" tIns="45720" rIns="91440" bIns="45720">
+            <a:spAutoFit/>
+          </a:bodyPr>
+          <a:lstStyle/>
+          <a:p>
+            <a:pPr algn="ctr"/>
+            <a:r>
+              <a:rPr lang="en-GB" sz="3500" dirty="0" smtClean="0">
+                <a:ln w="0"/>
+                <a:effectLst>
+                  <a:outerShdw blurRad="38100" dist="19050" dir="2700000" algn="tl" rotWithShape="0">
+                    <a:schemeClr val="dk1">
+                      <a:alpha val="40000"/>
+                    </a:schemeClr>
+                  </a:outerShdw>
+                </a:effectLst>
+                <a:latin typeface="CMU Serif Roman" charset="0"/>
+                <a:ea typeface="CMU Serif Roman" charset="0"/>
+                <a:cs typeface="CMU Serif Roman" charset="0"/>
+              </a:rPr>
+              <a:t>*NEW MODEL – FOR ALL ALWAYS </a:t>
+            </a:r>
+            <a:endParaRPr lang="en-GB" sz="3500" b="1" spc="50" dirty="0">
+              <a:ln w="9525" cmpd="sng">
+                <a:solidFill>
+                  <a:schemeClr val="accent1"/>
+                </a:solidFill>
+                <a:prstDash val="solid"/>
+              </a:ln>
+              <a:solidFill>
+                <a:srgbClr val="70AD47">
+                  <a:tint val="1000"/>
+                </a:srgbClr>
+              </a:solidFill>
+              <a:effectLst>
+                <a:glow rad="38100">
+                  <a:schemeClr val="accent1">
+                    <a:alpha val="40000"/>
+                  </a:schemeClr>
+                </a:glow>
+              </a:effectLst>
+              <a:latin typeface="CMU Serif Roman" charset="0"/>
+              <a:ea typeface="CMU Serif Roman" charset="0"/>
+              <a:cs typeface="CMU Serif Roman" charset="0"/>
+            </a:endParaRPr>
+          </a:p>
+        </p:txBody>
+      </p:sp>
+      <p:sp>
+        <p:nvSpPr>
+          <p:cNvPr id="72" name="Oval 71"/>
+          <p:cNvSpPr/>
+          <p:nvPr/>
+        </p:nvSpPr>
+        <p:spPr>
+          <a:xfrm>
+            <a:off x="6205709" y="1869032"/>
+            <a:ext cx="926926" cy="901874"/>
+          </a:xfrm>
+          <a:prstGeom prst="ellipse">
+            <a:avLst/>
+          </a:prstGeom>
+        </p:spPr>
+        <p:style>
+          <a:lnRef idx="0">
+            <a:schemeClr val="accent5"/>
+          </a:lnRef>
+          <a:fillRef idx="3">
+            <a:schemeClr val="accent5"/>
+          </a:fillRef>
+          <a:effectRef idx="3">
+            <a:schemeClr val="accent5"/>
+          </a:effectRef>
+          <a:fontRef idx="minor">
+            <a:schemeClr val="lt1"/>
+          </a:fontRef>
+        </p:style>
+        <p:txBody>
+          <a:bodyPr rtlCol="0" anchor="ctr"/>
+          <a:lstStyle/>
+          <a:p>
+            <a:pPr algn="ctr"/>
+            <a:r>
+              <a:rPr lang="en-US" sz="2500" dirty="0" smtClean="0">
+                <a:latin typeface="CMU Serif Roman" charset="0"/>
+                <a:ea typeface="CMU Serif Roman" charset="0"/>
+                <a:cs typeface="CMU Serif Roman" charset="0"/>
+              </a:rPr>
+              <a:t>S</a:t>
+            </a:r>
+            <a:r>
+              <a:rPr lang="en-US" sz="2500" baseline="-25000" dirty="0" smtClean="0">
+                <a:latin typeface="CMU Serif Roman" charset="0"/>
+                <a:ea typeface="CMU Serif Roman" charset="0"/>
+                <a:cs typeface="CMU Serif Roman" charset="0"/>
+              </a:rPr>
+              <a:t>0</a:t>
+            </a:r>
+            <a:endParaRPr lang="en-US" sz="2500" baseline="-25000" dirty="0">
+              <a:latin typeface="CMU Serif Roman" charset="0"/>
+              <a:ea typeface="CMU Serif Roman" charset="0"/>
+              <a:cs typeface="CMU Serif Roman" charset="0"/>
+            </a:endParaRPr>
+          </a:p>
+        </p:txBody>
+      </p:sp>
+      <p:sp>
+        <p:nvSpPr>
+          <p:cNvPr id="73" name="TextBox 72"/>
+          <p:cNvSpPr txBox="1"/>
+          <p:nvPr/>
+        </p:nvSpPr>
+        <p:spPr>
+          <a:xfrm>
+            <a:off x="7075145" y="1783697"/>
+            <a:ext cx="906017" cy="477054"/>
+          </a:xfrm>
+          <a:prstGeom prst="rect">
+            <a:avLst/>
+          </a:prstGeom>
+          <a:noFill/>
+        </p:spPr>
+        <p:txBody>
+          <a:bodyPr wrap="none" rtlCol="0">
+            <a:spAutoFit/>
+          </a:bodyPr>
+          <a:lstStyle/>
+          <a:p>
+            <a:r>
+              <a:rPr lang="en-US" sz="2500" dirty="0" smtClean="0">
+                <a:latin typeface="CMU Serif Roman" charset="0"/>
+                <a:ea typeface="CMU Serif Roman" charset="0"/>
+                <a:cs typeface="CMU Serif Roman" charset="0"/>
+              </a:rPr>
+              <a:t>{ p }</a:t>
+            </a:r>
+            <a:endParaRPr lang="en-US" sz="2500" dirty="0">
+              <a:latin typeface="CMU Serif Roman" charset="0"/>
+              <a:ea typeface="CMU Serif Roman" charset="0"/>
+              <a:cs typeface="CMU Serif Roman" charset="0"/>
+            </a:endParaRPr>
+          </a:p>
+        </p:txBody>
+      </p:sp>
+      <p:cxnSp>
+        <p:nvCxnSpPr>
+          <p:cNvPr id="74" name="Straight Arrow Connector 73"/>
+          <p:cNvCxnSpPr>
+            <a:endCxn id="74" idx="0"/>
+          </p:cNvCxnSpPr>
+          <p:nvPr/>
+        </p:nvCxnSpPr>
+        <p:spPr>
+          <a:xfrm>
+            <a:off x="6661989" y="1355810"/>
+            <a:ext cx="7183" cy="513222"/>
+          </a:xfrm>
+          <a:prstGeom prst="straightConnector1">
+            <a:avLst/>
+          </a:prstGeom>
+          <a:ln w="57150">
+            <a:solidFill>
+              <a:schemeClr val="accent1"/>
+            </a:solidFill>
+            <a:tailEnd type="triangle"/>
+          </a:ln>
+        </p:spPr>
+        <p:style>
+          <a:lnRef idx="3">
+            <a:schemeClr val="accent5"/>
+          </a:lnRef>
+          <a:fillRef idx="0">
+            <a:schemeClr val="accent5"/>
+          </a:fillRef>
+          <a:effectRef idx="2">
+            <a:schemeClr val="accent5"/>
+          </a:effectRef>
+          <a:fontRef idx="minor">
+            <a:schemeClr val="tx1"/>
+          </a:fontRef>
+        </p:style>
+      </p:cxnSp>
+      <p:sp>
+        <p:nvSpPr>
+          <p:cNvPr id="75" name="Oval 74"/>
+          <p:cNvSpPr/>
+          <p:nvPr/>
+        </p:nvSpPr>
+        <p:spPr>
+          <a:xfrm>
+            <a:off x="4339353" y="3100904"/>
+            <a:ext cx="926926" cy="901874"/>
+          </a:xfrm>
+          <a:prstGeom prst="ellipse">
+            <a:avLst/>
+          </a:prstGeom>
+        </p:spPr>
+        <p:style>
+          <a:lnRef idx="0">
+            <a:schemeClr val="accent5"/>
+          </a:lnRef>
+          <a:fillRef idx="3">
+            <a:schemeClr val="accent5"/>
+          </a:fillRef>
+          <a:effectRef idx="3">
+            <a:schemeClr val="accent5"/>
+          </a:effectRef>
+          <a:fontRef idx="minor">
+            <a:schemeClr val="lt1"/>
+          </a:fontRef>
+        </p:style>
+        <p:txBody>
+          <a:bodyPr rtlCol="0" anchor="ctr"/>
+          <a:lstStyle/>
+          <a:p>
+            <a:pPr algn="ctr"/>
+            <a:r>
+              <a:rPr lang="en-US" sz="2500" dirty="0" smtClean="0">
+                <a:latin typeface="CMU Serif Roman" charset="0"/>
+                <a:ea typeface="CMU Serif Roman" charset="0"/>
+                <a:cs typeface="CMU Serif Roman" charset="0"/>
+              </a:rPr>
+              <a:t>S</a:t>
+            </a:r>
+            <a:r>
+              <a:rPr lang="en-US" sz="2500" baseline="-25000" dirty="0">
+                <a:latin typeface="CMU Serif Roman" charset="0"/>
+                <a:ea typeface="CMU Serif Roman" charset="0"/>
+                <a:cs typeface="CMU Serif Roman" charset="0"/>
+              </a:rPr>
+              <a:t>1</a:t>
+            </a:r>
+          </a:p>
+        </p:txBody>
+      </p:sp>
+      <p:sp>
+        <p:nvSpPr>
+          <p:cNvPr id="76" name="TextBox 75"/>
+          <p:cNvSpPr txBox="1"/>
+          <p:nvPr/>
+        </p:nvSpPr>
+        <p:spPr>
+          <a:xfrm>
+            <a:off x="5266279" y="3074787"/>
+            <a:ext cx="906017" cy="477054"/>
+          </a:xfrm>
+          <a:prstGeom prst="rect">
+            <a:avLst/>
+          </a:prstGeom>
+          <a:noFill/>
+        </p:spPr>
+        <p:txBody>
+          <a:bodyPr wrap="none" rtlCol="0">
+            <a:spAutoFit/>
+          </a:bodyPr>
+          <a:lstStyle/>
+          <a:p>
+            <a:r>
+              <a:rPr lang="en-US" sz="2500" dirty="0" smtClean="0">
+                <a:latin typeface="CMU Serif Roman" charset="0"/>
+                <a:ea typeface="CMU Serif Roman" charset="0"/>
+                <a:cs typeface="CMU Serif Roman" charset="0"/>
+              </a:rPr>
+              <a:t>{ p }</a:t>
+            </a:r>
+            <a:endParaRPr lang="en-US" sz="2500" dirty="0">
+              <a:latin typeface="CMU Serif Roman" charset="0"/>
+              <a:ea typeface="CMU Serif Roman" charset="0"/>
+              <a:cs typeface="CMU Serif Roman" charset="0"/>
+            </a:endParaRPr>
+          </a:p>
+        </p:txBody>
+      </p:sp>
+      <p:sp>
+        <p:nvSpPr>
+          <p:cNvPr id="77" name="Oval 76"/>
+          <p:cNvSpPr/>
+          <p:nvPr/>
+        </p:nvSpPr>
+        <p:spPr>
+          <a:xfrm>
+            <a:off x="7915236" y="3100904"/>
+            <a:ext cx="939430" cy="901874"/>
+          </a:xfrm>
+          <a:prstGeom prst="ellipse">
+            <a:avLst/>
+          </a:prstGeom>
+        </p:spPr>
+        <p:style>
+          <a:lnRef idx="0">
+            <a:schemeClr val="accent5"/>
+          </a:lnRef>
+          <a:fillRef idx="3">
+            <a:schemeClr val="accent5"/>
+          </a:fillRef>
+          <a:effectRef idx="3">
+            <a:schemeClr val="accent5"/>
+          </a:effectRef>
+          <a:fontRef idx="minor">
+            <a:schemeClr val="lt1"/>
+          </a:fontRef>
+        </p:style>
+        <p:txBody>
+          <a:bodyPr rtlCol="0" anchor="ctr"/>
+          <a:lstStyle/>
+          <a:p>
+            <a:pPr algn="ctr"/>
+            <a:r>
+              <a:rPr lang="en-US" sz="2500" dirty="0" smtClean="0">
+                <a:latin typeface="CMU Serif Roman" charset="0"/>
+                <a:ea typeface="CMU Serif Roman" charset="0"/>
+                <a:cs typeface="CMU Serif Roman" charset="0"/>
+              </a:rPr>
+              <a:t>S</a:t>
+            </a:r>
+            <a:r>
+              <a:rPr lang="en-US" sz="2500" baseline="-25000" dirty="0" smtClean="0">
+                <a:latin typeface="CMU Serif Roman" charset="0"/>
+                <a:ea typeface="CMU Serif Roman" charset="0"/>
+                <a:cs typeface="CMU Serif Roman" charset="0"/>
+              </a:rPr>
+              <a:t>2</a:t>
+            </a:r>
+            <a:endParaRPr lang="en-US" sz="2500" baseline="-25000" dirty="0">
+              <a:latin typeface="CMU Serif Roman" charset="0"/>
+              <a:ea typeface="CMU Serif Roman" charset="0"/>
+              <a:cs typeface="CMU Serif Roman" charset="0"/>
+            </a:endParaRPr>
+          </a:p>
+        </p:txBody>
+      </p:sp>
+      <p:sp>
+        <p:nvSpPr>
+          <p:cNvPr id="78" name="TextBox 77"/>
+          <p:cNvSpPr txBox="1"/>
+          <p:nvPr/>
+        </p:nvSpPr>
+        <p:spPr>
+          <a:xfrm>
+            <a:off x="8821253" y="3074787"/>
+            <a:ext cx="906017" cy="477054"/>
+          </a:xfrm>
+          <a:prstGeom prst="rect">
+            <a:avLst/>
+          </a:prstGeom>
+          <a:noFill/>
+        </p:spPr>
+        <p:txBody>
+          <a:bodyPr wrap="none" rtlCol="0">
+            <a:spAutoFit/>
+          </a:bodyPr>
+          <a:lstStyle/>
+          <a:p>
+            <a:r>
+              <a:rPr lang="en-US" sz="2500" dirty="0" smtClean="0">
+                <a:latin typeface="CMU Serif Roman" charset="0"/>
+                <a:ea typeface="CMU Serif Roman" charset="0"/>
+                <a:cs typeface="CMU Serif Roman" charset="0"/>
+              </a:rPr>
+              <a:t>{ p }</a:t>
+            </a:r>
+            <a:endParaRPr lang="en-US" sz="2500" dirty="0">
+              <a:latin typeface="CMU Serif Roman" charset="0"/>
+              <a:ea typeface="CMU Serif Roman" charset="0"/>
+              <a:cs typeface="CMU Serif Roman" charset="0"/>
+            </a:endParaRPr>
+          </a:p>
+        </p:txBody>
+      </p:sp>
+      <p:sp>
+        <p:nvSpPr>
+          <p:cNvPr id="79" name="Oval 78"/>
+          <p:cNvSpPr/>
+          <p:nvPr/>
+        </p:nvSpPr>
+        <p:spPr>
+          <a:xfrm>
+            <a:off x="2474005" y="4125268"/>
+            <a:ext cx="926926" cy="901874"/>
+          </a:xfrm>
+          <a:prstGeom prst="ellipse">
+            <a:avLst/>
+          </a:prstGeom>
+        </p:spPr>
+        <p:style>
+          <a:lnRef idx="0">
+            <a:schemeClr val="accent5"/>
+          </a:lnRef>
+          <a:fillRef idx="3">
+            <a:schemeClr val="accent5"/>
+          </a:fillRef>
+          <a:effectRef idx="3">
+            <a:schemeClr val="accent5"/>
+          </a:effectRef>
+          <a:fontRef idx="minor">
+            <a:schemeClr val="lt1"/>
+          </a:fontRef>
+        </p:style>
+        <p:txBody>
+          <a:bodyPr rtlCol="0" anchor="ctr"/>
+          <a:lstStyle/>
+          <a:p>
+            <a:pPr algn="ctr"/>
+            <a:r>
+              <a:rPr lang="en-US" sz="2500" dirty="0" smtClean="0">
+                <a:latin typeface="CMU Serif Roman" charset="0"/>
+                <a:ea typeface="CMU Serif Roman" charset="0"/>
+                <a:cs typeface="CMU Serif Roman" charset="0"/>
+              </a:rPr>
+              <a:t>S</a:t>
+            </a:r>
+            <a:r>
+              <a:rPr lang="en-US" sz="2500" baseline="-25000" dirty="0">
+                <a:latin typeface="CMU Serif Roman" charset="0"/>
+                <a:ea typeface="CMU Serif Roman" charset="0"/>
+                <a:cs typeface="CMU Serif Roman" charset="0"/>
+              </a:rPr>
+              <a:t>3</a:t>
+            </a:r>
+          </a:p>
+        </p:txBody>
+      </p:sp>
+      <p:sp>
+        <p:nvSpPr>
+          <p:cNvPr id="80" name="TextBox 79"/>
+          <p:cNvSpPr txBox="1"/>
+          <p:nvPr/>
+        </p:nvSpPr>
+        <p:spPr>
+          <a:xfrm>
+            <a:off x="3346959" y="4081592"/>
+            <a:ext cx="906017" cy="477054"/>
+          </a:xfrm>
+          <a:prstGeom prst="rect">
+            <a:avLst/>
+          </a:prstGeom>
+          <a:noFill/>
+        </p:spPr>
+        <p:txBody>
+          <a:bodyPr wrap="none" rtlCol="0">
+            <a:spAutoFit/>
+          </a:bodyPr>
+          <a:lstStyle/>
+          <a:p>
+            <a:r>
+              <a:rPr lang="en-US" sz="2500" dirty="0" smtClean="0">
+                <a:latin typeface="CMU Serif Roman" charset="0"/>
+                <a:ea typeface="CMU Serif Roman" charset="0"/>
+                <a:cs typeface="CMU Serif Roman" charset="0"/>
+              </a:rPr>
+              <a:t>{ p }</a:t>
+            </a:r>
+            <a:endParaRPr lang="en-US" sz="2500" dirty="0">
+              <a:latin typeface="CMU Serif Roman" charset="0"/>
+              <a:ea typeface="CMU Serif Roman" charset="0"/>
+              <a:cs typeface="CMU Serif Roman" charset="0"/>
+            </a:endParaRPr>
+          </a:p>
+        </p:txBody>
+      </p:sp>
+      <p:sp>
+        <p:nvSpPr>
+          <p:cNvPr id="81" name="Oval 80"/>
+          <p:cNvSpPr/>
+          <p:nvPr/>
+        </p:nvSpPr>
+        <p:spPr>
+          <a:xfrm>
+            <a:off x="551424" y="5149632"/>
+            <a:ext cx="926926" cy="901874"/>
+          </a:xfrm>
+          <a:prstGeom prst="ellipse">
+            <a:avLst/>
+          </a:prstGeom>
+        </p:spPr>
+        <p:style>
+          <a:lnRef idx="0">
+            <a:schemeClr val="accent5"/>
+          </a:lnRef>
+          <a:fillRef idx="3">
+            <a:schemeClr val="accent5"/>
+          </a:fillRef>
+          <a:effectRef idx="3">
+            <a:schemeClr val="accent5"/>
+          </a:effectRef>
+          <a:fontRef idx="minor">
+            <a:schemeClr val="lt1"/>
+          </a:fontRef>
+        </p:style>
+        <p:txBody>
+          <a:bodyPr rtlCol="0" anchor="ctr"/>
+          <a:lstStyle/>
+          <a:p>
+            <a:pPr algn="ctr"/>
+            <a:r>
+              <a:rPr lang="en-US" sz="2500" dirty="0" smtClean="0">
+                <a:latin typeface="CMU Serif Roman" charset="0"/>
+                <a:ea typeface="CMU Serif Roman" charset="0"/>
+                <a:cs typeface="CMU Serif Roman" charset="0"/>
+              </a:rPr>
+              <a:t>S</a:t>
+            </a:r>
+            <a:r>
+              <a:rPr lang="en-US" sz="2500" baseline="-25000" dirty="0" smtClean="0">
+                <a:latin typeface="CMU Serif Roman" charset="0"/>
+                <a:ea typeface="CMU Serif Roman" charset="0"/>
+                <a:cs typeface="CMU Serif Roman" charset="0"/>
+              </a:rPr>
+              <a:t>4</a:t>
+            </a:r>
+            <a:endParaRPr lang="en-US" sz="2500" baseline="-25000" dirty="0">
+              <a:latin typeface="CMU Serif Roman" charset="0"/>
+              <a:ea typeface="CMU Serif Roman" charset="0"/>
+              <a:cs typeface="CMU Serif Roman" charset="0"/>
+            </a:endParaRPr>
+          </a:p>
+        </p:txBody>
+      </p:sp>
+      <p:sp>
+        <p:nvSpPr>
+          <p:cNvPr id="82" name="TextBox 81"/>
+          <p:cNvSpPr txBox="1"/>
+          <p:nvPr/>
+        </p:nvSpPr>
+        <p:spPr>
+          <a:xfrm>
+            <a:off x="1478350" y="5162214"/>
+            <a:ext cx="906017" cy="477054"/>
+          </a:xfrm>
+          <a:prstGeom prst="rect">
+            <a:avLst/>
+          </a:prstGeom>
+          <a:noFill/>
+        </p:spPr>
+        <p:txBody>
+          <a:bodyPr wrap="none" rtlCol="0">
+            <a:spAutoFit/>
+          </a:bodyPr>
+          <a:lstStyle/>
+          <a:p>
+            <a:r>
+              <a:rPr lang="en-US" sz="2500" dirty="0" smtClean="0">
+                <a:latin typeface="CMU Serif Roman" charset="0"/>
+                <a:ea typeface="CMU Serif Roman" charset="0"/>
+                <a:cs typeface="CMU Serif Roman" charset="0"/>
+              </a:rPr>
+              <a:t>{ p }</a:t>
+            </a:r>
+            <a:endParaRPr lang="en-US" sz="2500" dirty="0">
+              <a:latin typeface="CMU Serif Roman" charset="0"/>
+              <a:ea typeface="CMU Serif Roman" charset="0"/>
+              <a:cs typeface="CMU Serif Roman" charset="0"/>
+            </a:endParaRPr>
+          </a:p>
+        </p:txBody>
+      </p:sp>
+      <p:sp>
+        <p:nvSpPr>
+          <p:cNvPr id="83" name="Oval 82"/>
+          <p:cNvSpPr/>
+          <p:nvPr/>
+        </p:nvSpPr>
+        <p:spPr>
+          <a:xfrm>
+            <a:off x="10032248" y="1441619"/>
+            <a:ext cx="926926" cy="901874"/>
+          </a:xfrm>
+          <a:prstGeom prst="ellipse">
+            <a:avLst/>
+          </a:prstGeom>
+        </p:spPr>
+        <p:style>
+          <a:lnRef idx="0">
+            <a:schemeClr val="accent5"/>
+          </a:lnRef>
+          <a:fillRef idx="3">
+            <a:schemeClr val="accent5"/>
+          </a:fillRef>
+          <a:effectRef idx="3">
+            <a:schemeClr val="accent5"/>
+          </a:effectRef>
+          <a:fontRef idx="minor">
+            <a:schemeClr val="lt1"/>
+          </a:fontRef>
+        </p:style>
+        <p:txBody>
+          <a:bodyPr rtlCol="0" anchor="ctr"/>
+          <a:lstStyle/>
+          <a:p>
+            <a:pPr algn="ctr"/>
+            <a:r>
+              <a:rPr lang="en-US" sz="2500" dirty="0" smtClean="0">
+                <a:latin typeface="CMU Serif Roman" charset="0"/>
+                <a:ea typeface="CMU Serif Roman" charset="0"/>
+                <a:cs typeface="CMU Serif Roman" charset="0"/>
+              </a:rPr>
+              <a:t>S</a:t>
+            </a:r>
+            <a:r>
+              <a:rPr lang="en-US" sz="2500" baseline="-25000" dirty="0" smtClean="0">
+                <a:latin typeface="CMU Serif Roman" charset="0"/>
+                <a:ea typeface="CMU Serif Roman" charset="0"/>
+                <a:cs typeface="CMU Serif Roman" charset="0"/>
+              </a:rPr>
+              <a:t>5</a:t>
+            </a:r>
+            <a:endParaRPr lang="en-US" sz="2500" baseline="-25000" dirty="0">
+              <a:latin typeface="CMU Serif Roman" charset="0"/>
+              <a:ea typeface="CMU Serif Roman" charset="0"/>
+              <a:cs typeface="CMU Serif Roman" charset="0"/>
+            </a:endParaRPr>
+          </a:p>
+        </p:txBody>
+      </p:sp>
+      <p:sp>
+        <p:nvSpPr>
+          <p:cNvPr id="84" name="TextBox 83"/>
+          <p:cNvSpPr txBox="1"/>
+          <p:nvPr/>
+        </p:nvSpPr>
+        <p:spPr>
+          <a:xfrm>
+            <a:off x="10938131" y="1422736"/>
+            <a:ext cx="1253869" cy="477054"/>
+          </a:xfrm>
+          <a:prstGeom prst="rect">
+            <a:avLst/>
+          </a:prstGeom>
+          <a:noFill/>
+        </p:spPr>
+        <p:txBody>
+          <a:bodyPr wrap="none" rtlCol="0">
+            <a:spAutoFit/>
+          </a:bodyPr>
+          <a:lstStyle/>
+          <a:p>
+            <a:r>
+              <a:rPr lang="en-US" sz="2500" dirty="0" smtClean="0">
+                <a:latin typeface="CMU Serif Roman" charset="0"/>
+                <a:ea typeface="CMU Serif Roman" charset="0"/>
+                <a:cs typeface="CMU Serif Roman" charset="0"/>
+              </a:rPr>
+              <a:t>{ p, r }</a:t>
+            </a:r>
+            <a:endParaRPr lang="en-US" sz="2500" dirty="0">
+              <a:latin typeface="CMU Serif Roman" charset="0"/>
+              <a:ea typeface="CMU Serif Roman" charset="0"/>
+              <a:cs typeface="CMU Serif Roman" charset="0"/>
+            </a:endParaRPr>
+          </a:p>
+        </p:txBody>
+      </p:sp>
+      <p:sp>
+        <p:nvSpPr>
+          <p:cNvPr id="85" name="Oval 84"/>
+          <p:cNvSpPr/>
+          <p:nvPr/>
+        </p:nvSpPr>
+        <p:spPr>
+          <a:xfrm>
+            <a:off x="10032248" y="3179718"/>
+            <a:ext cx="926926" cy="901874"/>
+          </a:xfrm>
+          <a:prstGeom prst="ellipse">
+            <a:avLst/>
+          </a:prstGeom>
+        </p:spPr>
+        <p:style>
+          <a:lnRef idx="0">
+            <a:schemeClr val="accent5"/>
+          </a:lnRef>
+          <a:fillRef idx="3">
+            <a:schemeClr val="accent5"/>
+          </a:fillRef>
+          <a:effectRef idx="3">
+            <a:schemeClr val="accent5"/>
+          </a:effectRef>
+          <a:fontRef idx="minor">
+            <a:schemeClr val="lt1"/>
+          </a:fontRef>
+        </p:style>
+        <p:txBody>
+          <a:bodyPr rtlCol="0" anchor="ctr"/>
+          <a:lstStyle/>
+          <a:p>
+            <a:pPr algn="ctr"/>
+            <a:r>
+              <a:rPr lang="en-US" sz="2500" dirty="0" smtClean="0">
+                <a:latin typeface="CMU Serif Roman" charset="0"/>
+                <a:ea typeface="CMU Serif Roman" charset="0"/>
+                <a:cs typeface="CMU Serif Roman" charset="0"/>
+              </a:rPr>
+              <a:t>S</a:t>
+            </a:r>
+            <a:r>
+              <a:rPr lang="en-US" sz="2500" baseline="-25000" dirty="0">
+                <a:latin typeface="CMU Serif Roman" charset="0"/>
+                <a:ea typeface="CMU Serif Roman" charset="0"/>
+                <a:cs typeface="CMU Serif Roman" charset="0"/>
+              </a:rPr>
+              <a:t>6</a:t>
+            </a:r>
+          </a:p>
+        </p:txBody>
+      </p:sp>
+      <p:sp>
+        <p:nvSpPr>
+          <p:cNvPr id="86" name="TextBox 85"/>
+          <p:cNvSpPr txBox="1"/>
+          <p:nvPr/>
+        </p:nvSpPr>
+        <p:spPr>
+          <a:xfrm>
+            <a:off x="10905202" y="3153601"/>
+            <a:ext cx="906017" cy="477054"/>
+          </a:xfrm>
+          <a:prstGeom prst="rect">
+            <a:avLst/>
+          </a:prstGeom>
+          <a:noFill/>
+        </p:spPr>
+        <p:txBody>
+          <a:bodyPr wrap="none" rtlCol="0">
+            <a:spAutoFit/>
+          </a:bodyPr>
+          <a:lstStyle/>
+          <a:p>
+            <a:r>
+              <a:rPr lang="en-US" sz="2500" dirty="0" smtClean="0">
+                <a:latin typeface="CMU Serif Roman" charset="0"/>
+                <a:ea typeface="CMU Serif Roman" charset="0"/>
+                <a:cs typeface="CMU Serif Roman" charset="0"/>
+              </a:rPr>
+              <a:t>{ p }</a:t>
+            </a:r>
+            <a:endParaRPr lang="en-US" sz="2500" dirty="0">
+              <a:latin typeface="CMU Serif Roman" charset="0"/>
+              <a:ea typeface="CMU Serif Roman" charset="0"/>
+              <a:cs typeface="CMU Serif Roman" charset="0"/>
+            </a:endParaRPr>
+          </a:p>
+        </p:txBody>
+      </p:sp>
+      <p:cxnSp>
+        <p:nvCxnSpPr>
+          <p:cNvPr id="87" name="Straight Arrow Connector 86"/>
+          <p:cNvCxnSpPr>
+            <a:stCxn id="74" idx="2"/>
+            <a:endCxn id="77" idx="7"/>
+          </p:cNvCxnSpPr>
+          <p:nvPr/>
+        </p:nvCxnSpPr>
+        <p:spPr>
+          <a:xfrm flipH="1">
+            <a:off x="5130534" y="2319969"/>
+            <a:ext cx="1075175" cy="913011"/>
+          </a:xfrm>
+          <a:prstGeom prst="straightConnector1">
+            <a:avLst/>
+          </a:prstGeom>
+          <a:ln w="57150">
+            <a:solidFill>
+              <a:schemeClr val="accent1"/>
+            </a:solidFill>
+            <a:tailEnd type="triangle"/>
+          </a:ln>
+        </p:spPr>
+        <p:style>
+          <a:lnRef idx="3">
+            <a:schemeClr val="accent5"/>
+          </a:lnRef>
+          <a:fillRef idx="0">
+            <a:schemeClr val="accent5"/>
+          </a:fillRef>
+          <a:effectRef idx="2">
+            <a:schemeClr val="accent5"/>
+          </a:effectRef>
+          <a:fontRef idx="minor">
+            <a:schemeClr val="tx1"/>
+          </a:fontRef>
+        </p:style>
+      </p:cxnSp>
+      <p:cxnSp>
+        <p:nvCxnSpPr>
+          <p:cNvPr id="88" name="Straight Arrow Connector 87"/>
+          <p:cNvCxnSpPr>
+            <a:stCxn id="74" idx="6"/>
+            <a:endCxn id="80" idx="1"/>
+          </p:cNvCxnSpPr>
+          <p:nvPr/>
+        </p:nvCxnSpPr>
+        <p:spPr>
+          <a:xfrm>
+            <a:off x="7132635" y="2319969"/>
+            <a:ext cx="920177" cy="913011"/>
+          </a:xfrm>
+          <a:prstGeom prst="straightConnector1">
+            <a:avLst/>
+          </a:prstGeom>
+          <a:ln w="57150">
+            <a:solidFill>
+              <a:schemeClr val="accent1"/>
+            </a:solidFill>
+            <a:tailEnd type="triangle"/>
+          </a:ln>
+        </p:spPr>
+        <p:style>
+          <a:lnRef idx="3">
+            <a:schemeClr val="accent5"/>
+          </a:lnRef>
+          <a:fillRef idx="0">
+            <a:schemeClr val="accent5"/>
+          </a:fillRef>
+          <a:effectRef idx="2">
+            <a:schemeClr val="accent5"/>
+          </a:effectRef>
+          <a:fontRef idx="minor">
+            <a:schemeClr val="tx1"/>
+          </a:fontRef>
+        </p:style>
+      </p:cxnSp>
+      <p:cxnSp>
+        <p:nvCxnSpPr>
+          <p:cNvPr id="89" name="Straight Arrow Connector 88"/>
+          <p:cNvCxnSpPr>
+            <a:stCxn id="77" idx="2"/>
+            <a:endCxn id="82" idx="7"/>
+          </p:cNvCxnSpPr>
+          <p:nvPr/>
+        </p:nvCxnSpPr>
+        <p:spPr>
+          <a:xfrm flipH="1">
+            <a:off x="3265186" y="3551841"/>
+            <a:ext cx="1074167" cy="705503"/>
+          </a:xfrm>
+          <a:prstGeom prst="straightConnector1">
+            <a:avLst/>
+          </a:prstGeom>
+          <a:ln w="57150">
+            <a:solidFill>
+              <a:schemeClr val="accent1"/>
+            </a:solidFill>
+            <a:tailEnd type="triangle"/>
+          </a:ln>
+        </p:spPr>
+        <p:style>
+          <a:lnRef idx="3">
+            <a:schemeClr val="accent5"/>
+          </a:lnRef>
+          <a:fillRef idx="0">
+            <a:schemeClr val="accent5"/>
+          </a:fillRef>
+          <a:effectRef idx="2">
+            <a:schemeClr val="accent5"/>
+          </a:effectRef>
+          <a:fontRef idx="minor">
+            <a:schemeClr val="tx1"/>
+          </a:fontRef>
+        </p:style>
+      </p:cxnSp>
+      <p:cxnSp>
+        <p:nvCxnSpPr>
+          <p:cNvPr id="90" name="Straight Arrow Connector 89"/>
+          <p:cNvCxnSpPr>
+            <a:stCxn id="82" idx="2"/>
+            <a:endCxn id="85" idx="7"/>
+          </p:cNvCxnSpPr>
+          <p:nvPr/>
+        </p:nvCxnSpPr>
+        <p:spPr>
+          <a:xfrm flipH="1">
+            <a:off x="1342605" y="4576205"/>
+            <a:ext cx="1131400" cy="705503"/>
+          </a:xfrm>
+          <a:prstGeom prst="straightConnector1">
+            <a:avLst/>
+          </a:prstGeom>
+          <a:ln w="57150">
+            <a:solidFill>
+              <a:schemeClr val="accent1"/>
+            </a:solidFill>
+            <a:tailEnd type="triangle"/>
+          </a:ln>
+        </p:spPr>
+        <p:style>
+          <a:lnRef idx="3">
+            <a:schemeClr val="accent5"/>
+          </a:lnRef>
+          <a:fillRef idx="0">
+            <a:schemeClr val="accent5"/>
+          </a:fillRef>
+          <a:effectRef idx="2">
+            <a:schemeClr val="accent5"/>
+          </a:effectRef>
+          <a:fontRef idx="minor">
+            <a:schemeClr val="tx1"/>
+          </a:fontRef>
+        </p:style>
+      </p:cxnSp>
+      <p:cxnSp>
+        <p:nvCxnSpPr>
+          <p:cNvPr id="91" name="Straight Arrow Connector 90"/>
+          <p:cNvCxnSpPr>
+            <a:stCxn id="87" idx="4"/>
+            <a:endCxn id="89" idx="0"/>
+          </p:cNvCxnSpPr>
+          <p:nvPr/>
+        </p:nvCxnSpPr>
+        <p:spPr>
+          <a:xfrm>
+            <a:off x="10495711" y="2343493"/>
+            <a:ext cx="0" cy="836225"/>
+          </a:xfrm>
+          <a:prstGeom prst="straightConnector1">
+            <a:avLst/>
+          </a:prstGeom>
+          <a:ln w="57150">
+            <a:solidFill>
+              <a:schemeClr val="accent1"/>
+            </a:solidFill>
+            <a:tailEnd type="triangle"/>
+          </a:ln>
+        </p:spPr>
+        <p:style>
+          <a:lnRef idx="3">
+            <a:schemeClr val="accent5"/>
+          </a:lnRef>
+          <a:fillRef idx="0">
+            <a:schemeClr val="accent5"/>
+          </a:fillRef>
+          <a:effectRef idx="2">
+            <a:schemeClr val="accent5"/>
+          </a:effectRef>
+          <a:fontRef idx="minor">
+            <a:schemeClr val="tx1"/>
+          </a:fontRef>
+        </p:style>
+      </p:cxnSp>
+      <p:cxnSp>
+        <p:nvCxnSpPr>
+          <p:cNvPr id="92" name="Straight Arrow Connector 91"/>
+          <p:cNvCxnSpPr>
+            <a:endCxn id="87" idx="0"/>
+          </p:cNvCxnSpPr>
+          <p:nvPr/>
+        </p:nvCxnSpPr>
+        <p:spPr>
+          <a:xfrm>
+            <a:off x="10495711" y="940372"/>
+            <a:ext cx="0" cy="501247"/>
+          </a:xfrm>
+          <a:prstGeom prst="straightConnector1">
+            <a:avLst/>
+          </a:prstGeom>
+          <a:ln w="57150">
+            <a:solidFill>
+              <a:schemeClr val="accent1"/>
+            </a:solidFill>
+            <a:tailEnd type="triangle"/>
+          </a:ln>
+        </p:spPr>
+        <p:style>
+          <a:lnRef idx="3">
+            <a:schemeClr val="accent5"/>
+          </a:lnRef>
+          <a:fillRef idx="0">
+            <a:schemeClr val="accent5"/>
+          </a:fillRef>
+          <a:effectRef idx="2">
+            <a:schemeClr val="accent5"/>
+          </a:effectRef>
+          <a:fontRef idx="minor">
+            <a:schemeClr val="tx1"/>
+          </a:fontRef>
+        </p:style>
+      </p:cxnSp>
+      <p:sp>
+        <p:nvSpPr>
+          <p:cNvPr id="93" name="TextBox 92"/>
+          <p:cNvSpPr txBox="1"/>
+          <p:nvPr/>
+        </p:nvSpPr>
+        <p:spPr>
+          <a:xfrm>
+            <a:off x="10495711" y="2479608"/>
+            <a:ext cx="654346" cy="400110"/>
+          </a:xfrm>
+          <a:prstGeom prst="rect">
+            <a:avLst/>
+          </a:prstGeom>
+          <a:noFill/>
+        </p:spPr>
+        <p:txBody>
+          <a:bodyPr wrap="none" rtlCol="0">
+            <a:spAutoFit/>
+          </a:bodyPr>
+          <a:lstStyle/>
+          <a:p>
+            <a:r>
+              <a:rPr lang="en-US" sz="2000" b="1" dirty="0" smtClean="0">
+                <a:latin typeface="CMU Serif Roman" charset="0"/>
+                <a:ea typeface="CMU Serif Roman" charset="0"/>
+                <a:cs typeface="CMU Serif Roman" charset="0"/>
+              </a:rPr>
+              <a:t>act1</a:t>
+            </a:r>
+            <a:endParaRPr lang="en-US" sz="2000" b="1" dirty="0">
+              <a:latin typeface="CMU Serif Roman" charset="0"/>
+              <a:ea typeface="CMU Serif Roman" charset="0"/>
+              <a:cs typeface="CMU Serif Roman" charset="0"/>
+            </a:endParaRPr>
+          </a:p>
+        </p:txBody>
+      </p:sp>
+      <p:sp>
+        <p:nvSpPr>
+          <p:cNvPr id="94" name="TextBox 93"/>
+          <p:cNvSpPr txBox="1"/>
+          <p:nvPr/>
+        </p:nvSpPr>
+        <p:spPr>
+          <a:xfrm>
+            <a:off x="3250641" y="3547454"/>
+            <a:ext cx="654346" cy="400110"/>
+          </a:xfrm>
+          <a:prstGeom prst="rect">
+            <a:avLst/>
+          </a:prstGeom>
+          <a:noFill/>
+        </p:spPr>
+        <p:txBody>
+          <a:bodyPr wrap="none" rtlCol="0">
+            <a:spAutoFit/>
+          </a:bodyPr>
+          <a:lstStyle/>
+          <a:p>
+            <a:r>
+              <a:rPr lang="en-US" sz="2000" b="1" dirty="0" smtClean="0">
+                <a:latin typeface="CMU Serif Roman" charset="0"/>
+                <a:ea typeface="CMU Serif Roman" charset="0"/>
+                <a:cs typeface="CMU Serif Roman" charset="0"/>
+              </a:rPr>
+              <a:t>act1</a:t>
+            </a:r>
+            <a:endParaRPr lang="en-US" sz="2000" b="1" dirty="0">
+              <a:latin typeface="CMU Serif Roman" charset="0"/>
+              <a:ea typeface="CMU Serif Roman" charset="0"/>
+              <a:cs typeface="CMU Serif Roman" charset="0"/>
+            </a:endParaRPr>
+          </a:p>
+        </p:txBody>
+      </p:sp>
+      <p:sp>
+        <p:nvSpPr>
+          <p:cNvPr id="95" name="TextBox 94"/>
+          <p:cNvSpPr txBox="1"/>
+          <p:nvPr/>
+        </p:nvSpPr>
+        <p:spPr>
+          <a:xfrm>
+            <a:off x="1405781" y="4465133"/>
+            <a:ext cx="654346" cy="400110"/>
+          </a:xfrm>
+          <a:prstGeom prst="rect">
+            <a:avLst/>
+          </a:prstGeom>
+          <a:noFill/>
+        </p:spPr>
+        <p:txBody>
+          <a:bodyPr wrap="none" rtlCol="0">
+            <a:spAutoFit/>
+          </a:bodyPr>
+          <a:lstStyle/>
+          <a:p>
+            <a:r>
+              <a:rPr lang="en-US" sz="2000" b="1" dirty="0" smtClean="0">
+                <a:latin typeface="CMU Serif Roman" charset="0"/>
+                <a:ea typeface="CMU Serif Roman" charset="0"/>
+                <a:cs typeface="CMU Serif Roman" charset="0"/>
+              </a:rPr>
+              <a:t>act2</a:t>
+            </a:r>
+            <a:endParaRPr lang="en-US" sz="2000" b="1" dirty="0">
+              <a:latin typeface="CMU Serif Roman" charset="0"/>
+              <a:ea typeface="CMU Serif Roman" charset="0"/>
+              <a:cs typeface="CMU Serif Roman" charset="0"/>
+            </a:endParaRPr>
+          </a:p>
+        </p:txBody>
+      </p:sp>
+      <p:sp>
+        <p:nvSpPr>
+          <p:cNvPr id="96" name="TextBox 95"/>
+          <p:cNvSpPr txBox="1"/>
+          <p:nvPr/>
+        </p:nvSpPr>
+        <p:spPr>
+          <a:xfrm>
+            <a:off x="5096275" y="2370124"/>
+            <a:ext cx="654346" cy="400110"/>
+          </a:xfrm>
+          <a:prstGeom prst="rect">
+            <a:avLst/>
+          </a:prstGeom>
+          <a:noFill/>
+        </p:spPr>
+        <p:txBody>
+          <a:bodyPr wrap="none" rtlCol="0">
+            <a:spAutoFit/>
+          </a:bodyPr>
+          <a:lstStyle/>
+          <a:p>
+            <a:r>
+              <a:rPr lang="en-US" sz="2000" b="1" dirty="0" smtClean="0">
+                <a:latin typeface="CMU Serif Roman" charset="0"/>
+                <a:ea typeface="CMU Serif Roman" charset="0"/>
+                <a:cs typeface="CMU Serif Roman" charset="0"/>
+              </a:rPr>
+              <a:t>act1</a:t>
+            </a:r>
+            <a:endParaRPr lang="en-US" sz="2000" b="1" dirty="0">
+              <a:latin typeface="CMU Serif Roman" charset="0"/>
+              <a:ea typeface="CMU Serif Roman" charset="0"/>
+              <a:cs typeface="CMU Serif Roman" charset="0"/>
+            </a:endParaRPr>
+          </a:p>
+        </p:txBody>
+      </p:sp>
+      <p:sp>
+        <p:nvSpPr>
+          <p:cNvPr id="97" name="TextBox 96"/>
+          <p:cNvSpPr txBox="1"/>
+          <p:nvPr/>
+        </p:nvSpPr>
+        <p:spPr>
+          <a:xfrm>
+            <a:off x="7587029" y="2373015"/>
+            <a:ext cx="654346" cy="400110"/>
+          </a:xfrm>
+          <a:prstGeom prst="rect">
+            <a:avLst/>
+          </a:prstGeom>
+          <a:noFill/>
+        </p:spPr>
+        <p:txBody>
+          <a:bodyPr wrap="none" rtlCol="0">
+            <a:spAutoFit/>
+          </a:bodyPr>
+          <a:lstStyle/>
+          <a:p>
+            <a:r>
+              <a:rPr lang="en-US" sz="2000" b="1" dirty="0" smtClean="0">
+                <a:latin typeface="CMU Serif Roman" charset="0"/>
+                <a:ea typeface="CMU Serif Roman" charset="0"/>
+                <a:cs typeface="CMU Serif Roman" charset="0"/>
+              </a:rPr>
+              <a:t>act2</a:t>
+            </a:r>
+            <a:endParaRPr lang="en-US" sz="2000" b="1" dirty="0">
+              <a:latin typeface="CMU Serif Roman" charset="0"/>
+              <a:ea typeface="CMU Serif Roman" charset="0"/>
+              <a:cs typeface="CMU Serif Roman" charset="0"/>
+            </a:endParaRPr>
+          </a:p>
+        </p:txBody>
+      </p:sp>
+      <p:cxnSp>
+        <p:nvCxnSpPr>
+          <p:cNvPr id="98" name="Elbow Connector 97"/>
+          <p:cNvCxnSpPr>
+            <a:stCxn id="85" idx="4"/>
+            <a:endCxn id="72" idx="7"/>
+          </p:cNvCxnSpPr>
+          <p:nvPr/>
+        </p:nvCxnSpPr>
+        <p:spPr>
+          <a:xfrm rot="5400000" flipH="1">
+            <a:off x="7706059" y="1291940"/>
+            <a:ext cx="2080484" cy="3498821"/>
+          </a:xfrm>
+          <a:prstGeom prst="bentConnector5">
+            <a:avLst>
+              <a:gd name="adj1" fmla="val -10988"/>
+              <a:gd name="adj2" fmla="val 22867"/>
+              <a:gd name="adj3" fmla="val 128186"/>
+            </a:avLst>
+          </a:prstGeom>
+          <a:ln w="57150">
+            <a:tailEnd type="triangle"/>
+          </a:ln>
+        </p:spPr>
+        <p:style>
+          <a:lnRef idx="3">
+            <a:schemeClr val="accent1"/>
+          </a:lnRef>
+          <a:fillRef idx="0">
+            <a:schemeClr val="accent1"/>
+          </a:fillRef>
+          <a:effectRef idx="2">
+            <a:schemeClr val="accent1"/>
+          </a:effectRef>
+          <a:fontRef idx="minor">
+            <a:schemeClr val="tx1"/>
+          </a:fontRef>
+        </p:style>
+      </p:cxnSp>
+      <p:sp>
+        <p:nvSpPr>
+          <p:cNvPr id="99" name="TextBox 98"/>
+          <p:cNvSpPr txBox="1"/>
+          <p:nvPr/>
+        </p:nvSpPr>
+        <p:spPr>
+          <a:xfrm>
+            <a:off x="7398466" y="1030124"/>
+            <a:ext cx="654346" cy="400110"/>
+          </a:xfrm>
+          <a:prstGeom prst="rect">
+            <a:avLst/>
+          </a:prstGeom>
+          <a:noFill/>
+        </p:spPr>
+        <p:txBody>
+          <a:bodyPr wrap="none" rtlCol="0">
+            <a:spAutoFit/>
+          </a:bodyPr>
+          <a:lstStyle/>
+          <a:p>
+            <a:r>
+              <a:rPr lang="en-US" sz="2000" b="1" dirty="0" smtClean="0">
+                <a:latin typeface="CMU Serif Roman" charset="0"/>
+                <a:ea typeface="CMU Serif Roman" charset="0"/>
+                <a:cs typeface="CMU Serif Roman" charset="0"/>
+              </a:rPr>
+              <a:t>act1</a:t>
+            </a:r>
+            <a:endParaRPr lang="en-US" sz="2000" b="1" dirty="0">
+              <a:latin typeface="CMU Serif Roman" charset="0"/>
+              <a:ea typeface="CMU Serif Roman" charset="0"/>
+              <a:cs typeface="CMU Serif Roman" charset="0"/>
+            </a:endParaRPr>
+          </a:p>
+        </p:txBody>
+      </p:sp>
+      <p:cxnSp>
+        <p:nvCxnSpPr>
+          <p:cNvPr id="100" name="Elbow Connector 99"/>
+          <p:cNvCxnSpPr>
+            <a:stCxn id="79" idx="0"/>
+            <a:endCxn id="79" idx="1"/>
+          </p:cNvCxnSpPr>
+          <p:nvPr/>
+        </p:nvCxnSpPr>
+        <p:spPr>
+          <a:xfrm rot="16200000" flipH="1" flipV="1">
+            <a:off x="2707571" y="4027447"/>
+            <a:ext cx="132076" cy="327718"/>
+          </a:xfrm>
+          <a:prstGeom prst="bentConnector3">
+            <a:avLst>
+              <a:gd name="adj1" fmla="val -745006"/>
+            </a:avLst>
+          </a:prstGeom>
+          <a:ln w="57150">
+            <a:tailEnd type="triangle"/>
+          </a:ln>
+        </p:spPr>
+        <p:style>
+          <a:lnRef idx="3">
+            <a:schemeClr val="accent1"/>
+          </a:lnRef>
+          <a:fillRef idx="0">
+            <a:schemeClr val="accent1"/>
+          </a:fillRef>
+          <a:effectRef idx="2">
+            <a:schemeClr val="accent1"/>
+          </a:effectRef>
+          <a:fontRef idx="minor">
+            <a:schemeClr val="tx1"/>
+          </a:fontRef>
+        </p:style>
+      </p:cxnSp>
+      <p:sp>
+        <p:nvSpPr>
+          <p:cNvPr id="101" name="TextBox 100"/>
+          <p:cNvSpPr txBox="1"/>
+          <p:nvPr/>
+        </p:nvSpPr>
+        <p:spPr>
+          <a:xfrm>
+            <a:off x="2473635" y="2667610"/>
+            <a:ext cx="654346" cy="400110"/>
+          </a:xfrm>
+          <a:prstGeom prst="rect">
+            <a:avLst/>
+          </a:prstGeom>
+          <a:noFill/>
+        </p:spPr>
+        <p:txBody>
+          <a:bodyPr wrap="none" rtlCol="0">
+            <a:spAutoFit/>
+          </a:bodyPr>
+          <a:lstStyle/>
+          <a:p>
+            <a:r>
+              <a:rPr lang="en-US" sz="2000" b="1" dirty="0" smtClean="0">
+                <a:latin typeface="CMU Serif Roman" charset="0"/>
+                <a:ea typeface="CMU Serif Roman" charset="0"/>
+                <a:cs typeface="CMU Serif Roman" charset="0"/>
+              </a:rPr>
+              <a:t>act2</a:t>
+            </a:r>
+            <a:endParaRPr lang="en-US" sz="2000" b="1" dirty="0">
+              <a:latin typeface="CMU Serif Roman" charset="0"/>
+              <a:ea typeface="CMU Serif Roman" charset="0"/>
+              <a:cs typeface="CMU Serif Roman" charset="0"/>
+            </a:endParaRPr>
+          </a:p>
+        </p:txBody>
+      </p:sp>
+      <p:cxnSp>
+        <p:nvCxnSpPr>
+          <p:cNvPr id="102" name="Straight Arrow Connector 101"/>
+          <p:cNvCxnSpPr>
+            <a:endCxn id="81" idx="0"/>
+          </p:cNvCxnSpPr>
+          <p:nvPr/>
+        </p:nvCxnSpPr>
+        <p:spPr>
+          <a:xfrm>
+            <a:off x="1010850" y="4558646"/>
+            <a:ext cx="4037" cy="590986"/>
+          </a:xfrm>
+          <a:prstGeom prst="straightConnector1">
+            <a:avLst/>
+          </a:prstGeom>
+          <a:ln w="57150">
+            <a:solidFill>
+              <a:schemeClr val="accent1"/>
+            </a:solidFill>
+            <a:tailEnd type="triangle"/>
+          </a:ln>
+        </p:spPr>
+        <p:style>
+          <a:lnRef idx="3">
+            <a:schemeClr val="accent5"/>
+          </a:lnRef>
+          <a:fillRef idx="0">
+            <a:schemeClr val="accent5"/>
+          </a:fillRef>
+          <a:effectRef idx="2">
+            <a:schemeClr val="accent5"/>
+          </a:effectRef>
+          <a:fontRef idx="minor">
+            <a:schemeClr val="tx1"/>
+          </a:fontRef>
+        </p:style>
+      </p:cxnSp>
+      <p:cxnSp>
+        <p:nvCxnSpPr>
+          <p:cNvPr id="104" name="Elbow Connector 103"/>
+          <p:cNvCxnSpPr>
+            <a:stCxn id="81" idx="4"/>
+            <a:endCxn id="77" idx="4"/>
+          </p:cNvCxnSpPr>
+          <p:nvPr/>
+        </p:nvCxnSpPr>
+        <p:spPr>
+          <a:xfrm rot="5400000" flipH="1" flipV="1">
+            <a:off x="3675555" y="1342110"/>
+            <a:ext cx="2048728" cy="7370064"/>
+          </a:xfrm>
+          <a:prstGeom prst="bentConnector3">
+            <a:avLst>
+              <a:gd name="adj1" fmla="val -11158"/>
+            </a:avLst>
+          </a:prstGeom>
+          <a:ln w="57150">
+            <a:tailEnd type="triangle"/>
+          </a:ln>
+        </p:spPr>
+        <p:style>
+          <a:lnRef idx="3">
+            <a:schemeClr val="accent1"/>
+          </a:lnRef>
+          <a:fillRef idx="0">
+            <a:schemeClr val="accent1"/>
+          </a:fillRef>
+          <a:effectRef idx="2">
+            <a:schemeClr val="accent1"/>
+          </a:effectRef>
+          <a:fontRef idx="minor">
+            <a:schemeClr val="tx1"/>
+          </a:fontRef>
+        </p:style>
+      </p:cxnSp>
+      <p:cxnSp>
+        <p:nvCxnSpPr>
+          <p:cNvPr id="106" name="Straight Arrow Connector 105"/>
+          <p:cNvCxnSpPr>
+            <a:stCxn id="77" idx="2"/>
+            <a:endCxn id="72" idx="5"/>
+          </p:cNvCxnSpPr>
+          <p:nvPr/>
+        </p:nvCxnSpPr>
+        <p:spPr>
+          <a:xfrm flipH="1" flipV="1">
+            <a:off x="6996890" y="2638830"/>
+            <a:ext cx="918346" cy="913011"/>
+          </a:xfrm>
+          <a:prstGeom prst="straightConnector1">
+            <a:avLst/>
+          </a:prstGeom>
+          <a:ln w="57150">
+            <a:solidFill>
+              <a:schemeClr val="accent1"/>
+            </a:solidFill>
+            <a:tailEnd type="triangle"/>
+          </a:ln>
+        </p:spPr>
+        <p:style>
+          <a:lnRef idx="3">
+            <a:schemeClr val="accent5"/>
+          </a:lnRef>
+          <a:fillRef idx="0">
+            <a:schemeClr val="accent5"/>
+          </a:fillRef>
+          <a:effectRef idx="2">
+            <a:schemeClr val="accent5"/>
+          </a:effectRef>
+          <a:fontRef idx="minor">
+            <a:schemeClr val="tx1"/>
+          </a:fontRef>
+        </p:style>
+      </p:cxnSp>
+      <p:sp>
+        <p:nvSpPr>
+          <p:cNvPr id="114" name="TextBox 113"/>
+          <p:cNvSpPr txBox="1"/>
+          <p:nvPr/>
+        </p:nvSpPr>
+        <p:spPr>
+          <a:xfrm>
+            <a:off x="4604477" y="5851451"/>
+            <a:ext cx="654346" cy="400110"/>
+          </a:xfrm>
+          <a:prstGeom prst="rect">
+            <a:avLst/>
+          </a:prstGeom>
+          <a:noFill/>
+        </p:spPr>
+        <p:txBody>
+          <a:bodyPr wrap="none" rtlCol="0">
+            <a:spAutoFit/>
+          </a:bodyPr>
+          <a:lstStyle/>
+          <a:p>
+            <a:r>
+              <a:rPr lang="en-US" sz="2000" b="1" dirty="0" smtClean="0">
+                <a:latin typeface="CMU Serif Roman" charset="0"/>
+                <a:ea typeface="CMU Serif Roman" charset="0"/>
+                <a:cs typeface="CMU Serif Roman" charset="0"/>
+              </a:rPr>
+              <a:t>act2</a:t>
+            </a:r>
+            <a:endParaRPr lang="en-US" sz="2000" b="1" dirty="0">
+              <a:latin typeface="CMU Serif Roman" charset="0"/>
+              <a:ea typeface="CMU Serif Roman" charset="0"/>
+              <a:cs typeface="CMU Serif Roman" charset="0"/>
+            </a:endParaRPr>
+          </a:p>
+        </p:txBody>
+      </p:sp>
+      <p:sp>
+        <p:nvSpPr>
+          <p:cNvPr id="115" name="TextBox 114"/>
+          <p:cNvSpPr txBox="1"/>
+          <p:nvPr/>
+        </p:nvSpPr>
+        <p:spPr>
+          <a:xfrm>
+            <a:off x="6808327" y="3061070"/>
+            <a:ext cx="654346" cy="400110"/>
+          </a:xfrm>
+          <a:prstGeom prst="rect">
+            <a:avLst/>
+          </a:prstGeom>
+          <a:noFill/>
+        </p:spPr>
+        <p:txBody>
+          <a:bodyPr wrap="none" rtlCol="0">
+            <a:spAutoFit/>
+          </a:bodyPr>
+          <a:lstStyle/>
+          <a:p>
+            <a:r>
+              <a:rPr lang="en-US" sz="2000" b="1" dirty="0" smtClean="0">
+                <a:latin typeface="CMU Serif Roman" charset="0"/>
+                <a:ea typeface="CMU Serif Roman" charset="0"/>
+                <a:cs typeface="CMU Serif Roman" charset="0"/>
+              </a:rPr>
+              <a:t>act1</a:t>
+            </a:r>
+            <a:endParaRPr lang="en-US" sz="2000" b="1" dirty="0">
+              <a:latin typeface="CMU Serif Roman" charset="0"/>
+              <a:ea typeface="CMU Serif Roman" charset="0"/>
+              <a:cs typeface="CMU Serif Roman" charset="0"/>
+            </a:endParaRPr>
+          </a:p>
+        </p:txBody>
+      </p:sp>
+    </p:spTree>
+    <p:extLst>
+      <p:ext uri="{BB962C8B-B14F-4D97-AF65-F5344CB8AC3E}">
+        <p14:creationId xmlns:p14="http://schemas.microsoft.com/office/powerpoint/2010/main" val="664910904"/>
+      </p:ext>
+    </p:extLst>
+  </p:cSld>
+  <p:clrMapOvr>
+    <a:masterClrMapping/>
+  </p:clrMapOvr>
+  <mc:AlternateContent xmlns:mc="http://schemas.openxmlformats.org/markup-compatibility/2006">
+    <mc:Choice xmlns:p14="http://schemas.microsoft.com/office/powerpoint/2010/main" Requires="p14">
+      <p:transition spd="slow" p14:dur="2000"/>
+    </mc:Choice>
+    <mc:Fallback>
+      <p:transition spd="slow"/>
+    </mc:Fallback>
+  </mc:AlternateContent>
+</p:sld>
+</file>
+
+<file path=ppt/slides/slide21.xml><?xml version="1.0" encoding="utf-8"?>
+<p:sld xmlns:a="http://schemas.openxmlformats.org/drawingml/2006/main" xmlns:r="http://schemas.openxmlformats.org/officeDocument/2006/relationships" xmlns:p="http://schemas.openxmlformats.org/presentationml/2006/main">
+  <p:cSld>
+    <p:spTree>
+      <p:nvGrpSpPr>
+        <p:cNvPr id="1" name=""/>
+        <p:cNvGrpSpPr/>
+        <p:nvPr/>
+      </p:nvGrpSpPr>
+      <p:grpSpPr>
+        <a:xfrm>
+          <a:off x="0" y="0"/>
+          <a:ext cx="0" cy="0"/>
+          <a:chOff x="0" y="0"/>
+          <a:chExt cx="0" cy="0"/>
+        </a:xfrm>
+      </p:grpSpPr>
+      <p:sp>
+        <p:nvSpPr>
+          <p:cNvPr id="2" name="Title 1"/>
+          <p:cNvSpPr>
+            <a:spLocks noGrp="1"/>
+          </p:cNvSpPr>
+          <p:nvPr>
+            <p:ph type="title"/>
+          </p:nvPr>
+        </p:nvSpPr>
+        <p:spPr>
+          <a:xfrm>
+            <a:off x="923260" y="2640493"/>
+            <a:ext cx="10515600" cy="1325563"/>
+          </a:xfrm>
+        </p:spPr>
+        <p:txBody>
+          <a:bodyPr>
+            <a:noAutofit/>
+          </a:bodyPr>
+          <a:lstStyle/>
+          <a:p>
+            <a:pPr algn="ctr"/>
+            <a:r>
+              <a:rPr lang="en-US" sz="10000" dirty="0" smtClean="0"/>
+              <a:t>MODELS THAT HANDLE FAIRNESS CONSTRAINTS:</a:t>
+            </a:r>
+            <a:endParaRPr lang="en-US" sz="10000" dirty="0"/>
+          </a:p>
+        </p:txBody>
+      </p:sp>
+    </p:spTree>
+    <p:extLst>
+      <p:ext uri="{BB962C8B-B14F-4D97-AF65-F5344CB8AC3E}">
+        <p14:creationId xmlns:p14="http://schemas.microsoft.com/office/powerpoint/2010/main" val="173736093"/>
+      </p:ext>
+    </p:extLst>
+  </p:cSld>
+  <p:clrMapOvr>
+    <a:masterClrMapping/>
+  </p:clrMapOvr>
+</p:sld>
+</file>
+
+<file path=ppt/slides/slide22.xml><?xml version="1.0" encoding="utf-8"?>
+<p:sld xmlns:a="http://schemas.openxmlformats.org/drawingml/2006/main" xmlns:r="http://schemas.openxmlformats.org/officeDocument/2006/relationships" xmlns:p="http://schemas.openxmlformats.org/presentationml/2006/main">
+  <p:cSld>
+    <p:spTree>
+      <p:nvGrpSpPr>
+        <p:cNvPr id="1" name=""/>
+        <p:cNvGrpSpPr/>
+        <p:nvPr/>
+      </p:nvGrpSpPr>
+      <p:grpSpPr>
+        <a:xfrm>
+          <a:off x="0" y="0"/>
+          <a:ext cx="0" cy="0"/>
+          <a:chOff x="0" y="0"/>
+          <a:chExt cx="0" cy="0"/>
+        </a:xfrm>
+      </p:grpSpPr>
+      <p:sp>
+        <p:nvSpPr>
+          <p:cNvPr id="4" name="Oval 3"/>
+          <p:cNvSpPr/>
+          <p:nvPr/>
+        </p:nvSpPr>
+        <p:spPr>
+          <a:xfrm>
+            <a:off x="3622512" y="1770605"/>
+            <a:ext cx="926926" cy="901874"/>
+          </a:xfrm>
+          <a:prstGeom prst="ellipse">
+            <a:avLst/>
+          </a:prstGeom>
+        </p:spPr>
+        <p:style>
+          <a:lnRef idx="0">
+            <a:schemeClr val="accent5"/>
+          </a:lnRef>
+          <a:fillRef idx="3">
+            <a:schemeClr val="accent5"/>
+          </a:fillRef>
+          <a:effectRef idx="3">
+            <a:schemeClr val="accent5"/>
+          </a:effectRef>
+          <a:fontRef idx="minor">
+            <a:schemeClr val="lt1"/>
+          </a:fontRef>
+        </p:style>
+        <p:txBody>
+          <a:bodyPr rtlCol="0" anchor="ctr"/>
+          <a:lstStyle/>
+          <a:p>
+            <a:pPr algn="ctr"/>
+            <a:r>
+              <a:rPr lang="en-US" sz="2500" dirty="0" smtClean="0">
+                <a:latin typeface="CMU Serif Roman" charset="0"/>
+                <a:ea typeface="CMU Serif Roman" charset="0"/>
+                <a:cs typeface="CMU Serif Roman" charset="0"/>
+              </a:rPr>
+              <a:t>S</a:t>
+            </a:r>
+            <a:r>
+              <a:rPr lang="en-US" sz="2500" baseline="-25000" dirty="0" smtClean="0">
+                <a:latin typeface="CMU Serif Roman" charset="0"/>
+                <a:ea typeface="CMU Serif Roman" charset="0"/>
+                <a:cs typeface="CMU Serif Roman" charset="0"/>
+              </a:rPr>
+              <a:t>0</a:t>
+            </a:r>
+            <a:endParaRPr lang="en-US" sz="2500" baseline="-25000" dirty="0">
+              <a:latin typeface="CMU Serif Roman" charset="0"/>
+              <a:ea typeface="CMU Serif Roman" charset="0"/>
+              <a:cs typeface="CMU Serif Roman" charset="0"/>
+            </a:endParaRPr>
+          </a:p>
+        </p:txBody>
+      </p:sp>
+      <p:sp>
+        <p:nvSpPr>
+          <p:cNvPr id="5" name="TextBox 4"/>
+          <p:cNvSpPr txBox="1"/>
+          <p:nvPr/>
+        </p:nvSpPr>
+        <p:spPr>
+          <a:xfrm>
+            <a:off x="4332168" y="1433032"/>
+            <a:ext cx="898003" cy="477054"/>
+          </a:xfrm>
+          <a:prstGeom prst="rect">
+            <a:avLst/>
+          </a:prstGeom>
+          <a:noFill/>
+        </p:spPr>
+        <p:txBody>
+          <a:bodyPr wrap="none" rtlCol="0">
+            <a:spAutoFit/>
+          </a:bodyPr>
+          <a:lstStyle/>
+          <a:p>
+            <a:r>
+              <a:rPr lang="en-US" sz="2500" dirty="0" smtClean="0">
+                <a:latin typeface="CMU Serif Roman" charset="0"/>
+                <a:ea typeface="CMU Serif Roman" charset="0"/>
+                <a:cs typeface="CMU Serif Roman" charset="0"/>
+              </a:rPr>
+              <a:t>{ p }</a:t>
+            </a:r>
+            <a:endParaRPr lang="en-US" sz="2500" dirty="0">
+              <a:latin typeface="CMU Serif Roman" charset="0"/>
+              <a:ea typeface="CMU Serif Roman" charset="0"/>
+              <a:cs typeface="CMU Serif Roman" charset="0"/>
+            </a:endParaRPr>
+          </a:p>
+        </p:txBody>
+      </p:sp>
+      <p:sp>
+        <p:nvSpPr>
+          <p:cNvPr id="9" name="Rectangle 8"/>
+          <p:cNvSpPr/>
+          <p:nvPr/>
+        </p:nvSpPr>
+        <p:spPr>
+          <a:xfrm>
+            <a:off x="3346880" y="159080"/>
+            <a:ext cx="6053260" cy="630942"/>
+          </a:xfrm>
+          <a:prstGeom prst="rect">
+            <a:avLst/>
+          </a:prstGeom>
+          <a:noFill/>
+        </p:spPr>
+        <p:txBody>
+          <a:bodyPr wrap="none" lIns="91440" tIns="45720" rIns="91440" bIns="45720">
+            <a:spAutoFit/>
+          </a:bodyPr>
+          <a:lstStyle/>
+          <a:p>
+            <a:pPr algn="ctr"/>
+            <a:r>
+              <a:rPr lang="en-GB" sz="3500" dirty="0" smtClean="0">
+                <a:ln w="0"/>
+                <a:effectLst>
+                  <a:outerShdw blurRad="38100" dist="19050" dir="2700000" algn="tl" rotWithShape="0">
+                    <a:schemeClr val="dk1">
+                      <a:alpha val="40000"/>
+                    </a:schemeClr>
+                  </a:outerShdw>
+                </a:effectLst>
+                <a:latin typeface="CMU Serif Roman" charset="0"/>
+                <a:ea typeface="CMU Serif Roman" charset="0"/>
+                <a:cs typeface="CMU Serif Roman" charset="0"/>
+              </a:rPr>
+              <a:t>FOR ALL PATHS ALWAYS</a:t>
+            </a:r>
+            <a:endParaRPr lang="en-GB" sz="3500" b="1" spc="50" dirty="0">
+              <a:ln w="9525" cmpd="sng">
+                <a:solidFill>
+                  <a:schemeClr val="accent1"/>
+                </a:solidFill>
+                <a:prstDash val="solid"/>
+              </a:ln>
+              <a:solidFill>
+                <a:srgbClr val="70AD47">
+                  <a:tint val="1000"/>
+                </a:srgbClr>
+              </a:solidFill>
+              <a:effectLst>
+                <a:glow rad="38100">
+                  <a:schemeClr val="accent1">
+                    <a:alpha val="40000"/>
+                  </a:schemeClr>
+                </a:glow>
+              </a:effectLst>
+              <a:latin typeface="CMU Serif Roman" charset="0"/>
+              <a:ea typeface="CMU Serif Roman" charset="0"/>
+              <a:cs typeface="CMU Serif Roman" charset="0"/>
+            </a:endParaRPr>
+          </a:p>
+        </p:txBody>
+      </p:sp>
+      <p:cxnSp>
+        <p:nvCxnSpPr>
+          <p:cNvPr id="6" name="Straight Arrow Connector 5"/>
+          <p:cNvCxnSpPr>
+            <a:endCxn id="4" idx="0"/>
+          </p:cNvCxnSpPr>
+          <p:nvPr/>
+        </p:nvCxnSpPr>
+        <p:spPr>
+          <a:xfrm>
+            <a:off x="4080566" y="1182461"/>
+            <a:ext cx="5409" cy="588144"/>
+          </a:xfrm>
+          <a:prstGeom prst="straightConnector1">
+            <a:avLst/>
+          </a:prstGeom>
+          <a:ln w="57150">
+            <a:solidFill>
+              <a:schemeClr val="accent1"/>
+            </a:solidFill>
+            <a:tailEnd type="triangle"/>
+          </a:ln>
+        </p:spPr>
+        <p:style>
+          <a:lnRef idx="3">
+            <a:schemeClr val="accent5"/>
+          </a:lnRef>
+          <a:fillRef idx="0">
+            <a:schemeClr val="accent5"/>
+          </a:fillRef>
+          <a:effectRef idx="2">
+            <a:schemeClr val="accent5"/>
+          </a:effectRef>
+          <a:fontRef idx="minor">
+            <a:schemeClr val="tx1"/>
+          </a:fontRef>
+        </p:style>
+      </p:cxnSp>
+      <p:sp>
+        <p:nvSpPr>
+          <p:cNvPr id="7" name="Oval 6"/>
+          <p:cNvSpPr/>
+          <p:nvPr/>
+        </p:nvSpPr>
+        <p:spPr>
+          <a:xfrm>
+            <a:off x="1953936" y="2937005"/>
+            <a:ext cx="926926" cy="901874"/>
+          </a:xfrm>
+          <a:prstGeom prst="ellipse">
+            <a:avLst/>
+          </a:prstGeom>
+        </p:spPr>
+        <p:style>
+          <a:lnRef idx="0">
+            <a:schemeClr val="accent5"/>
+          </a:lnRef>
+          <a:fillRef idx="3">
+            <a:schemeClr val="accent5"/>
+          </a:fillRef>
+          <a:effectRef idx="3">
+            <a:schemeClr val="accent5"/>
+          </a:effectRef>
+          <a:fontRef idx="minor">
+            <a:schemeClr val="lt1"/>
+          </a:fontRef>
+        </p:style>
+        <p:txBody>
+          <a:bodyPr rtlCol="0" anchor="ctr"/>
+          <a:lstStyle/>
+          <a:p>
+            <a:pPr algn="ctr"/>
+            <a:r>
+              <a:rPr lang="en-US" sz="2500" dirty="0" smtClean="0">
+                <a:latin typeface="CMU Serif Roman" charset="0"/>
+                <a:ea typeface="CMU Serif Roman" charset="0"/>
+                <a:cs typeface="CMU Serif Roman" charset="0"/>
+              </a:rPr>
+              <a:t>S</a:t>
+            </a:r>
+            <a:r>
+              <a:rPr lang="en-US" sz="2500" baseline="-25000" dirty="0">
+                <a:latin typeface="CMU Serif Roman" charset="0"/>
+                <a:ea typeface="CMU Serif Roman" charset="0"/>
+                <a:cs typeface="CMU Serif Roman" charset="0"/>
+              </a:rPr>
+              <a:t>1</a:t>
+            </a:r>
+          </a:p>
+        </p:txBody>
+      </p:sp>
+      <p:sp>
+        <p:nvSpPr>
+          <p:cNvPr id="8" name="TextBox 7"/>
+          <p:cNvSpPr txBox="1"/>
+          <p:nvPr/>
+        </p:nvSpPr>
+        <p:spPr>
+          <a:xfrm>
+            <a:off x="2899688" y="2999463"/>
+            <a:ext cx="898003" cy="477054"/>
+          </a:xfrm>
+          <a:prstGeom prst="rect">
+            <a:avLst/>
+          </a:prstGeom>
+          <a:noFill/>
+        </p:spPr>
+        <p:txBody>
+          <a:bodyPr wrap="none" rtlCol="0">
+            <a:spAutoFit/>
+          </a:bodyPr>
+          <a:lstStyle/>
+          <a:p>
+            <a:r>
+              <a:rPr lang="en-US" sz="2500" dirty="0" smtClean="0">
+                <a:latin typeface="CMU Serif Roman" charset="0"/>
+                <a:ea typeface="CMU Serif Roman" charset="0"/>
+                <a:cs typeface="CMU Serif Roman" charset="0"/>
+              </a:rPr>
+              <a:t>{ </a:t>
+            </a:r>
+            <a:r>
+              <a:rPr lang="en-US" sz="2500" dirty="0" smtClean="0">
+                <a:latin typeface="CMU Serif Roman" charset="0"/>
+                <a:ea typeface="CMU Serif Roman" charset="0"/>
+                <a:cs typeface="CMU Serif Roman" charset="0"/>
+              </a:rPr>
+              <a:t>p </a:t>
+            </a:r>
+            <a:r>
+              <a:rPr lang="en-US" sz="2500" dirty="0" smtClean="0">
+                <a:latin typeface="CMU Serif Roman" charset="0"/>
+                <a:ea typeface="CMU Serif Roman" charset="0"/>
+                <a:cs typeface="CMU Serif Roman" charset="0"/>
+              </a:rPr>
+              <a:t>}</a:t>
+            </a:r>
+            <a:endParaRPr lang="en-US" sz="2500" dirty="0">
+              <a:latin typeface="CMU Serif Roman" charset="0"/>
+              <a:ea typeface="CMU Serif Roman" charset="0"/>
+              <a:cs typeface="CMU Serif Roman" charset="0"/>
+            </a:endParaRPr>
+          </a:p>
+        </p:txBody>
+      </p:sp>
+      <p:sp>
+        <p:nvSpPr>
+          <p:cNvPr id="10" name="Oval 9"/>
+          <p:cNvSpPr/>
+          <p:nvPr/>
+        </p:nvSpPr>
+        <p:spPr>
+          <a:xfrm>
+            <a:off x="5120443" y="2910730"/>
+            <a:ext cx="926926" cy="901874"/>
+          </a:xfrm>
+          <a:prstGeom prst="ellipse">
+            <a:avLst/>
+          </a:prstGeom>
+        </p:spPr>
+        <p:style>
+          <a:lnRef idx="0">
+            <a:schemeClr val="accent5"/>
+          </a:lnRef>
+          <a:fillRef idx="3">
+            <a:schemeClr val="accent5"/>
+          </a:fillRef>
+          <a:effectRef idx="3">
+            <a:schemeClr val="accent5"/>
+          </a:effectRef>
+          <a:fontRef idx="minor">
+            <a:schemeClr val="lt1"/>
+          </a:fontRef>
+        </p:style>
+        <p:txBody>
+          <a:bodyPr rtlCol="0" anchor="ctr"/>
+          <a:lstStyle/>
+          <a:p>
+            <a:pPr algn="ctr"/>
+            <a:r>
+              <a:rPr lang="en-US" sz="2500" dirty="0" smtClean="0">
+                <a:latin typeface="CMU Serif Roman" charset="0"/>
+                <a:ea typeface="CMU Serif Roman" charset="0"/>
+                <a:cs typeface="CMU Serif Roman" charset="0"/>
+              </a:rPr>
+              <a:t>S</a:t>
+            </a:r>
+            <a:r>
+              <a:rPr lang="en-US" sz="2500" baseline="-25000" dirty="0" smtClean="0">
+                <a:latin typeface="CMU Serif Roman" charset="0"/>
+                <a:ea typeface="CMU Serif Roman" charset="0"/>
+                <a:cs typeface="CMU Serif Roman" charset="0"/>
+              </a:rPr>
+              <a:t>2</a:t>
+            </a:r>
+            <a:endParaRPr lang="en-US" sz="2500" baseline="-25000" dirty="0">
+              <a:latin typeface="CMU Serif Roman" charset="0"/>
+              <a:ea typeface="CMU Serif Roman" charset="0"/>
+              <a:cs typeface="CMU Serif Roman" charset="0"/>
+            </a:endParaRPr>
+          </a:p>
+        </p:txBody>
+      </p:sp>
+      <p:sp>
+        <p:nvSpPr>
+          <p:cNvPr id="11" name="TextBox 10"/>
+          <p:cNvSpPr txBox="1"/>
+          <p:nvPr/>
+        </p:nvSpPr>
+        <p:spPr>
+          <a:xfrm>
+            <a:off x="6047369" y="2973188"/>
+            <a:ext cx="898003" cy="477054"/>
+          </a:xfrm>
+          <a:prstGeom prst="rect">
+            <a:avLst/>
+          </a:prstGeom>
+          <a:noFill/>
+        </p:spPr>
+        <p:txBody>
+          <a:bodyPr wrap="none" rtlCol="0">
+            <a:spAutoFit/>
+          </a:bodyPr>
+          <a:lstStyle/>
+          <a:p>
+            <a:r>
+              <a:rPr lang="en-US" sz="2500" dirty="0" smtClean="0">
+                <a:latin typeface="CMU Serif Roman" charset="0"/>
+                <a:ea typeface="CMU Serif Roman" charset="0"/>
+                <a:cs typeface="CMU Serif Roman" charset="0"/>
+              </a:rPr>
+              <a:t>{ p }</a:t>
+            </a:r>
+            <a:endParaRPr lang="en-US" sz="2500" dirty="0">
+              <a:latin typeface="CMU Serif Roman" charset="0"/>
+              <a:ea typeface="CMU Serif Roman" charset="0"/>
+              <a:cs typeface="CMU Serif Roman" charset="0"/>
+            </a:endParaRPr>
+          </a:p>
+        </p:txBody>
+      </p:sp>
+      <p:sp>
+        <p:nvSpPr>
+          <p:cNvPr id="12" name="Oval 11"/>
+          <p:cNvSpPr/>
+          <p:nvPr/>
+        </p:nvSpPr>
+        <p:spPr>
+          <a:xfrm>
+            <a:off x="211986" y="4067534"/>
+            <a:ext cx="926926" cy="901874"/>
+          </a:xfrm>
+          <a:prstGeom prst="ellipse">
+            <a:avLst/>
+          </a:prstGeom>
+        </p:spPr>
+        <p:style>
+          <a:lnRef idx="0">
+            <a:schemeClr val="accent5"/>
+          </a:lnRef>
+          <a:fillRef idx="3">
+            <a:schemeClr val="accent5"/>
+          </a:fillRef>
+          <a:effectRef idx="3">
+            <a:schemeClr val="accent5"/>
+          </a:effectRef>
+          <a:fontRef idx="minor">
+            <a:schemeClr val="lt1"/>
+          </a:fontRef>
+        </p:style>
+        <p:txBody>
+          <a:bodyPr rtlCol="0" anchor="ctr"/>
+          <a:lstStyle/>
+          <a:p>
+            <a:pPr algn="ctr"/>
+            <a:r>
+              <a:rPr lang="en-US" sz="2500" dirty="0" smtClean="0">
+                <a:latin typeface="CMU Serif Roman" charset="0"/>
+                <a:ea typeface="CMU Serif Roman" charset="0"/>
+                <a:cs typeface="CMU Serif Roman" charset="0"/>
+              </a:rPr>
+              <a:t>S</a:t>
+            </a:r>
+            <a:r>
+              <a:rPr lang="en-US" sz="2500" baseline="-25000" dirty="0">
+                <a:latin typeface="CMU Serif Roman" charset="0"/>
+                <a:ea typeface="CMU Serif Roman" charset="0"/>
+                <a:cs typeface="CMU Serif Roman" charset="0"/>
+              </a:rPr>
+              <a:t>3</a:t>
+            </a:r>
+          </a:p>
+        </p:txBody>
+      </p:sp>
+      <p:sp>
+        <p:nvSpPr>
+          <p:cNvPr id="13" name="TextBox 12"/>
+          <p:cNvSpPr txBox="1"/>
+          <p:nvPr/>
+        </p:nvSpPr>
+        <p:spPr>
+          <a:xfrm>
+            <a:off x="1175488" y="4087675"/>
+            <a:ext cx="898003" cy="477054"/>
+          </a:xfrm>
+          <a:prstGeom prst="rect">
+            <a:avLst/>
+          </a:prstGeom>
+          <a:noFill/>
+        </p:spPr>
+        <p:txBody>
+          <a:bodyPr wrap="none" rtlCol="0">
+            <a:spAutoFit/>
+          </a:bodyPr>
+          <a:lstStyle/>
+          <a:p>
+            <a:r>
+              <a:rPr lang="en-US" sz="2500" dirty="0" smtClean="0">
+                <a:latin typeface="CMU Serif Roman" charset="0"/>
+                <a:ea typeface="CMU Serif Roman" charset="0"/>
+                <a:cs typeface="CMU Serif Roman" charset="0"/>
+              </a:rPr>
+              <a:t>{ </a:t>
+            </a:r>
+            <a:r>
+              <a:rPr lang="en-US" sz="2500" dirty="0" smtClean="0">
+                <a:latin typeface="CMU Serif Roman" charset="0"/>
+                <a:ea typeface="CMU Serif Roman" charset="0"/>
+                <a:cs typeface="CMU Serif Roman" charset="0"/>
+              </a:rPr>
+              <a:t>p </a:t>
+            </a:r>
+            <a:r>
+              <a:rPr lang="en-US" sz="2500" dirty="0" smtClean="0">
+                <a:latin typeface="CMU Serif Roman" charset="0"/>
+                <a:ea typeface="CMU Serif Roman" charset="0"/>
+                <a:cs typeface="CMU Serif Roman" charset="0"/>
+              </a:rPr>
+              <a:t>}</a:t>
+            </a:r>
+            <a:endParaRPr lang="en-US" sz="2500" dirty="0">
+              <a:latin typeface="CMU Serif Roman" charset="0"/>
+              <a:ea typeface="CMU Serif Roman" charset="0"/>
+              <a:cs typeface="CMU Serif Roman" charset="0"/>
+            </a:endParaRPr>
+          </a:p>
+        </p:txBody>
+      </p:sp>
+      <p:sp>
+        <p:nvSpPr>
+          <p:cNvPr id="15" name="Oval 14"/>
+          <p:cNvSpPr/>
+          <p:nvPr/>
+        </p:nvSpPr>
+        <p:spPr>
+          <a:xfrm>
+            <a:off x="3849664" y="4067534"/>
+            <a:ext cx="926926" cy="901874"/>
+          </a:xfrm>
+          <a:prstGeom prst="ellipse">
+            <a:avLst/>
+          </a:prstGeom>
+        </p:spPr>
+        <p:style>
+          <a:lnRef idx="0">
+            <a:schemeClr val="accent5"/>
+          </a:lnRef>
+          <a:fillRef idx="3">
+            <a:schemeClr val="accent5"/>
+          </a:fillRef>
+          <a:effectRef idx="3">
+            <a:schemeClr val="accent5"/>
+          </a:effectRef>
+          <a:fontRef idx="minor">
+            <a:schemeClr val="lt1"/>
+          </a:fontRef>
+        </p:style>
+        <p:txBody>
+          <a:bodyPr rtlCol="0" anchor="ctr"/>
+          <a:lstStyle/>
+          <a:p>
+            <a:pPr algn="ctr"/>
+            <a:r>
+              <a:rPr lang="en-US" sz="2500" dirty="0" smtClean="0">
+                <a:latin typeface="CMU Serif Roman" charset="0"/>
+                <a:ea typeface="CMU Serif Roman" charset="0"/>
+                <a:cs typeface="CMU Serif Roman" charset="0"/>
+              </a:rPr>
+              <a:t>S</a:t>
+            </a:r>
+            <a:r>
+              <a:rPr lang="en-US" sz="2500" baseline="-25000" dirty="0" smtClean="0">
+                <a:latin typeface="CMU Serif Roman" charset="0"/>
+                <a:ea typeface="CMU Serif Roman" charset="0"/>
+                <a:cs typeface="CMU Serif Roman" charset="0"/>
+              </a:rPr>
+              <a:t>4</a:t>
+            </a:r>
+            <a:endParaRPr lang="en-US" sz="2500" baseline="-25000" dirty="0">
+              <a:latin typeface="CMU Serif Roman" charset="0"/>
+              <a:ea typeface="CMU Serif Roman" charset="0"/>
+              <a:cs typeface="CMU Serif Roman" charset="0"/>
+            </a:endParaRPr>
+          </a:p>
+        </p:txBody>
+      </p:sp>
+      <p:cxnSp>
+        <p:nvCxnSpPr>
+          <p:cNvPr id="25" name="Straight Arrow Connector 24"/>
+          <p:cNvCxnSpPr>
+            <a:stCxn id="4" idx="2"/>
+            <a:endCxn id="7" idx="7"/>
+          </p:cNvCxnSpPr>
+          <p:nvPr/>
+        </p:nvCxnSpPr>
+        <p:spPr>
+          <a:xfrm flipH="1">
+            <a:off x="2745117" y="2221542"/>
+            <a:ext cx="877395" cy="847539"/>
+          </a:xfrm>
+          <a:prstGeom prst="straightConnector1">
+            <a:avLst/>
+          </a:prstGeom>
+          <a:ln w="57150">
+            <a:solidFill>
+              <a:schemeClr val="accent1"/>
+            </a:solidFill>
+            <a:tailEnd type="triangle"/>
+          </a:ln>
+        </p:spPr>
+        <p:style>
+          <a:lnRef idx="3">
+            <a:schemeClr val="accent5"/>
+          </a:lnRef>
+          <a:fillRef idx="0">
+            <a:schemeClr val="accent5"/>
+          </a:fillRef>
+          <a:effectRef idx="2">
+            <a:schemeClr val="accent5"/>
+          </a:effectRef>
+          <a:fontRef idx="minor">
+            <a:schemeClr val="tx1"/>
+          </a:fontRef>
+        </p:style>
+      </p:cxnSp>
+      <p:cxnSp>
+        <p:nvCxnSpPr>
+          <p:cNvPr id="29" name="Straight Arrow Connector 28"/>
+          <p:cNvCxnSpPr>
+            <a:stCxn id="4" idx="6"/>
+            <a:endCxn id="10" idx="1"/>
+          </p:cNvCxnSpPr>
+          <p:nvPr/>
+        </p:nvCxnSpPr>
+        <p:spPr>
+          <a:xfrm>
+            <a:off x="4549438" y="2221542"/>
+            <a:ext cx="706750" cy="821264"/>
+          </a:xfrm>
+          <a:prstGeom prst="straightConnector1">
+            <a:avLst/>
+          </a:prstGeom>
+          <a:ln w="57150">
+            <a:solidFill>
+              <a:schemeClr val="accent1"/>
+            </a:solidFill>
+            <a:tailEnd type="triangle"/>
+          </a:ln>
+        </p:spPr>
+        <p:style>
+          <a:lnRef idx="3">
+            <a:schemeClr val="accent5"/>
+          </a:lnRef>
+          <a:fillRef idx="0">
+            <a:schemeClr val="accent5"/>
+          </a:fillRef>
+          <a:effectRef idx="2">
+            <a:schemeClr val="accent5"/>
+          </a:effectRef>
+          <a:fontRef idx="minor">
+            <a:schemeClr val="tx1"/>
+          </a:fontRef>
+        </p:style>
+      </p:cxnSp>
+      <p:cxnSp>
+        <p:nvCxnSpPr>
+          <p:cNvPr id="32" name="Straight Arrow Connector 31"/>
+          <p:cNvCxnSpPr>
+            <a:stCxn id="7" idx="2"/>
+            <a:endCxn id="12" idx="7"/>
+          </p:cNvCxnSpPr>
+          <p:nvPr/>
+        </p:nvCxnSpPr>
+        <p:spPr>
+          <a:xfrm flipH="1">
+            <a:off x="1003167" y="3387942"/>
+            <a:ext cx="950769" cy="811668"/>
+          </a:xfrm>
+          <a:prstGeom prst="straightConnector1">
+            <a:avLst/>
+          </a:prstGeom>
+          <a:ln w="57150">
+            <a:solidFill>
+              <a:schemeClr val="accent1"/>
+            </a:solidFill>
+            <a:tailEnd type="triangle"/>
+          </a:ln>
+        </p:spPr>
+        <p:style>
+          <a:lnRef idx="3">
+            <a:schemeClr val="accent5"/>
+          </a:lnRef>
+          <a:fillRef idx="0">
+            <a:schemeClr val="accent5"/>
+          </a:fillRef>
+          <a:effectRef idx="2">
+            <a:schemeClr val="accent5"/>
+          </a:effectRef>
+          <a:fontRef idx="minor">
+            <a:schemeClr val="tx1"/>
+          </a:fontRef>
+        </p:style>
+      </p:cxnSp>
+      <p:sp>
+        <p:nvSpPr>
+          <p:cNvPr id="40" name="TextBox 39"/>
+          <p:cNvSpPr txBox="1"/>
+          <p:nvPr/>
+        </p:nvSpPr>
+        <p:spPr>
+          <a:xfrm>
+            <a:off x="2667893" y="2210715"/>
+            <a:ext cx="654346" cy="400110"/>
+          </a:xfrm>
+          <a:prstGeom prst="rect">
+            <a:avLst/>
+          </a:prstGeom>
+          <a:noFill/>
+        </p:spPr>
+        <p:txBody>
+          <a:bodyPr wrap="none" rtlCol="0">
+            <a:spAutoFit/>
+          </a:bodyPr>
+          <a:lstStyle/>
+          <a:p>
+            <a:r>
+              <a:rPr lang="en-US" sz="2000" b="1" dirty="0" smtClean="0">
+                <a:latin typeface="CMU Serif Roman" charset="0"/>
+                <a:ea typeface="CMU Serif Roman" charset="0"/>
+                <a:cs typeface="CMU Serif Roman" charset="0"/>
+              </a:rPr>
+              <a:t>act1</a:t>
+            </a:r>
+            <a:endParaRPr lang="en-US" sz="2000" b="1" dirty="0">
+              <a:latin typeface="CMU Serif Roman" charset="0"/>
+              <a:ea typeface="CMU Serif Roman" charset="0"/>
+              <a:cs typeface="CMU Serif Roman" charset="0"/>
+            </a:endParaRPr>
+          </a:p>
+        </p:txBody>
+      </p:sp>
+      <p:sp>
+        <p:nvSpPr>
+          <p:cNvPr id="41" name="TextBox 40"/>
+          <p:cNvSpPr txBox="1"/>
+          <p:nvPr/>
+        </p:nvSpPr>
+        <p:spPr>
+          <a:xfrm>
+            <a:off x="4840439" y="2199164"/>
+            <a:ext cx="654346" cy="400110"/>
+          </a:xfrm>
+          <a:prstGeom prst="rect">
+            <a:avLst/>
+          </a:prstGeom>
+          <a:noFill/>
+        </p:spPr>
+        <p:txBody>
+          <a:bodyPr wrap="none" rtlCol="0">
+            <a:spAutoFit/>
+          </a:bodyPr>
+          <a:lstStyle/>
+          <a:p>
+            <a:r>
+              <a:rPr lang="en-US" sz="2000" b="1" dirty="0" smtClean="0">
+                <a:latin typeface="CMU Serif Roman" charset="0"/>
+                <a:ea typeface="CMU Serif Roman" charset="0"/>
+                <a:cs typeface="CMU Serif Roman" charset="0"/>
+              </a:rPr>
+              <a:t>act1</a:t>
+            </a:r>
+            <a:endParaRPr lang="en-US" sz="2000" b="1" dirty="0">
+              <a:latin typeface="CMU Serif Roman" charset="0"/>
+              <a:ea typeface="CMU Serif Roman" charset="0"/>
+              <a:cs typeface="CMU Serif Roman" charset="0"/>
+            </a:endParaRPr>
+          </a:p>
+        </p:txBody>
+      </p:sp>
+      <p:sp>
+        <p:nvSpPr>
+          <p:cNvPr id="42" name="TextBox 41"/>
+          <p:cNvSpPr txBox="1"/>
+          <p:nvPr/>
+        </p:nvSpPr>
+        <p:spPr>
+          <a:xfrm>
+            <a:off x="1027010" y="3297736"/>
+            <a:ext cx="654346" cy="400110"/>
+          </a:xfrm>
+          <a:prstGeom prst="rect">
+            <a:avLst/>
+          </a:prstGeom>
+          <a:noFill/>
+        </p:spPr>
+        <p:txBody>
+          <a:bodyPr wrap="none" rtlCol="0">
+            <a:spAutoFit/>
+          </a:bodyPr>
+          <a:lstStyle/>
+          <a:p>
+            <a:r>
+              <a:rPr lang="en-US" sz="2000" b="1" dirty="0" smtClean="0">
+                <a:latin typeface="CMU Serif Roman" charset="0"/>
+                <a:ea typeface="CMU Serif Roman" charset="0"/>
+                <a:cs typeface="CMU Serif Roman" charset="0"/>
+              </a:rPr>
+              <a:t>act2</a:t>
+            </a:r>
+            <a:endParaRPr lang="en-US" sz="2000" b="1" dirty="0">
+              <a:latin typeface="CMU Serif Roman" charset="0"/>
+              <a:ea typeface="CMU Serif Roman" charset="0"/>
+              <a:cs typeface="CMU Serif Roman" charset="0"/>
+            </a:endParaRPr>
+          </a:p>
+        </p:txBody>
+      </p:sp>
+      <p:cxnSp>
+        <p:nvCxnSpPr>
+          <p:cNvPr id="22" name="Straight Arrow Connector 21"/>
+          <p:cNvCxnSpPr>
+            <a:stCxn id="10" idx="2"/>
+            <a:endCxn id="15" idx="7"/>
+          </p:cNvCxnSpPr>
+          <p:nvPr/>
+        </p:nvCxnSpPr>
+        <p:spPr>
+          <a:xfrm flipH="1">
+            <a:off x="4640845" y="3361667"/>
+            <a:ext cx="479598" cy="837943"/>
+          </a:xfrm>
+          <a:prstGeom prst="straightConnector1">
+            <a:avLst/>
+          </a:prstGeom>
+          <a:ln w="57150">
+            <a:solidFill>
+              <a:schemeClr val="accent1"/>
+            </a:solidFill>
+            <a:tailEnd type="triangle"/>
+          </a:ln>
+        </p:spPr>
+        <p:style>
+          <a:lnRef idx="3">
+            <a:schemeClr val="accent5"/>
+          </a:lnRef>
+          <a:fillRef idx="0">
+            <a:schemeClr val="accent5"/>
+          </a:fillRef>
+          <a:effectRef idx="2">
+            <a:schemeClr val="accent5"/>
+          </a:effectRef>
+          <a:fontRef idx="minor">
+            <a:schemeClr val="tx1"/>
+          </a:fontRef>
+        </p:style>
+      </p:cxnSp>
+      <p:sp>
+        <p:nvSpPr>
+          <p:cNvPr id="26" name="Oval 25"/>
+          <p:cNvSpPr/>
+          <p:nvPr/>
+        </p:nvSpPr>
+        <p:spPr>
+          <a:xfrm>
+            <a:off x="5120443" y="4949895"/>
+            <a:ext cx="926926" cy="901874"/>
+          </a:xfrm>
+          <a:prstGeom prst="ellipse">
+            <a:avLst/>
+          </a:prstGeom>
+        </p:spPr>
+        <p:style>
+          <a:lnRef idx="0">
+            <a:schemeClr val="accent5"/>
+          </a:lnRef>
+          <a:fillRef idx="3">
+            <a:schemeClr val="accent5"/>
+          </a:fillRef>
+          <a:effectRef idx="3">
+            <a:schemeClr val="accent5"/>
+          </a:effectRef>
+          <a:fontRef idx="minor">
+            <a:schemeClr val="lt1"/>
+          </a:fontRef>
+        </p:style>
+        <p:txBody>
+          <a:bodyPr rtlCol="0" anchor="ctr"/>
+          <a:lstStyle/>
+          <a:p>
+            <a:pPr algn="ctr"/>
+            <a:r>
+              <a:rPr lang="en-US" sz="2500" smtClean="0">
+                <a:latin typeface="CMU Serif Roman" charset="0"/>
+                <a:ea typeface="CMU Serif Roman" charset="0"/>
+                <a:cs typeface="CMU Serif Roman" charset="0"/>
+              </a:rPr>
+              <a:t>S</a:t>
+            </a:r>
+            <a:r>
+              <a:rPr lang="en-US" sz="2500" baseline="-25000" dirty="0">
+                <a:latin typeface="CMU Serif Roman" charset="0"/>
+                <a:ea typeface="CMU Serif Roman" charset="0"/>
+                <a:cs typeface="CMU Serif Roman" charset="0"/>
+              </a:rPr>
+              <a:t>5</a:t>
+            </a:r>
+            <a:endParaRPr lang="en-US" sz="2500" baseline="-25000" dirty="0">
+              <a:latin typeface="CMU Serif Roman" charset="0"/>
+              <a:ea typeface="CMU Serif Roman" charset="0"/>
+              <a:cs typeface="CMU Serif Roman" charset="0"/>
+            </a:endParaRPr>
+          </a:p>
+        </p:txBody>
+      </p:sp>
+      <p:cxnSp>
+        <p:nvCxnSpPr>
+          <p:cNvPr id="27" name="Straight Arrow Connector 26"/>
+          <p:cNvCxnSpPr>
+            <a:stCxn id="26" idx="0"/>
+            <a:endCxn id="10" idx="4"/>
+          </p:cNvCxnSpPr>
+          <p:nvPr/>
+        </p:nvCxnSpPr>
+        <p:spPr>
+          <a:xfrm flipV="1">
+            <a:off x="5583906" y="3812604"/>
+            <a:ext cx="0" cy="1137291"/>
+          </a:xfrm>
+          <a:prstGeom prst="straightConnector1">
+            <a:avLst/>
+          </a:prstGeom>
+          <a:ln w="57150">
+            <a:solidFill>
+              <a:schemeClr val="accent1"/>
+            </a:solidFill>
+            <a:tailEnd type="triangle"/>
+          </a:ln>
+        </p:spPr>
+        <p:style>
+          <a:lnRef idx="3">
+            <a:schemeClr val="accent5"/>
+          </a:lnRef>
+          <a:fillRef idx="0">
+            <a:schemeClr val="accent5"/>
+          </a:fillRef>
+          <a:effectRef idx="2">
+            <a:schemeClr val="accent5"/>
+          </a:effectRef>
+          <a:fontRef idx="minor">
+            <a:schemeClr val="tx1"/>
+          </a:fontRef>
+        </p:style>
+      </p:cxnSp>
+      <p:cxnSp>
+        <p:nvCxnSpPr>
+          <p:cNvPr id="38" name="Elbow Connector 37"/>
+          <p:cNvCxnSpPr>
+            <a:stCxn id="10" idx="5"/>
+            <a:endCxn id="26" idx="6"/>
+          </p:cNvCxnSpPr>
+          <p:nvPr/>
+        </p:nvCxnSpPr>
+        <p:spPr>
+          <a:xfrm rot="16200000" flipH="1">
+            <a:off x="5119344" y="4472807"/>
+            <a:ext cx="1720304" cy="135745"/>
+          </a:xfrm>
+          <a:prstGeom prst="bentConnector4">
+            <a:avLst>
+              <a:gd name="adj1" fmla="val 33055"/>
+              <a:gd name="adj2" fmla="val 813877"/>
+            </a:avLst>
+          </a:prstGeom>
+          <a:ln w="57150">
+            <a:tailEnd type="triangle"/>
+          </a:ln>
+        </p:spPr>
+        <p:style>
+          <a:lnRef idx="3">
+            <a:schemeClr val="accent1"/>
+          </a:lnRef>
+          <a:fillRef idx="0">
+            <a:schemeClr val="accent1"/>
+          </a:fillRef>
+          <a:effectRef idx="2">
+            <a:schemeClr val="accent1"/>
+          </a:effectRef>
+          <a:fontRef idx="minor">
+            <a:schemeClr val="tx1"/>
+          </a:fontRef>
+        </p:style>
+      </p:cxnSp>
+      <p:sp>
+        <p:nvSpPr>
+          <p:cNvPr id="47" name="TextBox 46"/>
+          <p:cNvSpPr txBox="1"/>
+          <p:nvPr/>
+        </p:nvSpPr>
+        <p:spPr>
+          <a:xfrm>
+            <a:off x="4974604" y="5848659"/>
+            <a:ext cx="1218603" cy="477054"/>
+          </a:xfrm>
+          <a:prstGeom prst="rect">
+            <a:avLst/>
+          </a:prstGeom>
+          <a:noFill/>
+        </p:spPr>
+        <p:txBody>
+          <a:bodyPr wrap="none" rtlCol="0">
+            <a:spAutoFit/>
+          </a:bodyPr>
+          <a:lstStyle/>
+          <a:p>
+            <a:r>
+              <a:rPr lang="en-US" sz="2500" dirty="0" smtClean="0">
+                <a:latin typeface="CMU Serif Roman" charset="0"/>
+                <a:ea typeface="CMU Serif Roman" charset="0"/>
+                <a:cs typeface="CMU Serif Roman" charset="0"/>
+              </a:rPr>
+              <a:t>{ </a:t>
+            </a:r>
+            <a:r>
+              <a:rPr lang="en-US" sz="2500" dirty="0" smtClean="0">
+                <a:latin typeface="CMU Serif Roman" charset="0"/>
+                <a:ea typeface="CMU Serif Roman" charset="0"/>
+                <a:cs typeface="CMU Serif Roman" charset="0"/>
+              </a:rPr>
+              <a:t>p, r </a:t>
+            </a:r>
+            <a:r>
+              <a:rPr lang="en-US" sz="2500" dirty="0" smtClean="0">
+                <a:latin typeface="CMU Serif Roman" charset="0"/>
+                <a:ea typeface="CMU Serif Roman" charset="0"/>
+                <a:cs typeface="CMU Serif Roman" charset="0"/>
+              </a:rPr>
+              <a:t>}</a:t>
+            </a:r>
+            <a:endParaRPr lang="en-US" sz="2500" dirty="0">
+              <a:latin typeface="CMU Serif Roman" charset="0"/>
+              <a:ea typeface="CMU Serif Roman" charset="0"/>
+              <a:cs typeface="CMU Serif Roman" charset="0"/>
+            </a:endParaRPr>
+          </a:p>
+        </p:txBody>
+      </p:sp>
+      <p:sp>
+        <p:nvSpPr>
+          <p:cNvPr id="48" name="TextBox 47"/>
+          <p:cNvSpPr txBox="1"/>
+          <p:nvPr/>
+        </p:nvSpPr>
+        <p:spPr>
+          <a:xfrm>
+            <a:off x="3875728" y="4987548"/>
+            <a:ext cx="898003" cy="477054"/>
+          </a:xfrm>
+          <a:prstGeom prst="rect">
+            <a:avLst/>
+          </a:prstGeom>
+          <a:noFill/>
+        </p:spPr>
+        <p:txBody>
+          <a:bodyPr wrap="none" rtlCol="0">
+            <a:spAutoFit/>
+          </a:bodyPr>
+          <a:lstStyle/>
+          <a:p>
+            <a:r>
+              <a:rPr lang="en-US" sz="2500" smtClean="0">
+                <a:latin typeface="CMU Serif Roman" charset="0"/>
+                <a:ea typeface="CMU Serif Roman" charset="0"/>
+                <a:cs typeface="CMU Serif Roman" charset="0"/>
+              </a:rPr>
+              <a:t>{ </a:t>
+            </a:r>
+            <a:r>
+              <a:rPr lang="en-US" sz="2500" smtClean="0">
+                <a:latin typeface="CMU Serif Roman" charset="0"/>
+                <a:ea typeface="CMU Serif Roman" charset="0"/>
+                <a:cs typeface="CMU Serif Roman" charset="0"/>
+              </a:rPr>
+              <a:t>p </a:t>
+            </a:r>
+            <a:r>
+              <a:rPr lang="en-US" sz="2500" dirty="0" smtClean="0">
+                <a:latin typeface="CMU Serif Roman" charset="0"/>
+                <a:ea typeface="CMU Serif Roman" charset="0"/>
+                <a:cs typeface="CMU Serif Roman" charset="0"/>
+              </a:rPr>
+              <a:t>}</a:t>
+            </a:r>
+            <a:endParaRPr lang="en-US" sz="2500" dirty="0">
+              <a:latin typeface="CMU Serif Roman" charset="0"/>
+              <a:ea typeface="CMU Serif Roman" charset="0"/>
+              <a:cs typeface="CMU Serif Roman" charset="0"/>
+            </a:endParaRPr>
+          </a:p>
+        </p:txBody>
+      </p:sp>
+      <p:sp>
+        <p:nvSpPr>
+          <p:cNvPr id="50" name="TextBox 49"/>
+          <p:cNvSpPr txBox="1"/>
+          <p:nvPr/>
+        </p:nvSpPr>
+        <p:spPr>
+          <a:xfrm>
+            <a:off x="6238251" y="5005532"/>
+            <a:ext cx="654346" cy="400110"/>
+          </a:xfrm>
+          <a:prstGeom prst="rect">
+            <a:avLst/>
+          </a:prstGeom>
+          <a:noFill/>
+        </p:spPr>
+        <p:txBody>
+          <a:bodyPr wrap="none" rtlCol="0">
+            <a:spAutoFit/>
+          </a:bodyPr>
+          <a:lstStyle/>
+          <a:p>
+            <a:r>
+              <a:rPr lang="en-US" sz="2000" b="1" dirty="0" smtClean="0">
+                <a:latin typeface="CMU Serif Roman" charset="0"/>
+                <a:ea typeface="CMU Serif Roman" charset="0"/>
+                <a:cs typeface="CMU Serif Roman" charset="0"/>
+              </a:rPr>
+              <a:t>act2</a:t>
+            </a:r>
+            <a:endParaRPr lang="en-US" sz="2000" b="1" dirty="0">
+              <a:latin typeface="CMU Serif Roman" charset="0"/>
+              <a:ea typeface="CMU Serif Roman" charset="0"/>
+              <a:cs typeface="CMU Serif Roman" charset="0"/>
+            </a:endParaRPr>
+          </a:p>
+        </p:txBody>
+      </p:sp>
+      <p:sp>
+        <p:nvSpPr>
+          <p:cNvPr id="52" name="TextBox 51"/>
+          <p:cNvSpPr txBox="1"/>
+          <p:nvPr/>
+        </p:nvSpPr>
+        <p:spPr>
+          <a:xfrm>
+            <a:off x="5583905" y="4340624"/>
+            <a:ext cx="654346" cy="400110"/>
+          </a:xfrm>
+          <a:prstGeom prst="rect">
+            <a:avLst/>
+          </a:prstGeom>
+          <a:noFill/>
+        </p:spPr>
+        <p:txBody>
+          <a:bodyPr wrap="none" rtlCol="0">
+            <a:spAutoFit/>
+          </a:bodyPr>
+          <a:lstStyle/>
+          <a:p>
+            <a:r>
+              <a:rPr lang="en-US" sz="2000" b="1" dirty="0" smtClean="0">
+                <a:latin typeface="CMU Serif Roman" charset="0"/>
+                <a:ea typeface="CMU Serif Roman" charset="0"/>
+                <a:cs typeface="CMU Serif Roman" charset="0"/>
+              </a:rPr>
+              <a:t>act1</a:t>
+            </a:r>
+            <a:endParaRPr lang="en-US" sz="2000" b="1" dirty="0">
+              <a:latin typeface="CMU Serif Roman" charset="0"/>
+              <a:ea typeface="CMU Serif Roman" charset="0"/>
+              <a:cs typeface="CMU Serif Roman" charset="0"/>
+            </a:endParaRPr>
+          </a:p>
+        </p:txBody>
+      </p:sp>
+      <p:sp>
+        <p:nvSpPr>
+          <p:cNvPr id="53" name="TextBox 52"/>
+          <p:cNvSpPr txBox="1"/>
+          <p:nvPr/>
+        </p:nvSpPr>
+        <p:spPr>
+          <a:xfrm>
+            <a:off x="4236029" y="3514546"/>
+            <a:ext cx="654346" cy="400110"/>
+          </a:xfrm>
+          <a:prstGeom prst="rect">
+            <a:avLst/>
+          </a:prstGeom>
+          <a:noFill/>
+        </p:spPr>
+        <p:txBody>
+          <a:bodyPr wrap="none" rtlCol="0">
+            <a:spAutoFit/>
+          </a:bodyPr>
+          <a:lstStyle/>
+          <a:p>
+            <a:r>
+              <a:rPr lang="en-US" sz="2000" b="1" dirty="0" smtClean="0">
+                <a:latin typeface="CMU Serif Roman" charset="0"/>
+                <a:ea typeface="CMU Serif Roman" charset="0"/>
+                <a:cs typeface="CMU Serif Roman" charset="0"/>
+              </a:rPr>
+              <a:t>act1</a:t>
+            </a:r>
+            <a:endParaRPr lang="en-US" sz="2000" b="1" dirty="0">
+              <a:latin typeface="CMU Serif Roman" charset="0"/>
+              <a:ea typeface="CMU Serif Roman" charset="0"/>
+              <a:cs typeface="CMU Serif Roman" charset="0"/>
+            </a:endParaRPr>
+          </a:p>
+        </p:txBody>
+      </p:sp>
+      <p:sp>
+        <p:nvSpPr>
+          <p:cNvPr id="54" name="TextBox 53"/>
+          <p:cNvSpPr txBox="1"/>
+          <p:nvPr/>
+        </p:nvSpPr>
+        <p:spPr>
+          <a:xfrm>
+            <a:off x="8657364" y="871980"/>
+            <a:ext cx="2250937" cy="584775"/>
+          </a:xfrm>
+          <a:prstGeom prst="rect">
+            <a:avLst/>
+          </a:prstGeom>
+          <a:noFill/>
+        </p:spPr>
+        <p:txBody>
+          <a:bodyPr wrap="none" rtlCol="0">
+            <a:spAutoFit/>
+          </a:bodyPr>
+          <a:lstStyle/>
+          <a:p>
+            <a:pPr algn="ctr"/>
+            <a:r>
+              <a:rPr lang="en-US" sz="1600" b="1" dirty="0" smtClean="0">
+                <a:latin typeface="CMU Serif Roman" charset="0"/>
+                <a:ea typeface="CMU Serif Roman" charset="0"/>
+                <a:cs typeface="CMU Serif Roman" charset="0"/>
+              </a:rPr>
+              <a:t>FAIRNESS: </a:t>
+            </a:r>
+            <a:r>
+              <a:rPr lang="en-US" sz="1600" dirty="0" smtClean="0">
+                <a:latin typeface="CMU Serif Roman" charset="0"/>
+                <a:ea typeface="CMU Serif Roman" charset="0"/>
+                <a:cs typeface="CMU Serif Roman" charset="0"/>
+              </a:rPr>
+              <a:t>(A b G p)</a:t>
+            </a:r>
+          </a:p>
+          <a:p>
+            <a:pPr algn="ctr"/>
+            <a:r>
+              <a:rPr lang="en-US" sz="1600" dirty="0" smtClean="0">
+                <a:latin typeface="CMU Serif Roman" charset="0"/>
+                <a:ea typeface="CMU Serif Roman" charset="0"/>
+                <a:cs typeface="CMU Serif Roman" charset="0"/>
+              </a:rPr>
+              <a:t>b: [“act1”]</a:t>
+            </a:r>
+            <a:endParaRPr lang="en-US" sz="1600" dirty="0">
+              <a:latin typeface="CMU Serif Roman" charset="0"/>
+              <a:ea typeface="CMU Serif Roman" charset="0"/>
+              <a:cs typeface="CMU Serif Roman" charset="0"/>
+            </a:endParaRPr>
+          </a:p>
+        </p:txBody>
+      </p:sp>
+      <p:cxnSp>
+        <p:nvCxnSpPr>
+          <p:cNvPr id="56" name="Straight Connector 55"/>
+          <p:cNvCxnSpPr/>
+          <p:nvPr/>
+        </p:nvCxnSpPr>
+        <p:spPr>
+          <a:xfrm>
+            <a:off x="7319059" y="935361"/>
+            <a:ext cx="47844" cy="5678090"/>
+          </a:xfrm>
+          <a:prstGeom prst="line">
+            <a:avLst/>
+          </a:prstGeom>
+        </p:spPr>
+        <p:style>
+          <a:lnRef idx="3">
+            <a:schemeClr val="dk1"/>
+          </a:lnRef>
+          <a:fillRef idx="0">
+            <a:schemeClr val="dk1"/>
+          </a:fillRef>
+          <a:effectRef idx="2">
+            <a:schemeClr val="dk1"/>
+          </a:effectRef>
+          <a:fontRef idx="minor">
+            <a:schemeClr val="tx1"/>
+          </a:fontRef>
+        </p:style>
+      </p:cxnSp>
+      <p:sp>
+        <p:nvSpPr>
+          <p:cNvPr id="58" name="Oval 57"/>
+          <p:cNvSpPr/>
+          <p:nvPr/>
+        </p:nvSpPr>
+        <p:spPr>
+          <a:xfrm>
+            <a:off x="9400140" y="2071314"/>
+            <a:ext cx="926926" cy="901874"/>
+          </a:xfrm>
+          <a:prstGeom prst="ellipse">
+            <a:avLst/>
+          </a:prstGeom>
+        </p:spPr>
+        <p:style>
+          <a:lnRef idx="0">
+            <a:schemeClr val="accent5"/>
+          </a:lnRef>
+          <a:fillRef idx="3">
+            <a:schemeClr val="accent5"/>
+          </a:fillRef>
+          <a:effectRef idx="3">
+            <a:schemeClr val="accent5"/>
+          </a:effectRef>
+          <a:fontRef idx="minor">
+            <a:schemeClr val="lt1"/>
+          </a:fontRef>
+        </p:style>
+        <p:txBody>
+          <a:bodyPr rtlCol="0" anchor="ctr"/>
+          <a:lstStyle/>
+          <a:p>
+            <a:pPr algn="ctr"/>
+            <a:r>
+              <a:rPr lang="en-US" sz="2500" dirty="0" smtClean="0">
+                <a:latin typeface="CMU Serif Roman" charset="0"/>
+                <a:ea typeface="CMU Serif Roman" charset="0"/>
+                <a:cs typeface="CMU Serif Roman" charset="0"/>
+              </a:rPr>
+              <a:t>S</a:t>
+            </a:r>
+            <a:r>
+              <a:rPr lang="en-US" sz="2500" baseline="-25000" dirty="0" smtClean="0">
+                <a:latin typeface="CMU Serif Roman" charset="0"/>
+                <a:ea typeface="CMU Serif Roman" charset="0"/>
+                <a:cs typeface="CMU Serif Roman" charset="0"/>
+              </a:rPr>
+              <a:t>0</a:t>
+            </a:r>
+            <a:endParaRPr lang="en-US" sz="2500" baseline="-25000" dirty="0">
+              <a:latin typeface="CMU Serif Roman" charset="0"/>
+              <a:ea typeface="CMU Serif Roman" charset="0"/>
+              <a:cs typeface="CMU Serif Roman" charset="0"/>
+            </a:endParaRPr>
+          </a:p>
+        </p:txBody>
+      </p:sp>
+      <p:sp>
+        <p:nvSpPr>
+          <p:cNvPr id="59" name="TextBox 58"/>
+          <p:cNvSpPr txBox="1"/>
+          <p:nvPr/>
+        </p:nvSpPr>
+        <p:spPr>
+          <a:xfrm>
+            <a:off x="10109796" y="1733741"/>
+            <a:ext cx="898003" cy="477054"/>
+          </a:xfrm>
+          <a:prstGeom prst="rect">
+            <a:avLst/>
+          </a:prstGeom>
+          <a:noFill/>
+        </p:spPr>
+        <p:txBody>
+          <a:bodyPr wrap="none" rtlCol="0">
+            <a:spAutoFit/>
+          </a:bodyPr>
+          <a:lstStyle/>
+          <a:p>
+            <a:r>
+              <a:rPr lang="en-US" sz="2500" dirty="0" smtClean="0">
+                <a:latin typeface="CMU Serif Roman" charset="0"/>
+                <a:ea typeface="CMU Serif Roman" charset="0"/>
+                <a:cs typeface="CMU Serif Roman" charset="0"/>
+              </a:rPr>
+              <a:t>{ p }</a:t>
+            </a:r>
+            <a:endParaRPr lang="en-US" sz="2500" dirty="0">
+              <a:latin typeface="CMU Serif Roman" charset="0"/>
+              <a:ea typeface="CMU Serif Roman" charset="0"/>
+              <a:cs typeface="CMU Serif Roman" charset="0"/>
+            </a:endParaRPr>
+          </a:p>
+        </p:txBody>
+      </p:sp>
+      <p:cxnSp>
+        <p:nvCxnSpPr>
+          <p:cNvPr id="60" name="Straight Arrow Connector 59"/>
+          <p:cNvCxnSpPr>
+            <a:endCxn id="60" idx="0"/>
+          </p:cNvCxnSpPr>
+          <p:nvPr/>
+        </p:nvCxnSpPr>
+        <p:spPr>
+          <a:xfrm>
+            <a:off x="9858194" y="1483170"/>
+            <a:ext cx="5409" cy="588144"/>
+          </a:xfrm>
+          <a:prstGeom prst="straightConnector1">
+            <a:avLst/>
+          </a:prstGeom>
+          <a:ln w="57150">
+            <a:solidFill>
+              <a:schemeClr val="accent1"/>
+            </a:solidFill>
+            <a:tailEnd type="triangle"/>
+          </a:ln>
+        </p:spPr>
+        <p:style>
+          <a:lnRef idx="3">
+            <a:schemeClr val="accent5"/>
+          </a:lnRef>
+          <a:fillRef idx="0">
+            <a:schemeClr val="accent5"/>
+          </a:fillRef>
+          <a:effectRef idx="2">
+            <a:schemeClr val="accent5"/>
+          </a:effectRef>
+          <a:fontRef idx="minor">
+            <a:schemeClr val="tx1"/>
+          </a:fontRef>
+        </p:style>
+      </p:cxnSp>
+      <p:sp>
+        <p:nvSpPr>
+          <p:cNvPr id="61" name="Oval 60"/>
+          <p:cNvSpPr/>
+          <p:nvPr/>
+        </p:nvSpPr>
+        <p:spPr>
+          <a:xfrm>
+            <a:off x="7731564" y="3237714"/>
+            <a:ext cx="926926" cy="901874"/>
+          </a:xfrm>
+          <a:prstGeom prst="ellipse">
+            <a:avLst/>
+          </a:prstGeom>
+        </p:spPr>
+        <p:style>
+          <a:lnRef idx="0">
+            <a:schemeClr val="accent5"/>
+          </a:lnRef>
+          <a:fillRef idx="3">
+            <a:schemeClr val="accent5"/>
+          </a:fillRef>
+          <a:effectRef idx="3">
+            <a:schemeClr val="accent5"/>
+          </a:effectRef>
+          <a:fontRef idx="minor">
+            <a:schemeClr val="lt1"/>
+          </a:fontRef>
+        </p:style>
+        <p:txBody>
+          <a:bodyPr rtlCol="0" anchor="ctr"/>
+          <a:lstStyle/>
+          <a:p>
+            <a:pPr algn="ctr"/>
+            <a:r>
+              <a:rPr lang="en-US" sz="2500" dirty="0" smtClean="0">
+                <a:latin typeface="CMU Serif Roman" charset="0"/>
+                <a:ea typeface="CMU Serif Roman" charset="0"/>
+                <a:cs typeface="CMU Serif Roman" charset="0"/>
+              </a:rPr>
+              <a:t>S</a:t>
+            </a:r>
+            <a:r>
+              <a:rPr lang="en-US" sz="2500" baseline="-25000" dirty="0">
+                <a:latin typeface="CMU Serif Roman" charset="0"/>
+                <a:ea typeface="CMU Serif Roman" charset="0"/>
+                <a:cs typeface="CMU Serif Roman" charset="0"/>
+              </a:rPr>
+              <a:t>1</a:t>
+            </a:r>
+          </a:p>
+        </p:txBody>
+      </p:sp>
+      <p:sp>
+        <p:nvSpPr>
+          <p:cNvPr id="62" name="TextBox 61"/>
+          <p:cNvSpPr txBox="1"/>
+          <p:nvPr/>
+        </p:nvSpPr>
+        <p:spPr>
+          <a:xfrm>
+            <a:off x="8637882" y="3235584"/>
+            <a:ext cx="898003" cy="477054"/>
+          </a:xfrm>
+          <a:prstGeom prst="rect">
+            <a:avLst/>
+          </a:prstGeom>
+          <a:noFill/>
+        </p:spPr>
+        <p:txBody>
+          <a:bodyPr wrap="none" rtlCol="0">
+            <a:spAutoFit/>
+          </a:bodyPr>
+          <a:lstStyle/>
+          <a:p>
+            <a:r>
+              <a:rPr lang="en-US" sz="2500" dirty="0" smtClean="0">
+                <a:latin typeface="CMU Serif Roman" charset="0"/>
+                <a:ea typeface="CMU Serif Roman" charset="0"/>
+                <a:cs typeface="CMU Serif Roman" charset="0"/>
+              </a:rPr>
+              <a:t>{ </a:t>
+            </a:r>
+            <a:r>
+              <a:rPr lang="en-US" sz="2500" dirty="0" smtClean="0">
+                <a:latin typeface="CMU Serif Roman" charset="0"/>
+                <a:ea typeface="CMU Serif Roman" charset="0"/>
+                <a:cs typeface="CMU Serif Roman" charset="0"/>
+              </a:rPr>
+              <a:t>p </a:t>
+            </a:r>
+            <a:r>
+              <a:rPr lang="en-US" sz="2500" dirty="0" smtClean="0">
+                <a:latin typeface="CMU Serif Roman" charset="0"/>
+                <a:ea typeface="CMU Serif Roman" charset="0"/>
+                <a:cs typeface="CMU Serif Roman" charset="0"/>
+              </a:rPr>
+              <a:t>}</a:t>
+            </a:r>
+            <a:endParaRPr lang="en-US" sz="2500" dirty="0">
+              <a:latin typeface="CMU Serif Roman" charset="0"/>
+              <a:ea typeface="CMU Serif Roman" charset="0"/>
+              <a:cs typeface="CMU Serif Roman" charset="0"/>
+            </a:endParaRPr>
+          </a:p>
+        </p:txBody>
+      </p:sp>
+      <p:sp>
+        <p:nvSpPr>
+          <p:cNvPr id="63" name="Oval 62"/>
+          <p:cNvSpPr/>
+          <p:nvPr/>
+        </p:nvSpPr>
+        <p:spPr>
+          <a:xfrm>
+            <a:off x="10898071" y="3211439"/>
+            <a:ext cx="926926" cy="901874"/>
+          </a:xfrm>
+          <a:prstGeom prst="ellipse">
+            <a:avLst/>
+          </a:prstGeom>
+        </p:spPr>
+        <p:style>
+          <a:lnRef idx="0">
+            <a:schemeClr val="accent5"/>
+          </a:lnRef>
+          <a:fillRef idx="3">
+            <a:schemeClr val="accent5"/>
+          </a:fillRef>
+          <a:effectRef idx="3">
+            <a:schemeClr val="accent5"/>
+          </a:effectRef>
+          <a:fontRef idx="minor">
+            <a:schemeClr val="lt1"/>
+          </a:fontRef>
+        </p:style>
+        <p:txBody>
+          <a:bodyPr rtlCol="0" anchor="ctr"/>
+          <a:lstStyle/>
+          <a:p>
+            <a:pPr algn="ctr"/>
+            <a:r>
+              <a:rPr lang="en-US" sz="2500" dirty="0" smtClean="0">
+                <a:latin typeface="CMU Serif Roman" charset="0"/>
+                <a:ea typeface="CMU Serif Roman" charset="0"/>
+                <a:cs typeface="CMU Serif Roman" charset="0"/>
+              </a:rPr>
+              <a:t>S</a:t>
+            </a:r>
+            <a:r>
+              <a:rPr lang="en-US" sz="2500" baseline="-25000" dirty="0" smtClean="0">
+                <a:latin typeface="CMU Serif Roman" charset="0"/>
+                <a:ea typeface="CMU Serif Roman" charset="0"/>
+                <a:cs typeface="CMU Serif Roman" charset="0"/>
+              </a:rPr>
+              <a:t>2</a:t>
+            </a:r>
+            <a:endParaRPr lang="en-US" sz="2500" baseline="-25000" dirty="0">
+              <a:latin typeface="CMU Serif Roman" charset="0"/>
+              <a:ea typeface="CMU Serif Roman" charset="0"/>
+              <a:cs typeface="CMU Serif Roman" charset="0"/>
+            </a:endParaRPr>
+          </a:p>
+        </p:txBody>
+      </p:sp>
+      <p:sp>
+        <p:nvSpPr>
+          <p:cNvPr id="64" name="TextBox 63"/>
+          <p:cNvSpPr txBox="1"/>
+          <p:nvPr/>
+        </p:nvSpPr>
+        <p:spPr>
+          <a:xfrm>
+            <a:off x="11324817" y="2734661"/>
+            <a:ext cx="898003" cy="477054"/>
+          </a:xfrm>
+          <a:prstGeom prst="rect">
+            <a:avLst/>
+          </a:prstGeom>
+          <a:noFill/>
+        </p:spPr>
+        <p:txBody>
+          <a:bodyPr wrap="none" rtlCol="0">
+            <a:spAutoFit/>
+          </a:bodyPr>
+          <a:lstStyle/>
+          <a:p>
+            <a:r>
+              <a:rPr lang="en-US" sz="2500" dirty="0" smtClean="0">
+                <a:latin typeface="CMU Serif Roman" charset="0"/>
+                <a:ea typeface="CMU Serif Roman" charset="0"/>
+                <a:cs typeface="CMU Serif Roman" charset="0"/>
+              </a:rPr>
+              <a:t>{ p }</a:t>
+            </a:r>
+            <a:endParaRPr lang="en-US" sz="2500" dirty="0">
+              <a:latin typeface="CMU Serif Roman" charset="0"/>
+              <a:ea typeface="CMU Serif Roman" charset="0"/>
+              <a:cs typeface="CMU Serif Roman" charset="0"/>
+            </a:endParaRPr>
+          </a:p>
+        </p:txBody>
+      </p:sp>
+      <p:sp>
+        <p:nvSpPr>
+          <p:cNvPr id="67" name="Oval 66"/>
+          <p:cNvSpPr/>
+          <p:nvPr/>
+        </p:nvSpPr>
+        <p:spPr>
+          <a:xfrm>
+            <a:off x="9561087" y="4090592"/>
+            <a:ext cx="926926" cy="901874"/>
+          </a:xfrm>
+          <a:prstGeom prst="ellipse">
+            <a:avLst/>
+          </a:prstGeom>
+        </p:spPr>
+        <p:style>
+          <a:lnRef idx="0">
+            <a:schemeClr val="accent5"/>
+          </a:lnRef>
+          <a:fillRef idx="3">
+            <a:schemeClr val="accent5"/>
+          </a:fillRef>
+          <a:effectRef idx="3">
+            <a:schemeClr val="accent5"/>
+          </a:effectRef>
+          <a:fontRef idx="minor">
+            <a:schemeClr val="lt1"/>
+          </a:fontRef>
+        </p:style>
+        <p:txBody>
+          <a:bodyPr rtlCol="0" anchor="ctr"/>
+          <a:lstStyle/>
+          <a:p>
+            <a:pPr algn="ctr"/>
+            <a:r>
+              <a:rPr lang="en-US" sz="2500" dirty="0" smtClean="0">
+                <a:latin typeface="CMU Serif Roman" charset="0"/>
+                <a:ea typeface="CMU Serif Roman" charset="0"/>
+                <a:cs typeface="CMU Serif Roman" charset="0"/>
+              </a:rPr>
+              <a:t>S</a:t>
+            </a:r>
+            <a:r>
+              <a:rPr lang="en-US" sz="2500" baseline="-25000" dirty="0" smtClean="0">
+                <a:latin typeface="CMU Serif Roman" charset="0"/>
+                <a:ea typeface="CMU Serif Roman" charset="0"/>
+                <a:cs typeface="CMU Serif Roman" charset="0"/>
+              </a:rPr>
+              <a:t>4</a:t>
+            </a:r>
+            <a:endParaRPr lang="en-US" sz="2500" baseline="-25000" dirty="0">
+              <a:latin typeface="CMU Serif Roman" charset="0"/>
+              <a:ea typeface="CMU Serif Roman" charset="0"/>
+              <a:cs typeface="CMU Serif Roman" charset="0"/>
+            </a:endParaRPr>
+          </a:p>
+        </p:txBody>
+      </p:sp>
+      <p:cxnSp>
+        <p:nvCxnSpPr>
+          <p:cNvPr id="68" name="Straight Arrow Connector 67"/>
+          <p:cNvCxnSpPr>
+            <a:stCxn id="60" idx="2"/>
+            <a:endCxn id="63" idx="7"/>
+          </p:cNvCxnSpPr>
+          <p:nvPr/>
+        </p:nvCxnSpPr>
+        <p:spPr>
+          <a:xfrm flipH="1">
+            <a:off x="8522745" y="2522251"/>
+            <a:ext cx="877395" cy="847539"/>
+          </a:xfrm>
+          <a:prstGeom prst="straightConnector1">
+            <a:avLst/>
+          </a:prstGeom>
+          <a:ln w="57150">
+            <a:solidFill>
+              <a:schemeClr val="accent1"/>
+            </a:solidFill>
+            <a:tailEnd type="triangle"/>
+          </a:ln>
+        </p:spPr>
+        <p:style>
+          <a:lnRef idx="3">
+            <a:schemeClr val="accent5"/>
+          </a:lnRef>
+          <a:fillRef idx="0">
+            <a:schemeClr val="accent5"/>
+          </a:fillRef>
+          <a:effectRef idx="2">
+            <a:schemeClr val="accent5"/>
+          </a:effectRef>
+          <a:fontRef idx="minor">
+            <a:schemeClr val="tx1"/>
+          </a:fontRef>
+        </p:style>
+      </p:cxnSp>
+      <p:cxnSp>
+        <p:nvCxnSpPr>
+          <p:cNvPr id="69" name="Straight Arrow Connector 68"/>
+          <p:cNvCxnSpPr>
+            <a:stCxn id="60" idx="6"/>
+          </p:cNvCxnSpPr>
+          <p:nvPr/>
+        </p:nvCxnSpPr>
+        <p:spPr>
+          <a:xfrm>
+            <a:off x="10327066" y="2522251"/>
+            <a:ext cx="706750" cy="821264"/>
+          </a:xfrm>
+          <a:prstGeom prst="straightConnector1">
+            <a:avLst/>
+          </a:prstGeom>
+          <a:ln w="57150">
+            <a:solidFill>
+              <a:schemeClr val="accent1"/>
+            </a:solidFill>
+            <a:tailEnd type="triangle"/>
+          </a:ln>
+        </p:spPr>
+        <p:style>
+          <a:lnRef idx="3">
+            <a:schemeClr val="accent5"/>
+          </a:lnRef>
+          <a:fillRef idx="0">
+            <a:schemeClr val="accent5"/>
+          </a:fillRef>
+          <a:effectRef idx="2">
+            <a:schemeClr val="accent5"/>
+          </a:effectRef>
+          <a:fontRef idx="minor">
+            <a:schemeClr val="tx1"/>
+          </a:fontRef>
+        </p:style>
+      </p:cxnSp>
+      <p:sp>
+        <p:nvSpPr>
+          <p:cNvPr id="71" name="TextBox 70"/>
+          <p:cNvSpPr txBox="1"/>
+          <p:nvPr/>
+        </p:nvSpPr>
+        <p:spPr>
+          <a:xfrm>
+            <a:off x="8445521" y="2511424"/>
+            <a:ext cx="654346" cy="400110"/>
+          </a:xfrm>
+          <a:prstGeom prst="rect">
+            <a:avLst/>
+          </a:prstGeom>
+          <a:noFill/>
+        </p:spPr>
+        <p:txBody>
+          <a:bodyPr wrap="none" rtlCol="0">
+            <a:spAutoFit/>
+          </a:bodyPr>
+          <a:lstStyle/>
+          <a:p>
+            <a:r>
+              <a:rPr lang="en-US" sz="2000" b="1" dirty="0" smtClean="0">
+                <a:latin typeface="CMU Serif Roman" charset="0"/>
+                <a:ea typeface="CMU Serif Roman" charset="0"/>
+                <a:cs typeface="CMU Serif Roman" charset="0"/>
+              </a:rPr>
+              <a:t>act1</a:t>
+            </a:r>
+            <a:endParaRPr lang="en-US" sz="2000" b="1" dirty="0">
+              <a:latin typeface="CMU Serif Roman" charset="0"/>
+              <a:ea typeface="CMU Serif Roman" charset="0"/>
+              <a:cs typeface="CMU Serif Roman" charset="0"/>
+            </a:endParaRPr>
+          </a:p>
+        </p:txBody>
+      </p:sp>
+      <p:sp>
+        <p:nvSpPr>
+          <p:cNvPr id="72" name="TextBox 71"/>
+          <p:cNvSpPr txBox="1"/>
+          <p:nvPr/>
+        </p:nvSpPr>
+        <p:spPr>
+          <a:xfrm>
+            <a:off x="10618067" y="2499873"/>
+            <a:ext cx="654346" cy="400110"/>
+          </a:xfrm>
+          <a:prstGeom prst="rect">
+            <a:avLst/>
+          </a:prstGeom>
+          <a:noFill/>
+        </p:spPr>
+        <p:txBody>
+          <a:bodyPr wrap="none" rtlCol="0">
+            <a:spAutoFit/>
+          </a:bodyPr>
+          <a:lstStyle/>
+          <a:p>
+            <a:r>
+              <a:rPr lang="en-US" sz="2000" b="1" dirty="0" smtClean="0">
+                <a:latin typeface="CMU Serif Roman" charset="0"/>
+                <a:ea typeface="CMU Serif Roman" charset="0"/>
+                <a:cs typeface="CMU Serif Roman" charset="0"/>
+              </a:rPr>
+              <a:t>act1</a:t>
+            </a:r>
+            <a:endParaRPr lang="en-US" sz="2000" b="1" dirty="0">
+              <a:latin typeface="CMU Serif Roman" charset="0"/>
+              <a:ea typeface="CMU Serif Roman" charset="0"/>
+              <a:cs typeface="CMU Serif Roman" charset="0"/>
+            </a:endParaRPr>
+          </a:p>
+        </p:txBody>
+      </p:sp>
+      <p:cxnSp>
+        <p:nvCxnSpPr>
+          <p:cNvPr id="74" name="Straight Arrow Connector 73"/>
+          <p:cNvCxnSpPr>
+            <a:stCxn id="63" idx="2"/>
+            <a:endCxn id="67" idx="7"/>
+          </p:cNvCxnSpPr>
+          <p:nvPr/>
+        </p:nvCxnSpPr>
+        <p:spPr>
+          <a:xfrm flipH="1">
+            <a:off x="10352268" y="3662376"/>
+            <a:ext cx="545803" cy="560292"/>
+          </a:xfrm>
+          <a:prstGeom prst="straightConnector1">
+            <a:avLst/>
+          </a:prstGeom>
+          <a:ln w="57150">
+            <a:solidFill>
+              <a:schemeClr val="accent1"/>
+            </a:solidFill>
+            <a:tailEnd type="triangle"/>
+          </a:ln>
+        </p:spPr>
+        <p:style>
+          <a:lnRef idx="3">
+            <a:schemeClr val="accent5"/>
+          </a:lnRef>
+          <a:fillRef idx="0">
+            <a:schemeClr val="accent5"/>
+          </a:fillRef>
+          <a:effectRef idx="2">
+            <a:schemeClr val="accent5"/>
+          </a:effectRef>
+          <a:fontRef idx="minor">
+            <a:schemeClr val="tx1"/>
+          </a:fontRef>
+        </p:style>
+      </p:cxnSp>
+      <p:sp>
+        <p:nvSpPr>
+          <p:cNvPr id="77" name="TextBox 76"/>
+          <p:cNvSpPr txBox="1"/>
+          <p:nvPr/>
+        </p:nvSpPr>
+        <p:spPr>
+          <a:xfrm>
+            <a:off x="10463531" y="4142722"/>
+            <a:ext cx="898003" cy="477054"/>
+          </a:xfrm>
+          <a:prstGeom prst="rect">
+            <a:avLst/>
+          </a:prstGeom>
+          <a:noFill/>
+        </p:spPr>
+        <p:txBody>
+          <a:bodyPr wrap="none" rtlCol="0">
+            <a:spAutoFit/>
+          </a:bodyPr>
+          <a:lstStyle/>
+          <a:p>
+            <a:r>
+              <a:rPr lang="en-US" sz="2500" dirty="0" smtClean="0">
+                <a:latin typeface="CMU Serif Roman" charset="0"/>
+                <a:ea typeface="CMU Serif Roman" charset="0"/>
+                <a:cs typeface="CMU Serif Roman" charset="0"/>
+              </a:rPr>
+              <a:t>{ </a:t>
+            </a:r>
+            <a:r>
+              <a:rPr lang="en-US" sz="2500" dirty="0" smtClean="0">
+                <a:latin typeface="CMU Serif Roman" charset="0"/>
+                <a:ea typeface="CMU Serif Roman" charset="0"/>
+                <a:cs typeface="CMU Serif Roman" charset="0"/>
+              </a:rPr>
+              <a:t>p </a:t>
+            </a:r>
+            <a:r>
+              <a:rPr lang="en-US" sz="2500" dirty="0" smtClean="0">
+                <a:latin typeface="CMU Serif Roman" charset="0"/>
+                <a:ea typeface="CMU Serif Roman" charset="0"/>
+                <a:cs typeface="CMU Serif Roman" charset="0"/>
+              </a:rPr>
+              <a:t>}</a:t>
+            </a:r>
+            <a:endParaRPr lang="en-US" sz="2500" dirty="0">
+              <a:latin typeface="CMU Serif Roman" charset="0"/>
+              <a:ea typeface="CMU Serif Roman" charset="0"/>
+              <a:cs typeface="CMU Serif Roman" charset="0"/>
+            </a:endParaRPr>
+          </a:p>
+        </p:txBody>
+      </p:sp>
+      <p:sp>
+        <p:nvSpPr>
+          <p:cNvPr id="80" name="TextBox 79"/>
+          <p:cNvSpPr txBox="1"/>
+          <p:nvPr/>
+        </p:nvSpPr>
+        <p:spPr>
+          <a:xfrm>
+            <a:off x="10122729" y="3488596"/>
+            <a:ext cx="654346" cy="400110"/>
+          </a:xfrm>
+          <a:prstGeom prst="rect">
+            <a:avLst/>
+          </a:prstGeom>
+          <a:noFill/>
+        </p:spPr>
+        <p:txBody>
+          <a:bodyPr wrap="none" rtlCol="0">
+            <a:spAutoFit/>
+          </a:bodyPr>
+          <a:lstStyle/>
+          <a:p>
+            <a:r>
+              <a:rPr lang="en-US" sz="2000" b="1" dirty="0" smtClean="0">
+                <a:latin typeface="CMU Serif Roman" charset="0"/>
+                <a:ea typeface="CMU Serif Roman" charset="0"/>
+                <a:cs typeface="CMU Serif Roman" charset="0"/>
+              </a:rPr>
+              <a:t>act1</a:t>
+            </a:r>
+            <a:endParaRPr lang="en-US" sz="2000" b="1" dirty="0">
+              <a:latin typeface="CMU Serif Roman" charset="0"/>
+              <a:ea typeface="CMU Serif Roman" charset="0"/>
+              <a:cs typeface="CMU Serif Roman" charset="0"/>
+            </a:endParaRPr>
+          </a:p>
+        </p:txBody>
+      </p:sp>
+      <p:sp>
+        <p:nvSpPr>
+          <p:cNvPr id="87" name="TextBox 86"/>
+          <p:cNvSpPr txBox="1"/>
+          <p:nvPr/>
+        </p:nvSpPr>
+        <p:spPr>
+          <a:xfrm>
+            <a:off x="8266979" y="5340072"/>
+            <a:ext cx="3506839" cy="1323439"/>
+          </a:xfrm>
+          <a:prstGeom prst="rect">
+            <a:avLst/>
+          </a:prstGeom>
+          <a:noFill/>
+        </p:spPr>
+        <p:txBody>
+          <a:bodyPr wrap="square" rtlCol="0">
+            <a:spAutoFit/>
+          </a:bodyPr>
+          <a:lstStyle/>
+          <a:p>
+            <a:pPr algn="ctr"/>
+            <a:r>
+              <a:rPr lang="en-US" sz="1600" b="1" dirty="0" smtClean="0">
+                <a:latin typeface="CMU Serif Roman" charset="0"/>
+                <a:ea typeface="CMU Serif Roman" charset="0"/>
+                <a:cs typeface="CMU Serif Roman" charset="0"/>
+              </a:rPr>
+              <a:t>CTL: </a:t>
+            </a:r>
+            <a:r>
+              <a:rPr lang="en-US" sz="1600" dirty="0" smtClean="0">
+                <a:latin typeface="CMU Serif Roman" charset="0"/>
+                <a:ea typeface="CMU Serif Roman" charset="0"/>
+                <a:cs typeface="CMU Serif Roman" charset="0"/>
+              </a:rPr>
+              <a:t>(A b G p)</a:t>
+            </a:r>
+          </a:p>
+          <a:p>
+            <a:pPr algn="ctr"/>
+            <a:r>
+              <a:rPr lang="en-US" sz="1600" dirty="0" smtClean="0">
+                <a:latin typeface="CMU Serif Roman" charset="0"/>
+                <a:ea typeface="CMU Serif Roman" charset="0"/>
+                <a:cs typeface="CMU Serif Roman" charset="0"/>
+              </a:rPr>
+              <a:t>b: [“act1”, “act2”]</a:t>
+            </a:r>
+          </a:p>
+          <a:p>
+            <a:pPr algn="ctr"/>
+            <a:r>
+              <a:rPr lang="en-US" sz="1600" dirty="0" smtClean="0">
+                <a:latin typeface="CMU Serif Roman" charset="0"/>
+                <a:ea typeface="CMU Serif Roman" charset="0"/>
+                <a:cs typeface="CMU Serif Roman" charset="0"/>
+              </a:rPr>
+              <a:t>--&gt; All will pass.</a:t>
+            </a:r>
+          </a:p>
+          <a:p>
+            <a:pPr algn="ctr"/>
+            <a:r>
+              <a:rPr lang="en-US" sz="1600" dirty="0" smtClean="0">
+                <a:latin typeface="CMU Serif Roman" charset="0"/>
+                <a:ea typeface="CMU Serif Roman" charset="0"/>
+                <a:cs typeface="CMU Serif Roman" charset="0"/>
+              </a:rPr>
+              <a:t>At state, get transitions.</a:t>
+            </a:r>
+          </a:p>
+          <a:p>
+            <a:pPr algn="ctr"/>
+            <a:r>
+              <a:rPr lang="en-US" sz="1600" dirty="0" smtClean="0">
+                <a:latin typeface="CMU Serif Roman" charset="0"/>
+                <a:ea typeface="CMU Serif Roman" charset="0"/>
+                <a:cs typeface="CMU Serif Roman" charset="0"/>
+              </a:rPr>
+              <a:t>If future XAP || </a:t>
+            </a:r>
+            <a:r>
+              <a:rPr lang="en-US" sz="1600" dirty="0" err="1" smtClean="0">
+                <a:latin typeface="CMU Serif Roman" charset="0"/>
+                <a:ea typeface="CMU Serif Roman" charset="0"/>
+                <a:cs typeface="CMU Serif Roman" charset="0"/>
+              </a:rPr>
+              <a:t>XAct</a:t>
+            </a:r>
+            <a:r>
+              <a:rPr lang="en-US" sz="1600" dirty="0" smtClean="0">
+                <a:latin typeface="CMU Serif Roman" charset="0"/>
+                <a:ea typeface="CMU Serif Roman" charset="0"/>
+                <a:cs typeface="CMU Serif Roman" charset="0"/>
+              </a:rPr>
+              <a:t> = False.</a:t>
+            </a:r>
+            <a:endParaRPr lang="en-US" sz="1600" dirty="0">
+              <a:latin typeface="CMU Serif Roman" charset="0"/>
+              <a:ea typeface="CMU Serif Roman" charset="0"/>
+              <a:cs typeface="CMU Serif Roman" charset="0"/>
+            </a:endParaRPr>
+          </a:p>
+        </p:txBody>
+      </p:sp>
+    </p:spTree>
+    <p:extLst>
+      <p:ext uri="{BB962C8B-B14F-4D97-AF65-F5344CB8AC3E}">
+        <p14:creationId xmlns:p14="http://schemas.microsoft.com/office/powerpoint/2010/main" val="1800589831"/>
+      </p:ext>
+    </p:extLst>
+  </p:cSld>
+  <p:clrMapOvr>
+    <a:masterClrMapping/>
+  </p:clrMapOvr>
+</p:sld>
+</file>
+
+<file path=ppt/slides/slide23.xml><?xml version="1.0" encoding="utf-8"?>
+<p:sld xmlns:a="http://schemas.openxmlformats.org/drawingml/2006/main" xmlns:r="http://schemas.openxmlformats.org/officeDocument/2006/relationships" xmlns:p="http://schemas.openxmlformats.org/presentationml/2006/main">
+  <p:cSld>
+    <p:spTree>
+      <p:nvGrpSpPr>
+        <p:cNvPr id="1" name=""/>
+        <p:cNvGrpSpPr/>
+        <p:nvPr/>
+      </p:nvGrpSpPr>
+      <p:grpSpPr>
+        <a:xfrm>
+          <a:off x="0" y="0"/>
+          <a:ext cx="0" cy="0"/>
+          <a:chOff x="0" y="0"/>
+          <a:chExt cx="0" cy="0"/>
+        </a:xfrm>
+      </p:grpSpPr>
+      <p:sp>
+        <p:nvSpPr>
+          <p:cNvPr id="9" name="Rectangle 8"/>
+          <p:cNvSpPr/>
+          <p:nvPr/>
+        </p:nvSpPr>
+        <p:spPr>
+          <a:xfrm>
+            <a:off x="3346880" y="159080"/>
+            <a:ext cx="6053260" cy="630942"/>
+          </a:xfrm>
+          <a:prstGeom prst="rect">
+            <a:avLst/>
+          </a:prstGeom>
+          <a:noFill/>
+        </p:spPr>
+        <p:txBody>
+          <a:bodyPr wrap="none" lIns="91440" tIns="45720" rIns="91440" bIns="45720">
+            <a:spAutoFit/>
+          </a:bodyPr>
+          <a:lstStyle/>
+          <a:p>
+            <a:pPr algn="ctr"/>
+            <a:r>
+              <a:rPr lang="en-GB" sz="3500" dirty="0" smtClean="0">
+                <a:ln w="0"/>
+                <a:effectLst>
+                  <a:outerShdw blurRad="38100" dist="19050" dir="2700000" algn="tl" rotWithShape="0">
+                    <a:schemeClr val="dk1">
+                      <a:alpha val="40000"/>
+                    </a:schemeClr>
+                  </a:outerShdw>
+                </a:effectLst>
+                <a:latin typeface="CMU Serif Roman" charset="0"/>
+                <a:ea typeface="CMU Serif Roman" charset="0"/>
+                <a:cs typeface="CMU Serif Roman" charset="0"/>
+              </a:rPr>
+              <a:t>FOR ALL PATHS ALWAYS</a:t>
+            </a:r>
+            <a:endParaRPr lang="en-GB" sz="3500" b="1" spc="50" dirty="0">
+              <a:ln w="9525" cmpd="sng">
+                <a:solidFill>
+                  <a:schemeClr val="accent1"/>
+                </a:solidFill>
+                <a:prstDash val="solid"/>
+              </a:ln>
+              <a:solidFill>
+                <a:srgbClr val="70AD47">
+                  <a:tint val="1000"/>
+                </a:srgbClr>
+              </a:solidFill>
+              <a:effectLst>
+                <a:glow rad="38100">
+                  <a:schemeClr val="accent1">
+                    <a:alpha val="40000"/>
+                  </a:schemeClr>
+                </a:glow>
+              </a:effectLst>
+              <a:latin typeface="CMU Serif Roman" charset="0"/>
+              <a:ea typeface="CMU Serif Roman" charset="0"/>
+              <a:cs typeface="CMU Serif Roman" charset="0"/>
+            </a:endParaRPr>
+          </a:p>
+        </p:txBody>
+      </p:sp>
+      <p:sp>
+        <p:nvSpPr>
+          <p:cNvPr id="54" name="TextBox 53"/>
+          <p:cNvSpPr txBox="1"/>
+          <p:nvPr/>
+        </p:nvSpPr>
+        <p:spPr>
+          <a:xfrm>
+            <a:off x="8370428" y="871980"/>
+            <a:ext cx="2824812" cy="584775"/>
+          </a:xfrm>
+          <a:prstGeom prst="rect">
+            <a:avLst/>
+          </a:prstGeom>
+          <a:noFill/>
+        </p:spPr>
+        <p:txBody>
+          <a:bodyPr wrap="none" rtlCol="0">
+            <a:spAutoFit/>
+          </a:bodyPr>
+          <a:lstStyle/>
+          <a:p>
+            <a:pPr algn="ctr"/>
+            <a:r>
+              <a:rPr lang="en-US" sz="1600" b="1" dirty="0" smtClean="0">
+                <a:latin typeface="CMU Serif Roman" charset="0"/>
+                <a:ea typeface="CMU Serif Roman" charset="0"/>
+                <a:cs typeface="CMU Serif Roman" charset="0"/>
+              </a:rPr>
+              <a:t>FAIRNESS: </a:t>
+            </a:r>
+            <a:r>
+              <a:rPr lang="en-US" sz="1600" dirty="0" smtClean="0">
+                <a:latin typeface="CMU Serif Roman" charset="0"/>
+                <a:ea typeface="CMU Serif Roman" charset="0"/>
+                <a:cs typeface="CMU Serif Roman" charset="0"/>
+              </a:rPr>
+              <a:t>(A c G (p || b) )</a:t>
+            </a:r>
+          </a:p>
+          <a:p>
+            <a:pPr algn="ctr"/>
+            <a:r>
+              <a:rPr lang="en-US" sz="1600" dirty="0">
+                <a:latin typeface="CMU Serif Roman" charset="0"/>
+                <a:ea typeface="CMU Serif Roman" charset="0"/>
+                <a:cs typeface="CMU Serif Roman" charset="0"/>
+              </a:rPr>
+              <a:t>c</a:t>
+            </a:r>
+            <a:r>
+              <a:rPr lang="en-US" sz="1600" dirty="0" smtClean="0">
+                <a:latin typeface="CMU Serif Roman" charset="0"/>
+                <a:ea typeface="CMU Serif Roman" charset="0"/>
+                <a:cs typeface="CMU Serif Roman" charset="0"/>
+              </a:rPr>
+              <a:t>: [“act3”]</a:t>
+            </a:r>
+            <a:endParaRPr lang="en-US" sz="1600" dirty="0">
+              <a:latin typeface="CMU Serif Roman" charset="0"/>
+              <a:ea typeface="CMU Serif Roman" charset="0"/>
+              <a:cs typeface="CMU Serif Roman" charset="0"/>
+            </a:endParaRPr>
+          </a:p>
+        </p:txBody>
+      </p:sp>
+      <p:cxnSp>
+        <p:nvCxnSpPr>
+          <p:cNvPr id="56" name="Straight Connector 55"/>
+          <p:cNvCxnSpPr/>
+          <p:nvPr/>
+        </p:nvCxnSpPr>
+        <p:spPr>
+          <a:xfrm>
+            <a:off x="7179513" y="901904"/>
+            <a:ext cx="47844" cy="5678090"/>
+          </a:xfrm>
+          <a:prstGeom prst="line">
+            <a:avLst/>
+          </a:prstGeom>
+        </p:spPr>
+        <p:style>
+          <a:lnRef idx="3">
+            <a:schemeClr val="dk1"/>
+          </a:lnRef>
+          <a:fillRef idx="0">
+            <a:schemeClr val="dk1"/>
+          </a:fillRef>
+          <a:effectRef idx="2">
+            <a:schemeClr val="dk1"/>
+          </a:effectRef>
+          <a:fontRef idx="minor">
+            <a:schemeClr val="tx1"/>
+          </a:fontRef>
+        </p:style>
+      </p:cxnSp>
+      <p:sp>
+        <p:nvSpPr>
+          <p:cNvPr id="87" name="TextBox 86"/>
+          <p:cNvSpPr txBox="1"/>
+          <p:nvPr/>
+        </p:nvSpPr>
+        <p:spPr>
+          <a:xfrm>
+            <a:off x="8505767" y="4606529"/>
+            <a:ext cx="3506839" cy="2062103"/>
+          </a:xfrm>
+          <a:prstGeom prst="rect">
+            <a:avLst/>
+          </a:prstGeom>
+          <a:noFill/>
+        </p:spPr>
+        <p:txBody>
+          <a:bodyPr wrap="square" rtlCol="0">
+            <a:spAutoFit/>
+          </a:bodyPr>
+          <a:lstStyle/>
+          <a:p>
+            <a:pPr algn="ctr"/>
+            <a:r>
+              <a:rPr lang="en-US" sz="1600" b="1" dirty="0" smtClean="0">
+                <a:latin typeface="CMU Serif Roman" charset="0"/>
+                <a:ea typeface="CMU Serif Roman" charset="0"/>
+                <a:cs typeface="CMU Serif Roman" charset="0"/>
+              </a:rPr>
+              <a:t>CTL: </a:t>
+            </a:r>
+            <a:r>
+              <a:rPr lang="en-US" sz="1600" dirty="0" smtClean="0">
+                <a:latin typeface="CMU Serif Roman" charset="0"/>
+                <a:ea typeface="CMU Serif Roman" charset="0"/>
+                <a:cs typeface="CMU Serif Roman" charset="0"/>
+              </a:rPr>
+              <a:t>(E </a:t>
+            </a:r>
+            <a:r>
+              <a:rPr lang="en-US" sz="1600" dirty="0">
+                <a:latin typeface="CMU Serif Roman" charset="0"/>
+                <a:ea typeface="CMU Serif Roman" charset="0"/>
+                <a:cs typeface="CMU Serif Roman" charset="0"/>
+              </a:rPr>
+              <a:t>z</a:t>
+            </a:r>
+            <a:r>
+              <a:rPr lang="en-US" sz="1600" dirty="0" smtClean="0">
+                <a:latin typeface="CMU Serif Roman" charset="0"/>
+                <a:ea typeface="CMU Serif Roman" charset="0"/>
+                <a:cs typeface="CMU Serif Roman" charset="0"/>
+              </a:rPr>
+              <a:t> G p)</a:t>
+            </a:r>
+          </a:p>
+          <a:p>
+            <a:pPr algn="ctr"/>
+            <a:r>
+              <a:rPr lang="en-US" sz="1600" dirty="0">
+                <a:latin typeface="CMU Serif Roman" charset="0"/>
+                <a:ea typeface="CMU Serif Roman" charset="0"/>
+                <a:cs typeface="CMU Serif Roman" charset="0"/>
+              </a:rPr>
+              <a:t>z</a:t>
+            </a:r>
+            <a:r>
+              <a:rPr lang="en-US" sz="1600" dirty="0" smtClean="0">
+                <a:latin typeface="CMU Serif Roman" charset="0"/>
+                <a:ea typeface="CMU Serif Roman" charset="0"/>
+                <a:cs typeface="CMU Serif Roman" charset="0"/>
+              </a:rPr>
+              <a:t>: [“act3”, “act4”]</a:t>
+            </a:r>
+          </a:p>
+          <a:p>
+            <a:pPr algn="ctr"/>
+            <a:r>
+              <a:rPr lang="en-US" sz="1600" dirty="0" smtClean="0">
+                <a:latin typeface="CMU Serif Roman" charset="0"/>
+                <a:ea typeface="CMU Serif Roman" charset="0"/>
+                <a:cs typeface="CMU Serif Roman" charset="0"/>
+              </a:rPr>
+              <a:t>--&gt; First path will not be valid because of ’b’. Second path will pass.</a:t>
+            </a:r>
+          </a:p>
+          <a:p>
+            <a:pPr algn="ctr"/>
+            <a:r>
+              <a:rPr lang="en-US" sz="1600" dirty="0" smtClean="0">
+                <a:latin typeface="CMU Serif Roman" charset="0"/>
+                <a:ea typeface="CMU Serif Roman" charset="0"/>
+                <a:cs typeface="CMU Serif Roman" charset="0"/>
+              </a:rPr>
+              <a:t>At state, get transitions.</a:t>
+            </a:r>
+          </a:p>
+          <a:p>
+            <a:pPr algn="ctr"/>
+            <a:r>
+              <a:rPr lang="en-US" sz="1600" dirty="0" smtClean="0">
+                <a:latin typeface="CMU Serif Roman" charset="0"/>
+                <a:ea typeface="CMU Serif Roman" charset="0"/>
+                <a:cs typeface="CMU Serif Roman" charset="0"/>
+              </a:rPr>
+              <a:t>If future XAP || </a:t>
+            </a:r>
+            <a:r>
+              <a:rPr lang="en-US" sz="1600" dirty="0" err="1" smtClean="0">
+                <a:latin typeface="CMU Serif Roman" charset="0"/>
+                <a:ea typeface="CMU Serif Roman" charset="0"/>
+                <a:cs typeface="CMU Serif Roman" charset="0"/>
+              </a:rPr>
+              <a:t>XAct</a:t>
+            </a:r>
+            <a:r>
+              <a:rPr lang="en-US" sz="1600" dirty="0" smtClean="0">
+                <a:latin typeface="CMU Serif Roman" charset="0"/>
+                <a:ea typeface="CMU Serif Roman" charset="0"/>
+                <a:cs typeface="CMU Serif Roman" charset="0"/>
+              </a:rPr>
+              <a:t> = return to next path.</a:t>
+            </a:r>
+          </a:p>
+          <a:p>
+            <a:pPr algn="ctr"/>
+            <a:r>
+              <a:rPr lang="en-US" sz="1600" dirty="0" smtClean="0">
+                <a:latin typeface="CMU Serif Roman" charset="0"/>
+                <a:ea typeface="CMU Serif Roman" charset="0"/>
+                <a:cs typeface="CMU Serif Roman" charset="0"/>
+              </a:rPr>
+              <a:t>If get to end of path = path true.</a:t>
+            </a:r>
+            <a:endParaRPr lang="en-US" sz="1600" dirty="0">
+              <a:latin typeface="CMU Serif Roman" charset="0"/>
+              <a:ea typeface="CMU Serif Roman" charset="0"/>
+              <a:cs typeface="CMU Serif Roman" charset="0"/>
+            </a:endParaRPr>
+          </a:p>
+        </p:txBody>
+      </p:sp>
+      <p:sp>
+        <p:nvSpPr>
+          <p:cNvPr id="106" name="Oval 105"/>
+          <p:cNvSpPr/>
+          <p:nvPr/>
+        </p:nvSpPr>
+        <p:spPr>
+          <a:xfrm>
+            <a:off x="3935258" y="1703560"/>
+            <a:ext cx="926926" cy="901874"/>
+          </a:xfrm>
+          <a:prstGeom prst="ellipse">
+            <a:avLst/>
+          </a:prstGeom>
+        </p:spPr>
+        <p:style>
+          <a:lnRef idx="0">
+            <a:schemeClr val="accent5"/>
+          </a:lnRef>
+          <a:fillRef idx="3">
+            <a:schemeClr val="accent5"/>
+          </a:fillRef>
+          <a:effectRef idx="3">
+            <a:schemeClr val="accent5"/>
+          </a:effectRef>
+          <a:fontRef idx="minor">
+            <a:schemeClr val="lt1"/>
+          </a:fontRef>
+        </p:style>
+        <p:txBody>
+          <a:bodyPr rtlCol="0" anchor="ctr"/>
+          <a:lstStyle/>
+          <a:p>
+            <a:pPr algn="ctr"/>
+            <a:r>
+              <a:rPr lang="en-US" sz="2500" dirty="0" smtClean="0">
+                <a:latin typeface="CMU Serif Roman" charset="0"/>
+                <a:ea typeface="CMU Serif Roman" charset="0"/>
+                <a:cs typeface="CMU Serif Roman" charset="0"/>
+              </a:rPr>
+              <a:t>S</a:t>
+            </a:r>
+            <a:r>
+              <a:rPr lang="en-US" sz="2500" baseline="-25000" dirty="0" smtClean="0">
+                <a:latin typeface="CMU Serif Roman" charset="0"/>
+                <a:ea typeface="CMU Serif Roman" charset="0"/>
+                <a:cs typeface="CMU Serif Roman" charset="0"/>
+              </a:rPr>
+              <a:t>0</a:t>
+            </a:r>
+            <a:endParaRPr lang="en-US" sz="2500" baseline="-25000" dirty="0">
+              <a:latin typeface="CMU Serif Roman" charset="0"/>
+              <a:ea typeface="CMU Serif Roman" charset="0"/>
+              <a:cs typeface="CMU Serif Roman" charset="0"/>
+            </a:endParaRPr>
+          </a:p>
+        </p:txBody>
+      </p:sp>
+      <p:sp>
+        <p:nvSpPr>
+          <p:cNvPr id="107" name="TextBox 106"/>
+          <p:cNvSpPr txBox="1"/>
+          <p:nvPr/>
+        </p:nvSpPr>
+        <p:spPr>
+          <a:xfrm>
+            <a:off x="4817095" y="1590775"/>
+            <a:ext cx="898003" cy="477054"/>
+          </a:xfrm>
+          <a:prstGeom prst="rect">
+            <a:avLst/>
+          </a:prstGeom>
+          <a:noFill/>
+        </p:spPr>
+        <p:txBody>
+          <a:bodyPr wrap="none" rtlCol="0">
+            <a:spAutoFit/>
+          </a:bodyPr>
+          <a:lstStyle/>
+          <a:p>
+            <a:r>
+              <a:rPr lang="en-US" sz="2500" dirty="0" smtClean="0">
+                <a:latin typeface="CMU Serif Roman" charset="0"/>
+                <a:ea typeface="CMU Serif Roman" charset="0"/>
+                <a:cs typeface="CMU Serif Roman" charset="0"/>
+              </a:rPr>
+              <a:t>{ p }</a:t>
+            </a:r>
+            <a:endParaRPr lang="en-US" sz="2500" dirty="0">
+              <a:latin typeface="CMU Serif Roman" charset="0"/>
+              <a:ea typeface="CMU Serif Roman" charset="0"/>
+              <a:cs typeface="CMU Serif Roman" charset="0"/>
+            </a:endParaRPr>
+          </a:p>
+        </p:txBody>
+      </p:sp>
+      <p:sp>
+        <p:nvSpPr>
+          <p:cNvPr id="109" name="Oval 108"/>
+          <p:cNvSpPr/>
+          <p:nvPr/>
+        </p:nvSpPr>
+        <p:spPr>
+          <a:xfrm>
+            <a:off x="2661687" y="3097743"/>
+            <a:ext cx="926926" cy="901874"/>
+          </a:xfrm>
+          <a:prstGeom prst="ellipse">
+            <a:avLst/>
+          </a:prstGeom>
+        </p:spPr>
+        <p:style>
+          <a:lnRef idx="0">
+            <a:schemeClr val="accent5"/>
+          </a:lnRef>
+          <a:fillRef idx="3">
+            <a:schemeClr val="accent5"/>
+          </a:fillRef>
+          <a:effectRef idx="3">
+            <a:schemeClr val="accent5"/>
+          </a:effectRef>
+          <a:fontRef idx="minor">
+            <a:schemeClr val="lt1"/>
+          </a:fontRef>
+        </p:style>
+        <p:txBody>
+          <a:bodyPr rtlCol="0" anchor="ctr"/>
+          <a:lstStyle/>
+          <a:p>
+            <a:pPr algn="ctr"/>
+            <a:r>
+              <a:rPr lang="en-US" sz="2500" dirty="0" smtClean="0">
+                <a:latin typeface="CMU Serif Roman" charset="0"/>
+                <a:ea typeface="CMU Serif Roman" charset="0"/>
+                <a:cs typeface="CMU Serif Roman" charset="0"/>
+              </a:rPr>
+              <a:t>S</a:t>
+            </a:r>
+            <a:r>
+              <a:rPr lang="en-US" sz="2500" baseline="-25000" dirty="0">
+                <a:latin typeface="CMU Serif Roman" charset="0"/>
+                <a:ea typeface="CMU Serif Roman" charset="0"/>
+                <a:cs typeface="CMU Serif Roman" charset="0"/>
+              </a:rPr>
+              <a:t>1</a:t>
+            </a:r>
+          </a:p>
+        </p:txBody>
+      </p:sp>
+      <p:sp>
+        <p:nvSpPr>
+          <p:cNvPr id="110" name="TextBox 109"/>
+          <p:cNvSpPr txBox="1"/>
+          <p:nvPr/>
+        </p:nvSpPr>
+        <p:spPr>
+          <a:xfrm>
+            <a:off x="3523555" y="3038593"/>
+            <a:ext cx="898003" cy="477054"/>
+          </a:xfrm>
+          <a:prstGeom prst="rect">
+            <a:avLst/>
+          </a:prstGeom>
+          <a:noFill/>
+        </p:spPr>
+        <p:txBody>
+          <a:bodyPr wrap="none" rtlCol="0">
+            <a:spAutoFit/>
+          </a:bodyPr>
+          <a:lstStyle/>
+          <a:p>
+            <a:r>
+              <a:rPr lang="en-US" sz="2500" smtClean="0">
+                <a:latin typeface="CMU Serif Roman" charset="0"/>
+                <a:ea typeface="CMU Serif Roman" charset="0"/>
+                <a:cs typeface="CMU Serif Roman" charset="0"/>
+              </a:rPr>
+              <a:t>{ </a:t>
+            </a:r>
+            <a:r>
+              <a:rPr lang="en-US" sz="2500" smtClean="0">
+                <a:latin typeface="CMU Serif Roman" charset="0"/>
+                <a:ea typeface="CMU Serif Roman" charset="0"/>
+                <a:cs typeface="CMU Serif Roman" charset="0"/>
+              </a:rPr>
+              <a:t>p </a:t>
+            </a:r>
+            <a:r>
+              <a:rPr lang="en-US" sz="2500" smtClean="0">
+                <a:latin typeface="CMU Serif Roman" charset="0"/>
+                <a:ea typeface="CMU Serif Roman" charset="0"/>
+                <a:cs typeface="CMU Serif Roman" charset="0"/>
+              </a:rPr>
+              <a:t>}</a:t>
+            </a:r>
+            <a:endParaRPr lang="en-US" sz="2500" dirty="0">
+              <a:latin typeface="CMU Serif Roman" charset="0"/>
+              <a:ea typeface="CMU Serif Roman" charset="0"/>
+              <a:cs typeface="CMU Serif Roman" charset="0"/>
+            </a:endParaRPr>
+          </a:p>
+        </p:txBody>
+      </p:sp>
+      <p:sp>
+        <p:nvSpPr>
+          <p:cNvPr id="111" name="Oval 110"/>
+          <p:cNvSpPr/>
+          <p:nvPr/>
+        </p:nvSpPr>
+        <p:spPr>
+          <a:xfrm>
+            <a:off x="4487872" y="3113704"/>
+            <a:ext cx="926926" cy="901874"/>
+          </a:xfrm>
+          <a:prstGeom prst="ellipse">
+            <a:avLst/>
+          </a:prstGeom>
+        </p:spPr>
+        <p:style>
+          <a:lnRef idx="0">
+            <a:schemeClr val="accent5"/>
+          </a:lnRef>
+          <a:fillRef idx="3">
+            <a:schemeClr val="accent5"/>
+          </a:fillRef>
+          <a:effectRef idx="3">
+            <a:schemeClr val="accent5"/>
+          </a:effectRef>
+          <a:fontRef idx="minor">
+            <a:schemeClr val="lt1"/>
+          </a:fontRef>
+        </p:style>
+        <p:txBody>
+          <a:bodyPr rtlCol="0" anchor="ctr"/>
+          <a:lstStyle/>
+          <a:p>
+            <a:pPr algn="ctr"/>
+            <a:r>
+              <a:rPr lang="en-US" sz="2500" dirty="0" smtClean="0">
+                <a:latin typeface="CMU Serif Roman" charset="0"/>
+                <a:ea typeface="CMU Serif Roman" charset="0"/>
+                <a:cs typeface="CMU Serif Roman" charset="0"/>
+              </a:rPr>
+              <a:t>S</a:t>
+            </a:r>
+            <a:r>
+              <a:rPr lang="en-US" sz="2500" baseline="-25000" dirty="0" smtClean="0">
+                <a:latin typeface="CMU Serif Roman" charset="0"/>
+                <a:ea typeface="CMU Serif Roman" charset="0"/>
+                <a:cs typeface="CMU Serif Roman" charset="0"/>
+              </a:rPr>
+              <a:t>2</a:t>
+            </a:r>
+            <a:endParaRPr lang="en-US" sz="2500" baseline="-25000" dirty="0">
+              <a:latin typeface="CMU Serif Roman" charset="0"/>
+              <a:ea typeface="CMU Serif Roman" charset="0"/>
+              <a:cs typeface="CMU Serif Roman" charset="0"/>
+            </a:endParaRPr>
+          </a:p>
+        </p:txBody>
+      </p:sp>
+      <p:sp>
+        <p:nvSpPr>
+          <p:cNvPr id="112" name="TextBox 111"/>
+          <p:cNvSpPr txBox="1"/>
+          <p:nvPr/>
+        </p:nvSpPr>
+        <p:spPr>
+          <a:xfrm>
+            <a:off x="4535625" y="4053128"/>
+            <a:ext cx="898003" cy="477054"/>
+          </a:xfrm>
+          <a:prstGeom prst="rect">
+            <a:avLst/>
+          </a:prstGeom>
+          <a:noFill/>
+        </p:spPr>
+        <p:txBody>
+          <a:bodyPr wrap="none" rtlCol="0">
+            <a:spAutoFit/>
+          </a:bodyPr>
+          <a:lstStyle/>
+          <a:p>
+            <a:r>
+              <a:rPr lang="en-US" sz="2500" dirty="0" smtClean="0">
+                <a:latin typeface="CMU Serif Roman" charset="0"/>
+                <a:ea typeface="CMU Serif Roman" charset="0"/>
+                <a:cs typeface="CMU Serif Roman" charset="0"/>
+              </a:rPr>
+              <a:t>{ p }</a:t>
+            </a:r>
+            <a:endParaRPr lang="en-US" sz="2500" dirty="0">
+              <a:latin typeface="CMU Serif Roman" charset="0"/>
+              <a:ea typeface="CMU Serif Roman" charset="0"/>
+              <a:cs typeface="CMU Serif Roman" charset="0"/>
+            </a:endParaRPr>
+          </a:p>
+        </p:txBody>
+      </p:sp>
+      <p:sp>
+        <p:nvSpPr>
+          <p:cNvPr id="113" name="Oval 112"/>
+          <p:cNvSpPr/>
+          <p:nvPr/>
+        </p:nvSpPr>
+        <p:spPr>
+          <a:xfrm>
+            <a:off x="1467338" y="4132719"/>
+            <a:ext cx="926926" cy="901874"/>
+          </a:xfrm>
+          <a:prstGeom prst="ellipse">
+            <a:avLst/>
+          </a:prstGeom>
+        </p:spPr>
+        <p:style>
+          <a:lnRef idx="0">
+            <a:schemeClr val="accent5"/>
+          </a:lnRef>
+          <a:fillRef idx="3">
+            <a:schemeClr val="accent5"/>
+          </a:fillRef>
+          <a:effectRef idx="3">
+            <a:schemeClr val="accent5"/>
+          </a:effectRef>
+          <a:fontRef idx="minor">
+            <a:schemeClr val="lt1"/>
+          </a:fontRef>
+        </p:style>
+        <p:txBody>
+          <a:bodyPr rtlCol="0" anchor="ctr"/>
+          <a:lstStyle/>
+          <a:p>
+            <a:pPr algn="ctr"/>
+            <a:r>
+              <a:rPr lang="en-US" sz="2500" dirty="0" smtClean="0">
+                <a:latin typeface="CMU Serif Roman" charset="0"/>
+                <a:ea typeface="CMU Serif Roman" charset="0"/>
+                <a:cs typeface="CMU Serif Roman" charset="0"/>
+              </a:rPr>
+              <a:t>S</a:t>
+            </a:r>
+            <a:r>
+              <a:rPr lang="en-US" sz="2500" baseline="-25000" dirty="0">
+                <a:latin typeface="CMU Serif Roman" charset="0"/>
+                <a:ea typeface="CMU Serif Roman" charset="0"/>
+                <a:cs typeface="CMU Serif Roman" charset="0"/>
+              </a:rPr>
+              <a:t>3</a:t>
+            </a:r>
+          </a:p>
+        </p:txBody>
+      </p:sp>
+      <p:sp>
+        <p:nvSpPr>
+          <p:cNvPr id="114" name="TextBox 113"/>
+          <p:cNvSpPr txBox="1"/>
+          <p:nvPr/>
+        </p:nvSpPr>
+        <p:spPr>
+          <a:xfrm>
+            <a:off x="2335870" y="4132719"/>
+            <a:ext cx="898003" cy="477054"/>
+          </a:xfrm>
+          <a:prstGeom prst="rect">
+            <a:avLst/>
+          </a:prstGeom>
+          <a:noFill/>
+        </p:spPr>
+        <p:txBody>
+          <a:bodyPr wrap="none" rtlCol="0">
+            <a:spAutoFit/>
+          </a:bodyPr>
+          <a:lstStyle/>
+          <a:p>
+            <a:r>
+              <a:rPr lang="en-US" sz="2500" dirty="0" smtClean="0">
+                <a:latin typeface="CMU Serif Roman" charset="0"/>
+                <a:ea typeface="CMU Serif Roman" charset="0"/>
+                <a:cs typeface="CMU Serif Roman" charset="0"/>
+              </a:rPr>
+              <a:t>{ </a:t>
+            </a:r>
+            <a:r>
+              <a:rPr lang="en-US" sz="2500" dirty="0" smtClean="0">
+                <a:latin typeface="CMU Serif Roman" charset="0"/>
+                <a:ea typeface="CMU Serif Roman" charset="0"/>
+                <a:cs typeface="CMU Serif Roman" charset="0"/>
+              </a:rPr>
+              <a:t>b </a:t>
+            </a:r>
+            <a:r>
+              <a:rPr lang="en-US" sz="2500" dirty="0" smtClean="0">
+                <a:latin typeface="CMU Serif Roman" charset="0"/>
+                <a:ea typeface="CMU Serif Roman" charset="0"/>
+                <a:cs typeface="CMU Serif Roman" charset="0"/>
+              </a:rPr>
+              <a:t>}</a:t>
+            </a:r>
+            <a:endParaRPr lang="en-US" sz="2500" dirty="0">
+              <a:latin typeface="CMU Serif Roman" charset="0"/>
+              <a:ea typeface="CMU Serif Roman" charset="0"/>
+              <a:cs typeface="CMU Serif Roman" charset="0"/>
+            </a:endParaRPr>
+          </a:p>
+        </p:txBody>
+      </p:sp>
+      <p:sp>
+        <p:nvSpPr>
+          <p:cNvPr id="115" name="Oval 114"/>
+          <p:cNvSpPr/>
+          <p:nvPr/>
+        </p:nvSpPr>
+        <p:spPr>
+          <a:xfrm>
+            <a:off x="337621" y="5323657"/>
+            <a:ext cx="926926" cy="901874"/>
+          </a:xfrm>
+          <a:prstGeom prst="ellipse">
+            <a:avLst/>
+          </a:prstGeom>
+        </p:spPr>
+        <p:style>
+          <a:lnRef idx="0">
+            <a:schemeClr val="accent5"/>
+          </a:lnRef>
+          <a:fillRef idx="3">
+            <a:schemeClr val="accent5"/>
+          </a:fillRef>
+          <a:effectRef idx="3">
+            <a:schemeClr val="accent5"/>
+          </a:effectRef>
+          <a:fontRef idx="minor">
+            <a:schemeClr val="lt1"/>
+          </a:fontRef>
+        </p:style>
+        <p:txBody>
+          <a:bodyPr rtlCol="0" anchor="ctr"/>
+          <a:lstStyle/>
+          <a:p>
+            <a:pPr algn="ctr"/>
+            <a:r>
+              <a:rPr lang="en-US" sz="2500" dirty="0" smtClean="0">
+                <a:latin typeface="CMU Serif Roman" charset="0"/>
+                <a:ea typeface="CMU Serif Roman" charset="0"/>
+                <a:cs typeface="CMU Serif Roman" charset="0"/>
+              </a:rPr>
+              <a:t>S</a:t>
+            </a:r>
+            <a:r>
+              <a:rPr lang="en-US" sz="2500" baseline="-25000" dirty="0" smtClean="0">
+                <a:latin typeface="CMU Serif Roman" charset="0"/>
+                <a:ea typeface="CMU Serif Roman" charset="0"/>
+                <a:cs typeface="CMU Serif Roman" charset="0"/>
+              </a:rPr>
+              <a:t>4</a:t>
+            </a:r>
+            <a:endParaRPr lang="en-US" sz="2500" baseline="-25000" dirty="0">
+              <a:latin typeface="CMU Serif Roman" charset="0"/>
+              <a:ea typeface="CMU Serif Roman" charset="0"/>
+              <a:cs typeface="CMU Serif Roman" charset="0"/>
+            </a:endParaRPr>
+          </a:p>
+        </p:txBody>
+      </p:sp>
+      <p:sp>
+        <p:nvSpPr>
+          <p:cNvPr id="116" name="TextBox 115"/>
+          <p:cNvSpPr txBox="1"/>
+          <p:nvPr/>
+        </p:nvSpPr>
+        <p:spPr>
+          <a:xfrm>
+            <a:off x="1240491" y="5374146"/>
+            <a:ext cx="898003" cy="477054"/>
+          </a:xfrm>
+          <a:prstGeom prst="rect">
+            <a:avLst/>
+          </a:prstGeom>
+          <a:noFill/>
+        </p:spPr>
+        <p:txBody>
+          <a:bodyPr wrap="none" rtlCol="0">
+            <a:spAutoFit/>
+          </a:bodyPr>
+          <a:lstStyle/>
+          <a:p>
+            <a:r>
+              <a:rPr lang="en-US" sz="2500" dirty="0" smtClean="0">
+                <a:latin typeface="CMU Serif Roman" charset="0"/>
+                <a:ea typeface="CMU Serif Roman" charset="0"/>
+                <a:cs typeface="CMU Serif Roman" charset="0"/>
+              </a:rPr>
+              <a:t>{ p }</a:t>
+            </a:r>
+            <a:endParaRPr lang="en-US" sz="2500" dirty="0">
+              <a:latin typeface="CMU Serif Roman" charset="0"/>
+              <a:ea typeface="CMU Serif Roman" charset="0"/>
+              <a:cs typeface="CMU Serif Roman" charset="0"/>
+            </a:endParaRPr>
+          </a:p>
+        </p:txBody>
+      </p:sp>
+      <p:cxnSp>
+        <p:nvCxnSpPr>
+          <p:cNvPr id="117" name="Straight Arrow Connector 116"/>
+          <p:cNvCxnSpPr>
+            <a:stCxn id="106" idx="2"/>
+            <a:endCxn id="109" idx="7"/>
+          </p:cNvCxnSpPr>
+          <p:nvPr/>
+        </p:nvCxnSpPr>
+        <p:spPr>
+          <a:xfrm flipH="1">
+            <a:off x="3452868" y="2154497"/>
+            <a:ext cx="482390" cy="1075322"/>
+          </a:xfrm>
+          <a:prstGeom prst="straightConnector1">
+            <a:avLst/>
+          </a:prstGeom>
+          <a:ln w="57150">
+            <a:solidFill>
+              <a:schemeClr val="accent1"/>
+            </a:solidFill>
+            <a:tailEnd type="triangle"/>
+          </a:ln>
+        </p:spPr>
+        <p:style>
+          <a:lnRef idx="3">
+            <a:schemeClr val="accent5"/>
+          </a:lnRef>
+          <a:fillRef idx="0">
+            <a:schemeClr val="accent5"/>
+          </a:fillRef>
+          <a:effectRef idx="2">
+            <a:schemeClr val="accent5"/>
+          </a:effectRef>
+          <a:fontRef idx="minor">
+            <a:schemeClr val="tx1"/>
+          </a:fontRef>
+        </p:style>
+      </p:cxnSp>
+      <p:cxnSp>
+        <p:nvCxnSpPr>
+          <p:cNvPr id="118" name="Straight Arrow Connector 117"/>
+          <p:cNvCxnSpPr>
+            <a:stCxn id="106" idx="5"/>
+            <a:endCxn id="111" idx="0"/>
+          </p:cNvCxnSpPr>
+          <p:nvPr/>
+        </p:nvCxnSpPr>
+        <p:spPr>
+          <a:xfrm>
+            <a:off x="4726439" y="2473358"/>
+            <a:ext cx="224896" cy="640346"/>
+          </a:xfrm>
+          <a:prstGeom prst="straightConnector1">
+            <a:avLst/>
+          </a:prstGeom>
+          <a:ln w="57150">
+            <a:solidFill>
+              <a:schemeClr val="accent1"/>
+            </a:solidFill>
+            <a:tailEnd type="triangle"/>
+          </a:ln>
+        </p:spPr>
+        <p:style>
+          <a:lnRef idx="3">
+            <a:schemeClr val="accent5"/>
+          </a:lnRef>
+          <a:fillRef idx="0">
+            <a:schemeClr val="accent5"/>
+          </a:fillRef>
+          <a:effectRef idx="2">
+            <a:schemeClr val="accent5"/>
+          </a:effectRef>
+          <a:fontRef idx="minor">
+            <a:schemeClr val="tx1"/>
+          </a:fontRef>
+        </p:style>
+      </p:cxnSp>
+      <p:cxnSp>
+        <p:nvCxnSpPr>
+          <p:cNvPr id="119" name="Straight Arrow Connector 118"/>
+          <p:cNvCxnSpPr>
+            <a:stCxn id="109" idx="2"/>
+            <a:endCxn id="113" idx="7"/>
+          </p:cNvCxnSpPr>
+          <p:nvPr/>
+        </p:nvCxnSpPr>
+        <p:spPr>
+          <a:xfrm flipH="1">
+            <a:off x="2258519" y="3548680"/>
+            <a:ext cx="403168" cy="716115"/>
+          </a:xfrm>
+          <a:prstGeom prst="straightConnector1">
+            <a:avLst/>
+          </a:prstGeom>
+          <a:ln w="57150">
+            <a:solidFill>
+              <a:schemeClr val="accent1"/>
+            </a:solidFill>
+            <a:tailEnd type="triangle"/>
+          </a:ln>
+        </p:spPr>
+        <p:style>
+          <a:lnRef idx="3">
+            <a:schemeClr val="accent5"/>
+          </a:lnRef>
+          <a:fillRef idx="0">
+            <a:schemeClr val="accent5"/>
+          </a:fillRef>
+          <a:effectRef idx="2">
+            <a:schemeClr val="accent5"/>
+          </a:effectRef>
+          <a:fontRef idx="minor">
+            <a:schemeClr val="tx1"/>
+          </a:fontRef>
+        </p:style>
+      </p:cxnSp>
+      <p:cxnSp>
+        <p:nvCxnSpPr>
+          <p:cNvPr id="120" name="Straight Arrow Connector 119"/>
+          <p:cNvCxnSpPr>
+            <a:stCxn id="113" idx="2"/>
+            <a:endCxn id="115" idx="7"/>
+          </p:cNvCxnSpPr>
+          <p:nvPr/>
+        </p:nvCxnSpPr>
+        <p:spPr>
+          <a:xfrm flipH="1">
+            <a:off x="1128802" y="4583656"/>
+            <a:ext cx="338536" cy="872077"/>
+          </a:xfrm>
+          <a:prstGeom prst="straightConnector1">
+            <a:avLst/>
+          </a:prstGeom>
+          <a:ln w="57150">
+            <a:solidFill>
+              <a:schemeClr val="accent1"/>
+            </a:solidFill>
+            <a:tailEnd type="triangle"/>
+          </a:ln>
+        </p:spPr>
+        <p:style>
+          <a:lnRef idx="3">
+            <a:schemeClr val="accent5"/>
+          </a:lnRef>
+          <a:fillRef idx="0">
+            <a:schemeClr val="accent5"/>
+          </a:fillRef>
+          <a:effectRef idx="2">
+            <a:schemeClr val="accent5"/>
+          </a:effectRef>
+          <a:fontRef idx="minor">
+            <a:schemeClr val="tx1"/>
+          </a:fontRef>
+        </p:style>
+      </p:cxnSp>
+      <p:sp>
+        <p:nvSpPr>
+          <p:cNvPr id="121" name="TextBox 120"/>
+          <p:cNvSpPr txBox="1"/>
+          <p:nvPr/>
+        </p:nvSpPr>
+        <p:spPr>
+          <a:xfrm>
+            <a:off x="3068924" y="2384844"/>
+            <a:ext cx="654346" cy="400110"/>
+          </a:xfrm>
+          <a:prstGeom prst="rect">
+            <a:avLst/>
+          </a:prstGeom>
+          <a:noFill/>
+        </p:spPr>
+        <p:txBody>
+          <a:bodyPr wrap="none" rtlCol="0">
+            <a:spAutoFit/>
+          </a:bodyPr>
+          <a:lstStyle/>
+          <a:p>
+            <a:r>
+              <a:rPr lang="en-US" sz="2000" b="1" dirty="0" smtClean="0">
+                <a:latin typeface="CMU Serif Roman" charset="0"/>
+                <a:ea typeface="CMU Serif Roman" charset="0"/>
+                <a:cs typeface="CMU Serif Roman" charset="0"/>
+              </a:rPr>
+              <a:t>act3</a:t>
+            </a:r>
+            <a:endParaRPr lang="en-US" sz="2000" b="1" dirty="0">
+              <a:latin typeface="CMU Serif Roman" charset="0"/>
+              <a:ea typeface="CMU Serif Roman" charset="0"/>
+              <a:cs typeface="CMU Serif Roman" charset="0"/>
+            </a:endParaRPr>
+          </a:p>
+        </p:txBody>
+      </p:sp>
+      <p:sp>
+        <p:nvSpPr>
+          <p:cNvPr id="122" name="TextBox 121"/>
+          <p:cNvSpPr txBox="1"/>
+          <p:nvPr/>
+        </p:nvSpPr>
+        <p:spPr>
+          <a:xfrm>
+            <a:off x="4173825" y="2616056"/>
+            <a:ext cx="654346" cy="400110"/>
+          </a:xfrm>
+          <a:prstGeom prst="rect">
+            <a:avLst/>
+          </a:prstGeom>
+          <a:noFill/>
+        </p:spPr>
+        <p:txBody>
+          <a:bodyPr wrap="none" rtlCol="0">
+            <a:spAutoFit/>
+          </a:bodyPr>
+          <a:lstStyle/>
+          <a:p>
+            <a:r>
+              <a:rPr lang="en-US" sz="2000" b="1" dirty="0" smtClean="0">
+                <a:latin typeface="CMU Serif Roman" charset="0"/>
+                <a:ea typeface="CMU Serif Roman" charset="0"/>
+                <a:cs typeface="CMU Serif Roman" charset="0"/>
+              </a:rPr>
+              <a:t>act3</a:t>
+            </a:r>
+            <a:endParaRPr lang="en-US" sz="2000" b="1" dirty="0">
+              <a:latin typeface="CMU Serif Roman" charset="0"/>
+              <a:ea typeface="CMU Serif Roman" charset="0"/>
+              <a:cs typeface="CMU Serif Roman" charset="0"/>
+            </a:endParaRPr>
+          </a:p>
+        </p:txBody>
+      </p:sp>
+      <p:sp>
+        <p:nvSpPr>
+          <p:cNvPr id="123" name="TextBox 122"/>
+          <p:cNvSpPr txBox="1"/>
+          <p:nvPr/>
+        </p:nvSpPr>
+        <p:spPr>
+          <a:xfrm>
+            <a:off x="1871051" y="3507141"/>
+            <a:ext cx="654346" cy="400110"/>
+          </a:xfrm>
+          <a:prstGeom prst="rect">
+            <a:avLst/>
+          </a:prstGeom>
+          <a:noFill/>
+        </p:spPr>
+        <p:txBody>
+          <a:bodyPr wrap="none" rtlCol="0">
+            <a:spAutoFit/>
+          </a:bodyPr>
+          <a:lstStyle/>
+          <a:p>
+            <a:r>
+              <a:rPr lang="en-US" sz="2000" b="1" dirty="0" smtClean="0">
+                <a:latin typeface="CMU Serif Roman" charset="0"/>
+                <a:ea typeface="CMU Serif Roman" charset="0"/>
+                <a:cs typeface="CMU Serif Roman" charset="0"/>
+              </a:rPr>
+              <a:t>act3</a:t>
+            </a:r>
+            <a:endParaRPr lang="en-US" sz="2000" b="1" dirty="0">
+              <a:latin typeface="CMU Serif Roman" charset="0"/>
+              <a:ea typeface="CMU Serif Roman" charset="0"/>
+              <a:cs typeface="CMU Serif Roman" charset="0"/>
+            </a:endParaRPr>
+          </a:p>
+        </p:txBody>
+      </p:sp>
+      <p:sp>
+        <p:nvSpPr>
+          <p:cNvPr id="124" name="TextBox 123"/>
+          <p:cNvSpPr txBox="1"/>
+          <p:nvPr/>
+        </p:nvSpPr>
+        <p:spPr>
+          <a:xfrm>
+            <a:off x="641722" y="4666428"/>
+            <a:ext cx="654346" cy="400110"/>
+          </a:xfrm>
+          <a:prstGeom prst="rect">
+            <a:avLst/>
+          </a:prstGeom>
+          <a:noFill/>
+        </p:spPr>
+        <p:txBody>
+          <a:bodyPr wrap="none" rtlCol="0">
+            <a:spAutoFit/>
+          </a:bodyPr>
+          <a:lstStyle/>
+          <a:p>
+            <a:r>
+              <a:rPr lang="en-US" sz="2000" b="1" dirty="0" smtClean="0">
+                <a:latin typeface="CMU Serif Roman" charset="0"/>
+                <a:ea typeface="CMU Serif Roman" charset="0"/>
+                <a:cs typeface="CMU Serif Roman" charset="0"/>
+              </a:rPr>
+              <a:t>act1</a:t>
+            </a:r>
+            <a:endParaRPr lang="en-US" sz="2000" b="1" dirty="0">
+              <a:latin typeface="CMU Serif Roman" charset="0"/>
+              <a:ea typeface="CMU Serif Roman" charset="0"/>
+              <a:cs typeface="CMU Serif Roman" charset="0"/>
+            </a:endParaRPr>
+          </a:p>
+        </p:txBody>
+      </p:sp>
+      <p:sp>
+        <p:nvSpPr>
+          <p:cNvPr id="140" name="Oval 139"/>
+          <p:cNvSpPr/>
+          <p:nvPr/>
+        </p:nvSpPr>
+        <p:spPr>
+          <a:xfrm>
+            <a:off x="5784280" y="3097743"/>
+            <a:ext cx="926926" cy="901874"/>
+          </a:xfrm>
+          <a:prstGeom prst="ellipse">
+            <a:avLst/>
+          </a:prstGeom>
+        </p:spPr>
+        <p:style>
+          <a:lnRef idx="0">
+            <a:schemeClr val="accent5"/>
+          </a:lnRef>
+          <a:fillRef idx="3">
+            <a:schemeClr val="accent5"/>
+          </a:fillRef>
+          <a:effectRef idx="3">
+            <a:schemeClr val="accent5"/>
+          </a:effectRef>
+          <a:fontRef idx="minor">
+            <a:schemeClr val="lt1"/>
+          </a:fontRef>
+        </p:style>
+        <p:txBody>
+          <a:bodyPr rtlCol="0" anchor="ctr"/>
+          <a:lstStyle/>
+          <a:p>
+            <a:pPr algn="ctr"/>
+            <a:r>
+              <a:rPr lang="en-US" sz="2500" smtClean="0">
+                <a:latin typeface="CMU Serif Roman" charset="0"/>
+                <a:ea typeface="CMU Serif Roman" charset="0"/>
+                <a:cs typeface="CMU Serif Roman" charset="0"/>
+              </a:rPr>
+              <a:t>S</a:t>
+            </a:r>
+            <a:r>
+              <a:rPr lang="en-US" sz="2500" baseline="-25000" dirty="0">
+                <a:latin typeface="CMU Serif Roman" charset="0"/>
+                <a:ea typeface="CMU Serif Roman" charset="0"/>
+                <a:cs typeface="CMU Serif Roman" charset="0"/>
+              </a:rPr>
+              <a:t>5</a:t>
+            </a:r>
+            <a:endParaRPr lang="en-US" sz="2500" baseline="-25000" dirty="0">
+              <a:latin typeface="CMU Serif Roman" charset="0"/>
+              <a:ea typeface="CMU Serif Roman" charset="0"/>
+              <a:cs typeface="CMU Serif Roman" charset="0"/>
+            </a:endParaRPr>
+          </a:p>
+        </p:txBody>
+      </p:sp>
+      <p:cxnSp>
+        <p:nvCxnSpPr>
+          <p:cNvPr id="141" name="Straight Arrow Connector 140"/>
+          <p:cNvCxnSpPr>
+            <a:stCxn id="106" idx="6"/>
+            <a:endCxn id="140" idx="1"/>
+          </p:cNvCxnSpPr>
+          <p:nvPr/>
+        </p:nvCxnSpPr>
+        <p:spPr>
+          <a:xfrm>
+            <a:off x="4862184" y="2154497"/>
+            <a:ext cx="1057841" cy="1075322"/>
+          </a:xfrm>
+          <a:prstGeom prst="straightConnector1">
+            <a:avLst/>
+          </a:prstGeom>
+          <a:ln w="57150">
+            <a:solidFill>
+              <a:schemeClr val="accent1"/>
+            </a:solidFill>
+            <a:tailEnd type="triangle"/>
+          </a:ln>
+        </p:spPr>
+        <p:style>
+          <a:lnRef idx="3">
+            <a:schemeClr val="accent5"/>
+          </a:lnRef>
+          <a:fillRef idx="0">
+            <a:schemeClr val="accent5"/>
+          </a:fillRef>
+          <a:effectRef idx="2">
+            <a:schemeClr val="accent5"/>
+          </a:effectRef>
+          <a:fontRef idx="minor">
+            <a:schemeClr val="tx1"/>
+          </a:fontRef>
+        </p:style>
+      </p:cxnSp>
+      <p:sp>
+        <p:nvSpPr>
+          <p:cNvPr id="145" name="TextBox 144"/>
+          <p:cNvSpPr txBox="1"/>
+          <p:nvPr/>
+        </p:nvSpPr>
+        <p:spPr>
+          <a:xfrm>
+            <a:off x="5335069" y="2334968"/>
+            <a:ext cx="654346" cy="400110"/>
+          </a:xfrm>
+          <a:prstGeom prst="rect">
+            <a:avLst/>
+          </a:prstGeom>
+          <a:noFill/>
+        </p:spPr>
+        <p:txBody>
+          <a:bodyPr wrap="none" rtlCol="0">
+            <a:spAutoFit/>
+          </a:bodyPr>
+          <a:lstStyle/>
+          <a:p>
+            <a:r>
+              <a:rPr lang="en-US" sz="2000" b="1" dirty="0" smtClean="0">
+                <a:latin typeface="CMU Serif Roman" charset="0"/>
+                <a:ea typeface="CMU Serif Roman" charset="0"/>
+                <a:cs typeface="CMU Serif Roman" charset="0"/>
+              </a:rPr>
+              <a:t>act4</a:t>
+            </a:r>
+            <a:endParaRPr lang="en-US" sz="2000" b="1" dirty="0">
+              <a:latin typeface="CMU Serif Roman" charset="0"/>
+              <a:ea typeface="CMU Serif Roman" charset="0"/>
+              <a:cs typeface="CMU Serif Roman" charset="0"/>
+            </a:endParaRPr>
+          </a:p>
+        </p:txBody>
+      </p:sp>
+      <p:sp>
+        <p:nvSpPr>
+          <p:cNvPr id="146" name="TextBox 145"/>
+          <p:cNvSpPr txBox="1"/>
+          <p:nvPr/>
+        </p:nvSpPr>
+        <p:spPr>
+          <a:xfrm>
+            <a:off x="5853891" y="4053128"/>
+            <a:ext cx="898003" cy="477054"/>
+          </a:xfrm>
+          <a:prstGeom prst="rect">
+            <a:avLst/>
+          </a:prstGeom>
+          <a:noFill/>
+        </p:spPr>
+        <p:txBody>
+          <a:bodyPr wrap="none" rtlCol="0">
+            <a:spAutoFit/>
+          </a:bodyPr>
+          <a:lstStyle/>
+          <a:p>
+            <a:r>
+              <a:rPr lang="en-US" sz="2500" dirty="0" smtClean="0">
+                <a:latin typeface="CMU Serif Roman" charset="0"/>
+                <a:ea typeface="CMU Serif Roman" charset="0"/>
+                <a:cs typeface="CMU Serif Roman" charset="0"/>
+              </a:rPr>
+              <a:t>{ p }</a:t>
+            </a:r>
+            <a:endParaRPr lang="en-US" sz="2500" dirty="0">
+              <a:latin typeface="CMU Serif Roman" charset="0"/>
+              <a:ea typeface="CMU Serif Roman" charset="0"/>
+              <a:cs typeface="CMU Serif Roman" charset="0"/>
+            </a:endParaRPr>
+          </a:p>
+        </p:txBody>
+      </p:sp>
+      <p:cxnSp>
+        <p:nvCxnSpPr>
+          <p:cNvPr id="148" name="Straight Arrow Connector 147"/>
+          <p:cNvCxnSpPr>
+            <a:endCxn id="106" idx="0"/>
+          </p:cNvCxnSpPr>
+          <p:nvPr/>
+        </p:nvCxnSpPr>
+        <p:spPr>
+          <a:xfrm>
+            <a:off x="4398721" y="1175152"/>
+            <a:ext cx="0" cy="528408"/>
+          </a:xfrm>
+          <a:prstGeom prst="straightConnector1">
+            <a:avLst/>
+          </a:prstGeom>
+          <a:ln w="57150">
+            <a:solidFill>
+              <a:schemeClr val="accent1"/>
+            </a:solidFill>
+            <a:tailEnd type="triangle"/>
+          </a:ln>
+        </p:spPr>
+        <p:style>
+          <a:lnRef idx="3">
+            <a:schemeClr val="accent5"/>
+          </a:lnRef>
+          <a:fillRef idx="0">
+            <a:schemeClr val="accent5"/>
+          </a:fillRef>
+          <a:effectRef idx="2">
+            <a:schemeClr val="accent5"/>
+          </a:effectRef>
+          <a:fontRef idx="minor">
+            <a:schemeClr val="tx1"/>
+          </a:fontRef>
+        </p:style>
+      </p:cxnSp>
+      <p:sp>
+        <p:nvSpPr>
+          <p:cNvPr id="151" name="Oval 150"/>
+          <p:cNvSpPr/>
+          <p:nvPr/>
+        </p:nvSpPr>
+        <p:spPr>
+          <a:xfrm>
+            <a:off x="10057603" y="2046170"/>
+            <a:ext cx="926926" cy="901874"/>
+          </a:xfrm>
+          <a:prstGeom prst="ellipse">
+            <a:avLst/>
+          </a:prstGeom>
+        </p:spPr>
+        <p:style>
+          <a:lnRef idx="0">
+            <a:schemeClr val="accent5"/>
+          </a:lnRef>
+          <a:fillRef idx="3">
+            <a:schemeClr val="accent5"/>
+          </a:fillRef>
+          <a:effectRef idx="3">
+            <a:schemeClr val="accent5"/>
+          </a:effectRef>
+          <a:fontRef idx="minor">
+            <a:schemeClr val="lt1"/>
+          </a:fontRef>
+        </p:style>
+        <p:txBody>
+          <a:bodyPr rtlCol="0" anchor="ctr"/>
+          <a:lstStyle/>
+          <a:p>
+            <a:pPr algn="ctr"/>
+            <a:r>
+              <a:rPr lang="en-US" sz="2500" dirty="0" smtClean="0">
+                <a:latin typeface="CMU Serif Roman" charset="0"/>
+                <a:ea typeface="CMU Serif Roman" charset="0"/>
+                <a:cs typeface="CMU Serif Roman" charset="0"/>
+              </a:rPr>
+              <a:t>S</a:t>
+            </a:r>
+            <a:r>
+              <a:rPr lang="en-US" sz="2500" baseline="-25000" dirty="0" smtClean="0">
+                <a:latin typeface="CMU Serif Roman" charset="0"/>
+                <a:ea typeface="CMU Serif Roman" charset="0"/>
+                <a:cs typeface="CMU Serif Roman" charset="0"/>
+              </a:rPr>
+              <a:t>0</a:t>
+            </a:r>
+            <a:endParaRPr lang="en-US" sz="2500" baseline="-25000" dirty="0">
+              <a:latin typeface="CMU Serif Roman" charset="0"/>
+              <a:ea typeface="CMU Serif Roman" charset="0"/>
+              <a:cs typeface="CMU Serif Roman" charset="0"/>
+            </a:endParaRPr>
+          </a:p>
+        </p:txBody>
+      </p:sp>
+      <p:sp>
+        <p:nvSpPr>
+          <p:cNvPr id="152" name="Oval 151"/>
+          <p:cNvSpPr/>
+          <p:nvPr/>
+        </p:nvSpPr>
+        <p:spPr>
+          <a:xfrm>
+            <a:off x="8704513" y="3198723"/>
+            <a:ext cx="926926" cy="901874"/>
+          </a:xfrm>
+          <a:prstGeom prst="ellipse">
+            <a:avLst/>
+          </a:prstGeom>
+        </p:spPr>
+        <p:style>
+          <a:lnRef idx="0">
+            <a:schemeClr val="accent5"/>
+          </a:lnRef>
+          <a:fillRef idx="3">
+            <a:schemeClr val="accent5"/>
+          </a:fillRef>
+          <a:effectRef idx="3">
+            <a:schemeClr val="accent5"/>
+          </a:effectRef>
+          <a:fontRef idx="minor">
+            <a:schemeClr val="lt1"/>
+          </a:fontRef>
+        </p:style>
+        <p:txBody>
+          <a:bodyPr rtlCol="0" anchor="ctr"/>
+          <a:lstStyle/>
+          <a:p>
+            <a:pPr algn="ctr"/>
+            <a:r>
+              <a:rPr lang="en-US" sz="2500" dirty="0" smtClean="0">
+                <a:latin typeface="CMU Serif Roman" charset="0"/>
+                <a:ea typeface="CMU Serif Roman" charset="0"/>
+                <a:cs typeface="CMU Serif Roman" charset="0"/>
+              </a:rPr>
+              <a:t>S</a:t>
+            </a:r>
+            <a:r>
+              <a:rPr lang="en-US" sz="2500" baseline="-25000" dirty="0">
+                <a:latin typeface="CMU Serif Roman" charset="0"/>
+                <a:ea typeface="CMU Serif Roman" charset="0"/>
+                <a:cs typeface="CMU Serif Roman" charset="0"/>
+              </a:rPr>
+              <a:t>1</a:t>
+            </a:r>
+          </a:p>
+        </p:txBody>
+      </p:sp>
+      <p:sp>
+        <p:nvSpPr>
+          <p:cNvPr id="153" name="TextBox 152"/>
+          <p:cNvSpPr txBox="1"/>
+          <p:nvPr/>
+        </p:nvSpPr>
+        <p:spPr>
+          <a:xfrm>
+            <a:off x="9615721" y="3302737"/>
+            <a:ext cx="898003" cy="477054"/>
+          </a:xfrm>
+          <a:prstGeom prst="rect">
+            <a:avLst/>
+          </a:prstGeom>
+          <a:noFill/>
+        </p:spPr>
+        <p:txBody>
+          <a:bodyPr wrap="none" rtlCol="0">
+            <a:spAutoFit/>
+          </a:bodyPr>
+          <a:lstStyle/>
+          <a:p>
+            <a:r>
+              <a:rPr lang="en-US" sz="2500" smtClean="0">
+                <a:latin typeface="CMU Serif Roman" charset="0"/>
+                <a:ea typeface="CMU Serif Roman" charset="0"/>
+                <a:cs typeface="CMU Serif Roman" charset="0"/>
+              </a:rPr>
+              <a:t>{ </a:t>
+            </a:r>
+            <a:r>
+              <a:rPr lang="en-US" sz="2500" smtClean="0">
+                <a:latin typeface="CMU Serif Roman" charset="0"/>
+                <a:ea typeface="CMU Serif Roman" charset="0"/>
+                <a:cs typeface="CMU Serif Roman" charset="0"/>
+              </a:rPr>
+              <a:t>p </a:t>
+            </a:r>
+            <a:r>
+              <a:rPr lang="en-US" sz="2500" smtClean="0">
+                <a:latin typeface="CMU Serif Roman" charset="0"/>
+                <a:ea typeface="CMU Serif Roman" charset="0"/>
+                <a:cs typeface="CMU Serif Roman" charset="0"/>
+              </a:rPr>
+              <a:t>}</a:t>
+            </a:r>
+            <a:endParaRPr lang="en-US" sz="2500" dirty="0">
+              <a:latin typeface="CMU Serif Roman" charset="0"/>
+              <a:ea typeface="CMU Serif Roman" charset="0"/>
+              <a:cs typeface="CMU Serif Roman" charset="0"/>
+            </a:endParaRPr>
+          </a:p>
+        </p:txBody>
+      </p:sp>
+      <p:sp>
+        <p:nvSpPr>
+          <p:cNvPr id="154" name="Oval 153"/>
+          <p:cNvSpPr/>
+          <p:nvPr/>
+        </p:nvSpPr>
+        <p:spPr>
+          <a:xfrm>
+            <a:off x="11052369" y="3234220"/>
+            <a:ext cx="926926" cy="901874"/>
+          </a:xfrm>
+          <a:prstGeom prst="ellipse">
+            <a:avLst/>
+          </a:prstGeom>
+        </p:spPr>
+        <p:style>
+          <a:lnRef idx="0">
+            <a:schemeClr val="accent5"/>
+          </a:lnRef>
+          <a:fillRef idx="3">
+            <a:schemeClr val="accent5"/>
+          </a:fillRef>
+          <a:effectRef idx="3">
+            <a:schemeClr val="accent5"/>
+          </a:effectRef>
+          <a:fontRef idx="minor">
+            <a:schemeClr val="lt1"/>
+          </a:fontRef>
+        </p:style>
+        <p:txBody>
+          <a:bodyPr rtlCol="0" anchor="ctr"/>
+          <a:lstStyle/>
+          <a:p>
+            <a:pPr algn="ctr"/>
+            <a:r>
+              <a:rPr lang="en-US" sz="2500" dirty="0" smtClean="0">
+                <a:latin typeface="CMU Serif Roman" charset="0"/>
+                <a:ea typeface="CMU Serif Roman" charset="0"/>
+                <a:cs typeface="CMU Serif Roman" charset="0"/>
+              </a:rPr>
+              <a:t>S</a:t>
+            </a:r>
+            <a:r>
+              <a:rPr lang="en-US" sz="2500" baseline="-25000" dirty="0" smtClean="0">
+                <a:latin typeface="CMU Serif Roman" charset="0"/>
+                <a:ea typeface="CMU Serif Roman" charset="0"/>
+                <a:cs typeface="CMU Serif Roman" charset="0"/>
+              </a:rPr>
+              <a:t>2</a:t>
+            </a:r>
+            <a:endParaRPr lang="en-US" sz="2500" baseline="-25000" dirty="0">
+              <a:latin typeface="CMU Serif Roman" charset="0"/>
+              <a:ea typeface="CMU Serif Roman" charset="0"/>
+              <a:cs typeface="CMU Serif Roman" charset="0"/>
+            </a:endParaRPr>
+          </a:p>
+        </p:txBody>
+      </p:sp>
+      <p:sp>
+        <p:nvSpPr>
+          <p:cNvPr id="155" name="TextBox 154"/>
+          <p:cNvSpPr txBox="1"/>
+          <p:nvPr/>
+        </p:nvSpPr>
+        <p:spPr>
+          <a:xfrm>
+            <a:off x="11114603" y="4122111"/>
+            <a:ext cx="898003" cy="477054"/>
+          </a:xfrm>
+          <a:prstGeom prst="rect">
+            <a:avLst/>
+          </a:prstGeom>
+          <a:noFill/>
+        </p:spPr>
+        <p:txBody>
+          <a:bodyPr wrap="none" rtlCol="0">
+            <a:spAutoFit/>
+          </a:bodyPr>
+          <a:lstStyle/>
+          <a:p>
+            <a:r>
+              <a:rPr lang="en-US" sz="2500" dirty="0" smtClean="0">
+                <a:latin typeface="CMU Serif Roman" charset="0"/>
+                <a:ea typeface="CMU Serif Roman" charset="0"/>
+                <a:cs typeface="CMU Serif Roman" charset="0"/>
+              </a:rPr>
+              <a:t>{ p }</a:t>
+            </a:r>
+            <a:endParaRPr lang="en-US" sz="2500" dirty="0">
+              <a:latin typeface="CMU Serif Roman" charset="0"/>
+              <a:ea typeface="CMU Serif Roman" charset="0"/>
+              <a:cs typeface="CMU Serif Roman" charset="0"/>
+            </a:endParaRPr>
+          </a:p>
+        </p:txBody>
+      </p:sp>
+      <p:sp>
+        <p:nvSpPr>
+          <p:cNvPr id="156" name="Oval 155"/>
+          <p:cNvSpPr/>
+          <p:nvPr/>
+        </p:nvSpPr>
+        <p:spPr>
+          <a:xfrm>
+            <a:off x="7443502" y="4319112"/>
+            <a:ext cx="926926" cy="901874"/>
+          </a:xfrm>
+          <a:prstGeom prst="ellipse">
+            <a:avLst/>
+          </a:prstGeom>
+        </p:spPr>
+        <p:style>
+          <a:lnRef idx="0">
+            <a:schemeClr val="accent5"/>
+          </a:lnRef>
+          <a:fillRef idx="3">
+            <a:schemeClr val="accent5"/>
+          </a:fillRef>
+          <a:effectRef idx="3">
+            <a:schemeClr val="accent5"/>
+          </a:effectRef>
+          <a:fontRef idx="minor">
+            <a:schemeClr val="lt1"/>
+          </a:fontRef>
+        </p:style>
+        <p:txBody>
+          <a:bodyPr rtlCol="0" anchor="ctr"/>
+          <a:lstStyle/>
+          <a:p>
+            <a:pPr algn="ctr"/>
+            <a:r>
+              <a:rPr lang="en-US" sz="2500" dirty="0" smtClean="0">
+                <a:latin typeface="CMU Serif Roman" charset="0"/>
+                <a:ea typeface="CMU Serif Roman" charset="0"/>
+                <a:cs typeface="CMU Serif Roman" charset="0"/>
+              </a:rPr>
+              <a:t>S</a:t>
+            </a:r>
+            <a:r>
+              <a:rPr lang="en-US" sz="2500" baseline="-25000" dirty="0">
+                <a:latin typeface="CMU Serif Roman" charset="0"/>
+                <a:ea typeface="CMU Serif Roman" charset="0"/>
+                <a:cs typeface="CMU Serif Roman" charset="0"/>
+              </a:rPr>
+              <a:t>3</a:t>
+            </a:r>
+          </a:p>
+        </p:txBody>
+      </p:sp>
+      <p:sp>
+        <p:nvSpPr>
+          <p:cNvPr id="157" name="TextBox 156"/>
+          <p:cNvSpPr txBox="1"/>
+          <p:nvPr/>
+        </p:nvSpPr>
+        <p:spPr>
+          <a:xfrm>
+            <a:off x="8345130" y="4397222"/>
+            <a:ext cx="898003" cy="477054"/>
+          </a:xfrm>
+          <a:prstGeom prst="rect">
+            <a:avLst/>
+          </a:prstGeom>
+          <a:noFill/>
+        </p:spPr>
+        <p:txBody>
+          <a:bodyPr wrap="none" rtlCol="0">
+            <a:spAutoFit/>
+          </a:bodyPr>
+          <a:lstStyle/>
+          <a:p>
+            <a:r>
+              <a:rPr lang="en-US" sz="2500" dirty="0" smtClean="0">
+                <a:latin typeface="CMU Serif Roman" charset="0"/>
+                <a:ea typeface="CMU Serif Roman" charset="0"/>
+                <a:cs typeface="CMU Serif Roman" charset="0"/>
+              </a:rPr>
+              <a:t>{ </a:t>
+            </a:r>
+            <a:r>
+              <a:rPr lang="en-US" sz="2500" dirty="0" smtClean="0">
+                <a:latin typeface="CMU Serif Roman" charset="0"/>
+                <a:ea typeface="CMU Serif Roman" charset="0"/>
+                <a:cs typeface="CMU Serif Roman" charset="0"/>
+              </a:rPr>
+              <a:t>b </a:t>
+            </a:r>
+            <a:r>
+              <a:rPr lang="en-US" sz="2500" dirty="0" smtClean="0">
+                <a:latin typeface="CMU Serif Roman" charset="0"/>
+                <a:ea typeface="CMU Serif Roman" charset="0"/>
+                <a:cs typeface="CMU Serif Roman" charset="0"/>
+              </a:rPr>
+              <a:t>}</a:t>
+            </a:r>
+            <a:endParaRPr lang="en-US" sz="2500" dirty="0">
+              <a:latin typeface="CMU Serif Roman" charset="0"/>
+              <a:ea typeface="CMU Serif Roman" charset="0"/>
+              <a:cs typeface="CMU Serif Roman" charset="0"/>
+            </a:endParaRPr>
+          </a:p>
+        </p:txBody>
+      </p:sp>
+      <p:cxnSp>
+        <p:nvCxnSpPr>
+          <p:cNvPr id="158" name="Straight Arrow Connector 157"/>
+          <p:cNvCxnSpPr>
+            <a:endCxn id="152" idx="7"/>
+          </p:cNvCxnSpPr>
+          <p:nvPr/>
+        </p:nvCxnSpPr>
+        <p:spPr>
+          <a:xfrm flipH="1">
+            <a:off x="9495694" y="2497107"/>
+            <a:ext cx="561909" cy="833692"/>
+          </a:xfrm>
+          <a:prstGeom prst="straightConnector1">
+            <a:avLst/>
+          </a:prstGeom>
+          <a:ln w="57150">
+            <a:solidFill>
+              <a:schemeClr val="accent1"/>
+            </a:solidFill>
+            <a:tailEnd type="triangle"/>
+          </a:ln>
+        </p:spPr>
+        <p:style>
+          <a:lnRef idx="3">
+            <a:schemeClr val="accent5"/>
+          </a:lnRef>
+          <a:fillRef idx="0">
+            <a:schemeClr val="accent5"/>
+          </a:fillRef>
+          <a:effectRef idx="2">
+            <a:schemeClr val="accent5"/>
+          </a:effectRef>
+          <a:fontRef idx="minor">
+            <a:schemeClr val="tx1"/>
+          </a:fontRef>
+        </p:style>
+      </p:cxnSp>
+      <p:cxnSp>
+        <p:nvCxnSpPr>
+          <p:cNvPr id="159" name="Straight Arrow Connector 158"/>
+          <p:cNvCxnSpPr>
+            <a:stCxn id="151" idx="6"/>
+            <a:endCxn id="154" idx="0"/>
+          </p:cNvCxnSpPr>
+          <p:nvPr/>
+        </p:nvCxnSpPr>
+        <p:spPr>
+          <a:xfrm>
+            <a:off x="10984529" y="2497107"/>
+            <a:ext cx="531303" cy="737113"/>
+          </a:xfrm>
+          <a:prstGeom prst="straightConnector1">
+            <a:avLst/>
+          </a:prstGeom>
+          <a:ln w="57150">
+            <a:solidFill>
+              <a:schemeClr val="accent1"/>
+            </a:solidFill>
+            <a:tailEnd type="triangle"/>
+          </a:ln>
+        </p:spPr>
+        <p:style>
+          <a:lnRef idx="3">
+            <a:schemeClr val="accent5"/>
+          </a:lnRef>
+          <a:fillRef idx="0">
+            <a:schemeClr val="accent5"/>
+          </a:fillRef>
+          <a:effectRef idx="2">
+            <a:schemeClr val="accent5"/>
+          </a:effectRef>
+          <a:fontRef idx="minor">
+            <a:schemeClr val="tx1"/>
+          </a:fontRef>
+        </p:style>
+      </p:cxnSp>
+      <p:cxnSp>
+        <p:nvCxnSpPr>
+          <p:cNvPr id="160" name="Straight Arrow Connector 159"/>
+          <p:cNvCxnSpPr>
+            <a:endCxn id="156" idx="7"/>
+          </p:cNvCxnSpPr>
+          <p:nvPr/>
+        </p:nvCxnSpPr>
+        <p:spPr>
+          <a:xfrm flipH="1">
+            <a:off x="8234683" y="3891290"/>
+            <a:ext cx="549349" cy="559898"/>
+          </a:xfrm>
+          <a:prstGeom prst="straightConnector1">
+            <a:avLst/>
+          </a:prstGeom>
+          <a:ln w="57150">
+            <a:solidFill>
+              <a:schemeClr val="accent1"/>
+            </a:solidFill>
+            <a:tailEnd type="triangle"/>
+          </a:ln>
+        </p:spPr>
+        <p:style>
+          <a:lnRef idx="3">
+            <a:schemeClr val="accent5"/>
+          </a:lnRef>
+          <a:fillRef idx="0">
+            <a:schemeClr val="accent5"/>
+          </a:fillRef>
+          <a:effectRef idx="2">
+            <a:schemeClr val="accent5"/>
+          </a:effectRef>
+          <a:fontRef idx="minor">
+            <a:schemeClr val="tx1"/>
+          </a:fontRef>
+        </p:style>
+      </p:cxnSp>
+      <p:sp>
+        <p:nvSpPr>
+          <p:cNvPr id="161" name="TextBox 160"/>
+          <p:cNvSpPr txBox="1"/>
+          <p:nvPr/>
+        </p:nvSpPr>
+        <p:spPr>
+          <a:xfrm>
+            <a:off x="9039573" y="2612436"/>
+            <a:ext cx="654346" cy="400110"/>
+          </a:xfrm>
+          <a:prstGeom prst="rect">
+            <a:avLst/>
+          </a:prstGeom>
+          <a:noFill/>
+        </p:spPr>
+        <p:txBody>
+          <a:bodyPr wrap="none" rtlCol="0">
+            <a:spAutoFit/>
+          </a:bodyPr>
+          <a:lstStyle/>
+          <a:p>
+            <a:r>
+              <a:rPr lang="en-US" sz="2000" b="1" dirty="0" smtClean="0">
+                <a:latin typeface="CMU Serif Roman" charset="0"/>
+                <a:ea typeface="CMU Serif Roman" charset="0"/>
+                <a:cs typeface="CMU Serif Roman" charset="0"/>
+              </a:rPr>
+              <a:t>act3</a:t>
+            </a:r>
+            <a:endParaRPr lang="en-US" sz="2000" b="1" dirty="0">
+              <a:latin typeface="CMU Serif Roman" charset="0"/>
+              <a:ea typeface="CMU Serif Roman" charset="0"/>
+              <a:cs typeface="CMU Serif Roman" charset="0"/>
+            </a:endParaRPr>
+          </a:p>
+        </p:txBody>
+      </p:sp>
+      <p:sp>
+        <p:nvSpPr>
+          <p:cNvPr id="162" name="TextBox 161"/>
+          <p:cNvSpPr txBox="1"/>
+          <p:nvPr/>
+        </p:nvSpPr>
+        <p:spPr>
+          <a:xfrm>
+            <a:off x="11242426" y="2550799"/>
+            <a:ext cx="654346" cy="400110"/>
+          </a:xfrm>
+          <a:prstGeom prst="rect">
+            <a:avLst/>
+          </a:prstGeom>
+          <a:noFill/>
+        </p:spPr>
+        <p:txBody>
+          <a:bodyPr wrap="none" rtlCol="0">
+            <a:spAutoFit/>
+          </a:bodyPr>
+          <a:lstStyle/>
+          <a:p>
+            <a:r>
+              <a:rPr lang="en-US" sz="2000" b="1" dirty="0" smtClean="0">
+                <a:latin typeface="CMU Serif Roman" charset="0"/>
+                <a:ea typeface="CMU Serif Roman" charset="0"/>
+                <a:cs typeface="CMU Serif Roman" charset="0"/>
+              </a:rPr>
+              <a:t>act3</a:t>
+            </a:r>
+            <a:endParaRPr lang="en-US" sz="2000" b="1" dirty="0">
+              <a:latin typeface="CMU Serif Roman" charset="0"/>
+              <a:ea typeface="CMU Serif Roman" charset="0"/>
+              <a:cs typeface="CMU Serif Roman" charset="0"/>
+            </a:endParaRPr>
+          </a:p>
+        </p:txBody>
+      </p:sp>
+      <p:sp>
+        <p:nvSpPr>
+          <p:cNvPr id="163" name="TextBox 162"/>
+          <p:cNvSpPr txBox="1"/>
+          <p:nvPr/>
+        </p:nvSpPr>
+        <p:spPr>
+          <a:xfrm>
+            <a:off x="7988134" y="3749259"/>
+            <a:ext cx="654346" cy="400110"/>
+          </a:xfrm>
+          <a:prstGeom prst="rect">
+            <a:avLst/>
+          </a:prstGeom>
+          <a:noFill/>
+        </p:spPr>
+        <p:txBody>
+          <a:bodyPr wrap="none" rtlCol="0">
+            <a:spAutoFit/>
+          </a:bodyPr>
+          <a:lstStyle/>
+          <a:p>
+            <a:r>
+              <a:rPr lang="en-US" sz="2000" b="1" dirty="0" smtClean="0">
+                <a:latin typeface="CMU Serif Roman" charset="0"/>
+                <a:ea typeface="CMU Serif Roman" charset="0"/>
+                <a:cs typeface="CMU Serif Roman" charset="0"/>
+              </a:rPr>
+              <a:t>act3</a:t>
+            </a:r>
+            <a:endParaRPr lang="en-US" sz="2000" b="1" dirty="0">
+              <a:latin typeface="CMU Serif Roman" charset="0"/>
+              <a:ea typeface="CMU Serif Roman" charset="0"/>
+              <a:cs typeface="CMU Serif Roman" charset="0"/>
+            </a:endParaRPr>
+          </a:p>
+        </p:txBody>
+      </p:sp>
+      <p:cxnSp>
+        <p:nvCxnSpPr>
+          <p:cNvPr id="164" name="Straight Arrow Connector 163"/>
+          <p:cNvCxnSpPr/>
+          <p:nvPr/>
+        </p:nvCxnSpPr>
+        <p:spPr>
+          <a:xfrm>
+            <a:off x="10521066" y="1517762"/>
+            <a:ext cx="0" cy="528408"/>
+          </a:xfrm>
+          <a:prstGeom prst="straightConnector1">
+            <a:avLst/>
+          </a:prstGeom>
+          <a:ln w="57150">
+            <a:solidFill>
+              <a:schemeClr val="accent1"/>
+            </a:solidFill>
+            <a:tailEnd type="triangle"/>
+          </a:ln>
+        </p:spPr>
+        <p:style>
+          <a:lnRef idx="3">
+            <a:schemeClr val="accent5"/>
+          </a:lnRef>
+          <a:fillRef idx="0">
+            <a:schemeClr val="accent5"/>
+          </a:fillRef>
+          <a:effectRef idx="2">
+            <a:schemeClr val="accent5"/>
+          </a:effectRef>
+          <a:fontRef idx="minor">
+            <a:schemeClr val="tx1"/>
+          </a:fontRef>
+        </p:style>
+      </p:cxnSp>
+      <p:sp>
+        <p:nvSpPr>
+          <p:cNvPr id="169" name="TextBox 168"/>
+          <p:cNvSpPr txBox="1"/>
+          <p:nvPr/>
+        </p:nvSpPr>
+        <p:spPr>
+          <a:xfrm>
+            <a:off x="7278156" y="1578577"/>
+            <a:ext cx="2477810" cy="1169551"/>
+          </a:xfrm>
+          <a:prstGeom prst="rect">
+            <a:avLst/>
+          </a:prstGeom>
+          <a:noFill/>
+        </p:spPr>
+        <p:txBody>
+          <a:bodyPr wrap="square" rtlCol="0">
+            <a:spAutoFit/>
+          </a:bodyPr>
+          <a:lstStyle/>
+          <a:p>
+            <a:pPr algn="ctr"/>
+            <a:r>
+              <a:rPr lang="en-US" sz="1400" dirty="0" smtClean="0">
+                <a:latin typeface="CMU Serif Roman" charset="0"/>
+                <a:ea typeface="CMU Serif Roman" charset="0"/>
+                <a:cs typeface="CMU Serif Roman" charset="0"/>
+              </a:rPr>
+              <a:t>At state, get transitions.</a:t>
+            </a:r>
+          </a:p>
+          <a:p>
+            <a:pPr algn="ctr"/>
+            <a:r>
+              <a:rPr lang="en-US" sz="1400" dirty="0" smtClean="0">
+                <a:latin typeface="CMU Serif Roman" charset="0"/>
+                <a:ea typeface="CMU Serif Roman" charset="0"/>
+                <a:cs typeface="CMU Serif Roman" charset="0"/>
+              </a:rPr>
+              <a:t>If future XAP || </a:t>
+            </a:r>
+            <a:r>
+              <a:rPr lang="en-US" sz="1400" dirty="0" err="1" smtClean="0">
+                <a:latin typeface="CMU Serif Roman" charset="0"/>
+                <a:ea typeface="CMU Serif Roman" charset="0"/>
+                <a:cs typeface="CMU Serif Roman" charset="0"/>
+              </a:rPr>
+              <a:t>XAct</a:t>
+            </a:r>
+            <a:r>
+              <a:rPr lang="en-US" sz="1400" dirty="0" smtClean="0">
+                <a:latin typeface="CMU Serif Roman" charset="0"/>
+                <a:ea typeface="CMU Serif Roman" charset="0"/>
+                <a:cs typeface="CMU Serif Roman" charset="0"/>
+              </a:rPr>
+              <a:t> = Continue to next transition.</a:t>
+            </a:r>
+          </a:p>
+          <a:p>
+            <a:pPr algn="ctr"/>
+            <a:r>
+              <a:rPr lang="en-US" sz="1400" dirty="0" smtClean="0">
+                <a:latin typeface="CMU Serif Roman" charset="0"/>
+                <a:ea typeface="CMU Serif Roman" charset="0"/>
+                <a:cs typeface="CMU Serif Roman" charset="0"/>
+              </a:rPr>
+              <a:t>If get to end of path = next path return.</a:t>
+            </a:r>
+            <a:endParaRPr lang="en-US" sz="1400" dirty="0">
+              <a:latin typeface="CMU Serif Roman" charset="0"/>
+              <a:ea typeface="CMU Serif Roman" charset="0"/>
+              <a:cs typeface="CMU Serif Roman" charset="0"/>
+            </a:endParaRPr>
+          </a:p>
+        </p:txBody>
+      </p:sp>
+    </p:spTree>
+    <p:extLst>
+      <p:ext uri="{BB962C8B-B14F-4D97-AF65-F5344CB8AC3E}">
+        <p14:creationId xmlns:p14="http://schemas.microsoft.com/office/powerpoint/2010/main" val="1046800845"/>
       </p:ext>
     </p:extLst>
   </p:cSld>
@@ -12677,7 +19838,7 @@
         </p:nvSpPr>
         <p:spPr>
           <a:xfrm>
-            <a:off x="6276077" y="1550055"/>
+            <a:off x="5957100" y="1847767"/>
             <a:ext cx="926926" cy="901874"/>
           </a:xfrm>
           <a:prstGeom prst="ellipse">
@@ -12735,7 +19896,7 @@
         </p:nvSpPr>
         <p:spPr>
           <a:xfrm>
-            <a:off x="7145513" y="1464720"/>
+            <a:off x="6826536" y="1762432"/>
             <a:ext cx="906017" cy="477054"/>
           </a:xfrm>
           <a:prstGeom prst="rect">
@@ -12773,7 +19934,7 @@
         </p:nvSpPr>
         <p:spPr>
           <a:xfrm>
-            <a:off x="3932132" y="81164"/>
+            <a:off x="3934919" y="285418"/>
             <a:ext cx="4349269" cy="630942"/>
           </a:xfrm>
           <a:prstGeom prst="rect">
@@ -12840,7 +20001,7 @@
         </p:nvCxnSpPr>
         <p:spPr>
           <a:xfrm>
-            <a:off x="6732357" y="1036833"/>
+            <a:off x="6413380" y="1334545"/>
             <a:ext cx="7183" cy="513222"/>
           </a:xfrm>
           <a:prstGeom prst="straightConnector1">
@@ -12876,7 +20037,7 @@
         </p:nvSpPr>
         <p:spPr>
           <a:xfrm>
-            <a:off x="4409721" y="2781927"/>
+            <a:off x="4090744" y="3079639"/>
             <a:ext cx="926926" cy="901874"/>
           </a:xfrm>
           <a:prstGeom prst="ellipse">
@@ -12929,7 +20090,7 @@
         </p:nvSpPr>
         <p:spPr>
           <a:xfrm>
-            <a:off x="5336647" y="2755810"/>
+            <a:off x="5017670" y="3053522"/>
             <a:ext cx="906017" cy="477054"/>
           </a:xfrm>
           <a:prstGeom prst="rect">
@@ -12967,7 +20128,7 @@
         </p:nvSpPr>
         <p:spPr>
           <a:xfrm>
-            <a:off x="7985604" y="2781927"/>
+            <a:off x="7666627" y="3079639"/>
             <a:ext cx="939430" cy="901874"/>
           </a:xfrm>
           <a:prstGeom prst="ellipse">
@@ -13025,7 +20186,7 @@
         </p:nvSpPr>
         <p:spPr>
           <a:xfrm>
-            <a:off x="8891621" y="2755810"/>
+            <a:off x="8572644" y="3053522"/>
             <a:ext cx="906017" cy="477054"/>
           </a:xfrm>
           <a:prstGeom prst="rect">
@@ -13063,7 +20224,7 @@
         </p:nvSpPr>
         <p:spPr>
           <a:xfrm>
-            <a:off x="2544373" y="3806291"/>
+            <a:off x="2225396" y="4104003"/>
             <a:ext cx="926926" cy="901874"/>
           </a:xfrm>
           <a:prstGeom prst="ellipse">
@@ -13116,7 +20277,7 @@
         </p:nvSpPr>
         <p:spPr>
           <a:xfrm>
-            <a:off x="3417327" y="3762615"/>
+            <a:off x="3098350" y="4060327"/>
             <a:ext cx="906017" cy="477054"/>
           </a:xfrm>
           <a:prstGeom prst="rect">
@@ -13154,7 +20315,7 @@
         </p:nvSpPr>
         <p:spPr>
           <a:xfrm>
-            <a:off x="621792" y="4830655"/>
+            <a:off x="302815" y="5128367"/>
             <a:ext cx="926926" cy="901874"/>
           </a:xfrm>
           <a:prstGeom prst="ellipse">
@@ -13212,7 +20373,7 @@
         </p:nvSpPr>
         <p:spPr>
           <a:xfrm>
-            <a:off x="1548718" y="4843237"/>
+            <a:off x="1229741" y="5140949"/>
             <a:ext cx="906017" cy="477054"/>
           </a:xfrm>
           <a:prstGeom prst="rect">
@@ -13250,7 +20411,7 @@
         </p:nvSpPr>
         <p:spPr>
           <a:xfrm>
-            <a:off x="10102616" y="1122642"/>
+            <a:off x="9783639" y="1420354"/>
             <a:ext cx="926926" cy="901874"/>
           </a:xfrm>
           <a:prstGeom prst="ellipse">
@@ -13308,7 +20469,7 @@
         </p:nvSpPr>
         <p:spPr>
           <a:xfrm>
-            <a:off x="11008499" y="1103759"/>
+            <a:off x="10689522" y="1401471"/>
             <a:ext cx="1253869" cy="477054"/>
           </a:xfrm>
           <a:prstGeom prst="rect">
@@ -13346,7 +20507,7 @@
         </p:nvSpPr>
         <p:spPr>
           <a:xfrm>
-            <a:off x="10102616" y="2860741"/>
+            <a:off x="9783639" y="3158453"/>
             <a:ext cx="926926" cy="901874"/>
           </a:xfrm>
           <a:prstGeom prst="ellipse">
@@ -13399,7 +20560,7 @@
         </p:nvSpPr>
         <p:spPr>
           <a:xfrm>
-            <a:off x="10975570" y="2834624"/>
+            <a:off x="10656593" y="3132336"/>
             <a:ext cx="906017" cy="477054"/>
           </a:xfrm>
           <a:prstGeom prst="rect">
@@ -13440,7 +20601,7 @@
         </p:nvCxnSpPr>
         <p:spPr>
           <a:xfrm flipH="1">
-            <a:off x="5200902" y="2000992"/>
+            <a:off x="4881925" y="2298704"/>
             <a:ext cx="1075175" cy="913011"/>
           </a:xfrm>
           <a:prstGeom prst="straightConnector1">
@@ -13479,7 +20640,7 @@
         </p:nvCxnSpPr>
         <p:spPr>
           <a:xfrm>
-            <a:off x="7203003" y="2000992"/>
+            <a:off x="6884026" y="2298704"/>
             <a:ext cx="920177" cy="913011"/>
           </a:xfrm>
           <a:prstGeom prst="straightConnector1">
@@ -13518,7 +20679,7 @@
         </p:nvCxnSpPr>
         <p:spPr>
           <a:xfrm flipH="1">
-            <a:off x="3335554" y="3232864"/>
+            <a:off x="3016577" y="3530576"/>
             <a:ext cx="1074167" cy="705503"/>
           </a:xfrm>
           <a:prstGeom prst="straightConnector1">
@@ -13557,7 +20718,7 @@
         </p:nvCxnSpPr>
         <p:spPr>
           <a:xfrm flipH="1">
-            <a:off x="1412973" y="4257228"/>
+            <a:off x="1093996" y="4554940"/>
             <a:ext cx="1131400" cy="705503"/>
           </a:xfrm>
           <a:prstGeom prst="straightConnector1">
@@ -13596,7 +20757,7 @@
         </p:nvCxnSpPr>
         <p:spPr>
           <a:xfrm>
-            <a:off x="10566079" y="2024516"/>
+            <a:off x="10247102" y="2322228"/>
             <a:ext cx="0" cy="836225"/>
           </a:xfrm>
           <a:prstGeom prst="straightConnector1">
@@ -13634,7 +20795,7 @@
         </p:nvCxnSpPr>
         <p:spPr>
           <a:xfrm>
-            <a:off x="10566079" y="621395"/>
+            <a:off x="10247102" y="919107"/>
             <a:ext cx="0" cy="501247"/>
           </a:xfrm>
           <a:prstGeom prst="straightConnector1">
@@ -13664,13 +20825,13 @@
       </p:cxnSp>
       <p:sp>
         <p:nvSpPr>
-          <p:cNvPr id="62" name="TextBox 61"/>
+          <p:cNvPr id="63" name="TextBox 62"/>
           <p:cNvSpPr txBox="1"/>
           <p:nvPr/>
         </p:nvSpPr>
         <p:spPr>
           <a:xfrm>
-            <a:off x="4873729" y="5728415"/>
+            <a:off x="10247102" y="2458343"/>
             <a:ext cx="654346" cy="400110"/>
           </a:xfrm>
           <a:prstGeom prst="rect">
@@ -13702,13 +20863,13 @@
       </p:sp>
       <p:sp>
         <p:nvSpPr>
-          <p:cNvPr id="63" name="TextBox 62"/>
+          <p:cNvPr id="64" name="TextBox 63"/>
           <p:cNvSpPr txBox="1"/>
           <p:nvPr/>
         </p:nvSpPr>
         <p:spPr>
           <a:xfrm>
-            <a:off x="10566079" y="2160631"/>
+            <a:off x="3002032" y="3526189"/>
             <a:ext cx="654346" cy="400110"/>
           </a:xfrm>
           <a:prstGeom prst="rect">
@@ -13740,13 +20901,13 @@
       </p:sp>
       <p:sp>
         <p:nvSpPr>
-          <p:cNvPr id="64" name="TextBox 63"/>
+          <p:cNvPr id="65" name="TextBox 64"/>
           <p:cNvSpPr txBox="1"/>
           <p:nvPr/>
         </p:nvSpPr>
         <p:spPr>
           <a:xfrm>
-            <a:off x="3321009" y="3228477"/>
+            <a:off x="1157172" y="4443868"/>
             <a:ext cx="654346" cy="400110"/>
           </a:xfrm>
           <a:prstGeom prst="rect">
@@ -13766,7 +20927,7 @@
                 <a:ea typeface="CMU Serif Roman" charset="0"/>
                 <a:cs typeface="CMU Serif Roman" charset="0"/>
               </a:rPr>
-              <a:t>act1</a:t>
+              <a:t>act2</a:t>
             </a:r>
             <a:endParaRPr lang="en-US" sz="2000" b="1" dirty="0">
               <a:latin typeface="CMU Serif Roman" charset="0"/>
@@ -13778,13 +20939,13 @@
       </p:sp>
       <p:sp>
         <p:nvSpPr>
-          <p:cNvPr id="65" name="TextBox 64"/>
+          <p:cNvPr id="66" name="TextBox 65"/>
           <p:cNvSpPr txBox="1"/>
           <p:nvPr/>
         </p:nvSpPr>
         <p:spPr>
           <a:xfrm>
-            <a:off x="1476149" y="4146156"/>
+            <a:off x="4847666" y="2348859"/>
             <a:ext cx="654346" cy="400110"/>
           </a:xfrm>
           <a:prstGeom prst="rect">
@@ -13804,44 +20965,6 @@
                 <a:ea typeface="CMU Serif Roman" charset="0"/>
                 <a:cs typeface="CMU Serif Roman" charset="0"/>
               </a:rPr>
-              <a:t>act2</a:t>
-            </a:r>
-            <a:endParaRPr lang="en-US" sz="2000" b="1" dirty="0">
-              <a:latin typeface="CMU Serif Roman" charset="0"/>
-              <a:ea typeface="CMU Serif Roman" charset="0"/>
-              <a:cs typeface="CMU Serif Roman" charset="0"/>
-            </a:endParaRPr>
-          </a:p>
-        </p:txBody>
-      </p:sp>
-      <p:sp>
-        <p:nvSpPr>
-          <p:cNvPr id="66" name="TextBox 65"/>
-          <p:cNvSpPr txBox="1"/>
-          <p:nvPr/>
-        </p:nvSpPr>
-        <p:spPr>
-          <a:xfrm>
-            <a:off x="5166643" y="2051147"/>
-            <a:ext cx="654346" cy="400110"/>
-          </a:xfrm>
-          <a:prstGeom prst="rect">
-            <a:avLst/>
-          </a:prstGeom>
-          <a:noFill/>
-        </p:spPr>
-        <p:txBody>
-          <a:bodyPr wrap="none" rtlCol="0">
-            <a:spAutoFit/>
-          </a:bodyPr>
-          <a:lstStyle/>
-          <a:p>
-            <a:r>
-              <a:rPr lang="en-US" sz="2000" b="1" dirty="0" smtClean="0">
-                <a:latin typeface="CMU Serif Roman" charset="0"/>
-                <a:ea typeface="CMU Serif Roman" charset="0"/>
-                <a:cs typeface="CMU Serif Roman" charset="0"/>
-              </a:rPr>
               <a:t>act1</a:t>
             </a:r>
             <a:endParaRPr lang="en-US" sz="2000" b="1" dirty="0">
@@ -13860,7 +20983,7 @@
         </p:nvSpPr>
         <p:spPr>
           <a:xfrm>
-            <a:off x="7657397" y="2054038"/>
+            <a:off x="7338420" y="2351750"/>
             <a:ext cx="654346" cy="400110"/>
           </a:xfrm>
           <a:prstGeom prst="rect">
@@ -13901,7 +21024,7 @@
         </p:nvCxnSpPr>
         <p:spPr>
           <a:xfrm rot="5400000" flipH="1">
-            <a:off x="7680225" y="876761"/>
+            <a:off x="7361248" y="1174473"/>
             <a:ext cx="78814" cy="5692895"/>
           </a:xfrm>
           <a:prstGeom prst="bentConnector3">
@@ -13936,7 +21059,7 @@
         </p:nvSpPr>
         <p:spPr>
           <a:xfrm>
-            <a:off x="7145513" y="4305176"/>
+            <a:off x="6826536" y="4602888"/>
             <a:ext cx="654346" cy="400110"/>
           </a:xfrm>
           <a:prstGeom prst="rect">
